--- a/git-workshop-opdracht-merge-with-conflict.pptx
+++ b/git-workshop-opdracht-merge-with-conflict.pptx
@@ -17,6 +17,9 @@
     <p:sldId id="262" r:id="rId12"/>
     <p:sldId id="263" r:id="rId13"/>
     <p:sldId id="264" r:id="rId14"/>
+    <p:sldId id="265" r:id="rId15"/>
+    <p:sldId id="266" r:id="rId16"/>
+    <p:sldId id="267" r:id="rId17"/>
   </p:sldIdLst>
   <p:sldSz cy="5143500" cx="9144000"/>
   <p:notesSz cx="6858000" cy="9144000"/>
@@ -265,7 +268,7 @@
       </p15:sldGuideLst>
     </p:ext>
     <p:ext uri="http://customooxmlschemas.google.com/">
-      <go:slidesCustomData xmlns:go="http://customooxmlschemas.google.com/" r:id="rId15" roundtripDataSignature="AMtx7mgMbZ994QhKk53EgQ+sNKTyl4c92A=="/>
+      <go:slidesCustomData xmlns:go="http://customooxmlschemas.google.com/" r:id="rId18" roundtripDataSignature="AMtx7mjCtydSVUcLHZWgzYd86u9ZXJQbIQ=="/>
     </p:ext>
   </p:extLst>
 </p:presentation>
@@ -949,12 +952,12 @@
 </p:notes>
 </file>
 
-<file path=ppt/notesSlides/notesSlide2.xml><?xml version="1.0" encoding="utf-8"?>
+<file path=ppt/notesSlides/notesSlide10.xml><?xml version="1.0" encoding="utf-8"?>
 <p:notes xmlns:a="http://schemas.openxmlformats.org/drawingml/2006/main" xmlns:r="http://schemas.openxmlformats.org/officeDocument/2006/relationships" xmlns:mc="http://schemas.openxmlformats.org/markup-compatibility/2006" xmlns:mv="urn:schemas-microsoft-com:mac:vml" xmlns:p="http://schemas.openxmlformats.org/presentationml/2006/main" xmlns:c="http://schemas.openxmlformats.org/drawingml/2006/chart" xmlns:dgm="http://schemas.openxmlformats.org/drawingml/2006/diagram" xmlns:o="urn:schemas-microsoft-com:office:office" xmlns:v="urn:schemas-microsoft-com:vml" xmlns:pvml="urn:schemas-microsoft-com:office:powerpoint" xmlns:com="http://schemas.openxmlformats.org/drawingml/2006/compatibility" xmlns:p14="http://schemas.microsoft.com/office/powerpoint/2010/main" xmlns:p15="http://schemas.microsoft.com/office/powerpoint/2012/main" showMasterPhAnim="0" showMasterSp="0">
   <p:cSld>
     <p:spTree>
       <p:nvGrpSpPr>
-        <p:cNvPr id="58" name="Shape 58"/>
+        <p:cNvPr id="180" name="Shape 180"/>
         <p:cNvGrpSpPr/>
         <p:nvPr/>
       </p:nvGrpSpPr>
@@ -968,7 +971,7 @@
       </p:grpSpPr>
       <p:sp>
         <p:nvSpPr>
-          <p:cNvPr id="59" name="Google Shape;59;p2:notes"/>
+          <p:cNvPr id="181" name="Google Shape;181;g705546a133_0_21:notes"/>
           <p:cNvSpPr/>
           <p:nvPr>
             <p:ph idx="2" type="sldImg"/>
@@ -1013,7 +1016,7 @@
       </p:sp>
       <p:sp>
         <p:nvSpPr>
-          <p:cNvPr id="60" name="Google Shape;60;p2:notes"/>
+          <p:cNvPr id="182" name="Google Shape;182;g705546a133_0_21:notes"/>
           <p:cNvSpPr txBox="1"/>
           <p:nvPr>
             <p:ph idx="1" type="body"/>
@@ -1066,12 +1069,12 @@
 </p:notes>
 </file>
 
-<file path=ppt/notesSlides/notesSlide3.xml><?xml version="1.0" encoding="utf-8"?>
+<file path=ppt/notesSlides/notesSlide11.xml><?xml version="1.0" encoding="utf-8"?>
 <p:notes xmlns:a="http://schemas.openxmlformats.org/drawingml/2006/main" xmlns:r="http://schemas.openxmlformats.org/officeDocument/2006/relationships" xmlns:mc="http://schemas.openxmlformats.org/markup-compatibility/2006" xmlns:mv="urn:schemas-microsoft-com:mac:vml" xmlns:p="http://schemas.openxmlformats.org/presentationml/2006/main" xmlns:c="http://schemas.openxmlformats.org/drawingml/2006/chart" xmlns:dgm="http://schemas.openxmlformats.org/drawingml/2006/diagram" xmlns:o="urn:schemas-microsoft-com:office:office" xmlns:v="urn:schemas-microsoft-com:vml" xmlns:pvml="urn:schemas-microsoft-com:office:powerpoint" xmlns:com="http://schemas.openxmlformats.org/drawingml/2006/compatibility" xmlns:p14="http://schemas.microsoft.com/office/powerpoint/2010/main" xmlns:p15="http://schemas.microsoft.com/office/powerpoint/2012/main" showMasterPhAnim="0" showMasterSp="0">
   <p:cSld>
     <p:spTree>
       <p:nvGrpSpPr>
-        <p:cNvPr id="67" name="Shape 67"/>
+        <p:cNvPr id="200" name="Shape 200"/>
         <p:cNvGrpSpPr/>
         <p:nvPr/>
       </p:nvGrpSpPr>
@@ -1085,7 +1088,7 @@
       </p:grpSpPr>
       <p:sp>
         <p:nvSpPr>
-          <p:cNvPr id="68" name="Google Shape;68;p3:notes"/>
+          <p:cNvPr id="201" name="Google Shape;201;g705546a133_0_40:notes"/>
           <p:cNvSpPr/>
           <p:nvPr>
             <p:ph idx="2" type="sldImg"/>
@@ -1130,7 +1133,7 @@
       </p:sp>
       <p:sp>
         <p:nvSpPr>
-          <p:cNvPr id="69" name="Google Shape;69;p3:notes"/>
+          <p:cNvPr id="202" name="Google Shape;202;g705546a133_0_40:notes"/>
           <p:cNvSpPr txBox="1"/>
           <p:nvPr>
             <p:ph idx="1" type="body"/>
@@ -1183,12 +1186,12 @@
 </p:notes>
 </file>
 
-<file path=ppt/notesSlides/notesSlide4.xml><?xml version="1.0" encoding="utf-8"?>
+<file path=ppt/notesSlides/notesSlide12.xml><?xml version="1.0" encoding="utf-8"?>
 <p:notes xmlns:a="http://schemas.openxmlformats.org/drawingml/2006/main" xmlns:r="http://schemas.openxmlformats.org/officeDocument/2006/relationships" xmlns:mc="http://schemas.openxmlformats.org/markup-compatibility/2006" xmlns:mv="urn:schemas-microsoft-com:mac:vml" xmlns:p="http://schemas.openxmlformats.org/presentationml/2006/main" xmlns:c="http://schemas.openxmlformats.org/drawingml/2006/chart" xmlns:dgm="http://schemas.openxmlformats.org/drawingml/2006/diagram" xmlns:o="urn:schemas-microsoft-com:office:office" xmlns:v="urn:schemas-microsoft-com:vml" xmlns:pvml="urn:schemas-microsoft-com:office:powerpoint" xmlns:com="http://schemas.openxmlformats.org/drawingml/2006/compatibility" xmlns:p14="http://schemas.microsoft.com/office/powerpoint/2010/main" xmlns:p15="http://schemas.microsoft.com/office/powerpoint/2012/main" showMasterPhAnim="0" showMasterSp="0">
   <p:cSld>
     <p:spTree>
       <p:nvGrpSpPr>
-        <p:cNvPr id="76" name="Shape 76"/>
+        <p:cNvPr id="220" name="Shape 220"/>
         <p:cNvGrpSpPr/>
         <p:nvPr/>
       </p:nvGrpSpPr>
@@ -1202,7 +1205,7 @@
       </p:grpSpPr>
       <p:sp>
         <p:nvSpPr>
-          <p:cNvPr id="77" name="Google Shape;77;p4:notes"/>
+          <p:cNvPr id="221" name="Google Shape;221;g7052a85339_0_47:notes"/>
           <p:cNvSpPr/>
           <p:nvPr>
             <p:ph idx="2" type="sldImg"/>
@@ -1247,7 +1250,7 @@
       </p:sp>
       <p:sp>
         <p:nvSpPr>
-          <p:cNvPr id="78" name="Google Shape;78;p4:notes"/>
+          <p:cNvPr id="222" name="Google Shape;222;g7052a85339_0_47:notes"/>
           <p:cNvSpPr txBox="1"/>
           <p:nvPr>
             <p:ph idx="1" type="body"/>
@@ -1300,12 +1303,12 @@
 </p:notes>
 </file>
 
-<file path=ppt/notesSlides/notesSlide5.xml><?xml version="1.0" encoding="utf-8"?>
+<file path=ppt/notesSlides/notesSlide2.xml><?xml version="1.0" encoding="utf-8"?>
 <p:notes xmlns:a="http://schemas.openxmlformats.org/drawingml/2006/main" xmlns:r="http://schemas.openxmlformats.org/officeDocument/2006/relationships" xmlns:mc="http://schemas.openxmlformats.org/markup-compatibility/2006" xmlns:mv="urn:schemas-microsoft-com:mac:vml" xmlns:p="http://schemas.openxmlformats.org/presentationml/2006/main" xmlns:c="http://schemas.openxmlformats.org/drawingml/2006/chart" xmlns:dgm="http://schemas.openxmlformats.org/drawingml/2006/diagram" xmlns:o="urn:schemas-microsoft-com:office:office" xmlns:v="urn:schemas-microsoft-com:vml" xmlns:pvml="urn:schemas-microsoft-com:office:powerpoint" xmlns:com="http://schemas.openxmlformats.org/drawingml/2006/compatibility" xmlns:p14="http://schemas.microsoft.com/office/powerpoint/2010/main" xmlns:p15="http://schemas.microsoft.com/office/powerpoint/2012/main" showMasterPhAnim="0" showMasterSp="0">
   <p:cSld>
     <p:spTree>
       <p:nvGrpSpPr>
-        <p:cNvPr id="88" name="Shape 88"/>
+        <p:cNvPr id="59" name="Shape 59"/>
         <p:cNvGrpSpPr/>
         <p:nvPr/>
       </p:nvGrpSpPr>
@@ -1319,7 +1322,7 @@
       </p:grpSpPr>
       <p:sp>
         <p:nvSpPr>
-          <p:cNvPr id="89" name="Google Shape;89;g7052a85339_0_0:notes"/>
+          <p:cNvPr id="60" name="Google Shape;60;p2:notes"/>
           <p:cNvSpPr/>
           <p:nvPr>
             <p:ph idx="2" type="sldImg"/>
@@ -1364,7 +1367,7 @@
       </p:sp>
       <p:sp>
         <p:nvSpPr>
-          <p:cNvPr id="90" name="Google Shape;90;g7052a85339_0_0:notes"/>
+          <p:cNvPr id="61" name="Google Shape;61;p2:notes"/>
           <p:cNvSpPr txBox="1"/>
           <p:nvPr>
             <p:ph idx="1" type="body"/>
@@ -1417,12 +1420,12 @@
 </p:notes>
 </file>
 
-<file path=ppt/notesSlides/notesSlide6.xml><?xml version="1.0" encoding="utf-8"?>
+<file path=ppt/notesSlides/notesSlide3.xml><?xml version="1.0" encoding="utf-8"?>
 <p:notes xmlns:a="http://schemas.openxmlformats.org/drawingml/2006/main" xmlns:r="http://schemas.openxmlformats.org/officeDocument/2006/relationships" xmlns:mc="http://schemas.openxmlformats.org/markup-compatibility/2006" xmlns:mv="urn:schemas-microsoft-com:mac:vml" xmlns:p="http://schemas.openxmlformats.org/presentationml/2006/main" xmlns:c="http://schemas.openxmlformats.org/drawingml/2006/chart" xmlns:dgm="http://schemas.openxmlformats.org/drawingml/2006/diagram" xmlns:o="urn:schemas-microsoft-com:office:office" xmlns:v="urn:schemas-microsoft-com:vml" xmlns:pvml="urn:schemas-microsoft-com:office:powerpoint" xmlns:com="http://schemas.openxmlformats.org/drawingml/2006/compatibility" xmlns:p14="http://schemas.microsoft.com/office/powerpoint/2010/main" xmlns:p15="http://schemas.microsoft.com/office/powerpoint/2012/main" showMasterPhAnim="0" showMasterSp="0">
   <p:cSld>
     <p:spTree>
       <p:nvGrpSpPr>
-        <p:cNvPr id="100" name="Shape 100"/>
+        <p:cNvPr id="69" name="Shape 69"/>
         <p:cNvGrpSpPr/>
         <p:nvPr/>
       </p:nvGrpSpPr>
@@ -1436,7 +1439,7 @@
       </p:grpSpPr>
       <p:sp>
         <p:nvSpPr>
-          <p:cNvPr id="101" name="Google Shape;101;p5:notes"/>
+          <p:cNvPr id="70" name="Google Shape;70;p3:notes"/>
           <p:cNvSpPr/>
           <p:nvPr>
             <p:ph idx="2" type="sldImg"/>
@@ -1481,7 +1484,7 @@
       </p:sp>
       <p:sp>
         <p:nvSpPr>
-          <p:cNvPr id="102" name="Google Shape;102;p5:notes"/>
+          <p:cNvPr id="71" name="Google Shape;71;p3:notes"/>
           <p:cNvSpPr txBox="1"/>
           <p:nvPr>
             <p:ph idx="1" type="body"/>
@@ -1534,12 +1537,12 @@
 </p:notes>
 </file>
 
-<file path=ppt/notesSlides/notesSlide7.xml><?xml version="1.0" encoding="utf-8"?>
+<file path=ppt/notesSlides/notesSlide4.xml><?xml version="1.0" encoding="utf-8"?>
 <p:notes xmlns:a="http://schemas.openxmlformats.org/drawingml/2006/main" xmlns:r="http://schemas.openxmlformats.org/officeDocument/2006/relationships" xmlns:mc="http://schemas.openxmlformats.org/markup-compatibility/2006" xmlns:mv="urn:schemas-microsoft-com:mac:vml" xmlns:p="http://schemas.openxmlformats.org/presentationml/2006/main" xmlns:c="http://schemas.openxmlformats.org/drawingml/2006/chart" xmlns:dgm="http://schemas.openxmlformats.org/drawingml/2006/diagram" xmlns:o="urn:schemas-microsoft-com:office:office" xmlns:v="urn:schemas-microsoft-com:vml" xmlns:pvml="urn:schemas-microsoft-com:office:powerpoint" xmlns:com="http://schemas.openxmlformats.org/drawingml/2006/compatibility" xmlns:p14="http://schemas.microsoft.com/office/powerpoint/2010/main" xmlns:p15="http://schemas.microsoft.com/office/powerpoint/2012/main" showMasterPhAnim="0" showMasterSp="0">
   <p:cSld>
     <p:spTree>
       <p:nvGrpSpPr>
-        <p:cNvPr id="115" name="Shape 115"/>
+        <p:cNvPr id="79" name="Shape 79"/>
         <p:cNvGrpSpPr/>
         <p:nvPr/>
       </p:nvGrpSpPr>
@@ -1553,7 +1556,7 @@
       </p:grpSpPr>
       <p:sp>
         <p:nvSpPr>
-          <p:cNvPr id="116" name="Google Shape;116;g7052a85339_0_11:notes"/>
+          <p:cNvPr id="80" name="Google Shape;80;p4:notes"/>
           <p:cNvSpPr/>
           <p:nvPr>
             <p:ph idx="2" type="sldImg"/>
@@ -1598,7 +1601,7 @@
       </p:sp>
       <p:sp>
         <p:nvSpPr>
-          <p:cNvPr id="117" name="Google Shape;117;g7052a85339_0_11:notes"/>
+          <p:cNvPr id="81" name="Google Shape;81;p4:notes"/>
           <p:cNvSpPr txBox="1"/>
           <p:nvPr>
             <p:ph idx="1" type="body"/>
@@ -1651,12 +1654,12 @@
 </p:notes>
 </file>
 
-<file path=ppt/notesSlides/notesSlide8.xml><?xml version="1.0" encoding="utf-8"?>
+<file path=ppt/notesSlides/notesSlide5.xml><?xml version="1.0" encoding="utf-8"?>
 <p:notes xmlns:a="http://schemas.openxmlformats.org/drawingml/2006/main" xmlns:r="http://schemas.openxmlformats.org/officeDocument/2006/relationships" xmlns:mc="http://schemas.openxmlformats.org/markup-compatibility/2006" xmlns:mv="urn:schemas-microsoft-com:mac:vml" xmlns:p="http://schemas.openxmlformats.org/presentationml/2006/main" xmlns:c="http://schemas.openxmlformats.org/drawingml/2006/chart" xmlns:dgm="http://schemas.openxmlformats.org/drawingml/2006/diagram" xmlns:o="urn:schemas-microsoft-com:office:office" xmlns:v="urn:schemas-microsoft-com:vml" xmlns:pvml="urn:schemas-microsoft-com:office:powerpoint" xmlns:com="http://schemas.openxmlformats.org/drawingml/2006/compatibility" xmlns:p14="http://schemas.microsoft.com/office/powerpoint/2010/main" xmlns:p15="http://schemas.microsoft.com/office/powerpoint/2012/main" showMasterPhAnim="0" showMasterSp="0">
   <p:cSld>
     <p:spTree>
       <p:nvGrpSpPr>
-        <p:cNvPr id="133" name="Shape 133"/>
+        <p:cNvPr id="92" name="Shape 92"/>
         <p:cNvGrpSpPr/>
         <p:nvPr/>
       </p:nvGrpSpPr>
@@ -1670,7 +1673,7 @@
       </p:grpSpPr>
       <p:sp>
         <p:nvSpPr>
-          <p:cNvPr id="134" name="Google Shape;134;g7052a85339_0_28:notes"/>
+          <p:cNvPr id="93" name="Google Shape;93;g7052a85339_0_0:notes"/>
           <p:cNvSpPr/>
           <p:nvPr>
             <p:ph idx="2" type="sldImg"/>
@@ -1715,7 +1718,7 @@
       </p:sp>
       <p:sp>
         <p:nvSpPr>
-          <p:cNvPr id="135" name="Google Shape;135;g7052a85339_0_28:notes"/>
+          <p:cNvPr id="94" name="Google Shape;94;g7052a85339_0_0:notes"/>
           <p:cNvSpPr txBox="1"/>
           <p:nvPr>
             <p:ph idx="1" type="body"/>
@@ -1768,12 +1771,12 @@
 </p:notes>
 </file>
 
-<file path=ppt/notesSlides/notesSlide9.xml><?xml version="1.0" encoding="utf-8"?>
+<file path=ppt/notesSlides/notesSlide6.xml><?xml version="1.0" encoding="utf-8"?>
 <p:notes xmlns:a="http://schemas.openxmlformats.org/drawingml/2006/main" xmlns:r="http://schemas.openxmlformats.org/officeDocument/2006/relationships" xmlns:mc="http://schemas.openxmlformats.org/markup-compatibility/2006" xmlns:mv="urn:schemas-microsoft-com:mac:vml" xmlns:p="http://schemas.openxmlformats.org/presentationml/2006/main" xmlns:c="http://schemas.openxmlformats.org/drawingml/2006/chart" xmlns:dgm="http://schemas.openxmlformats.org/drawingml/2006/diagram" xmlns:o="urn:schemas-microsoft-com:office:office" xmlns:v="urn:schemas-microsoft-com:vml" xmlns:pvml="urn:schemas-microsoft-com:office:powerpoint" xmlns:com="http://schemas.openxmlformats.org/drawingml/2006/compatibility" xmlns:p14="http://schemas.microsoft.com/office/powerpoint/2010/main" xmlns:p15="http://schemas.microsoft.com/office/powerpoint/2012/main" showMasterPhAnim="0" showMasterSp="0">
   <p:cSld>
     <p:spTree>
       <p:nvGrpSpPr>
-        <p:cNvPr id="152" name="Shape 152"/>
+        <p:cNvPr id="105" name="Shape 105"/>
         <p:cNvGrpSpPr/>
         <p:nvPr/>
       </p:nvGrpSpPr>
@@ -1787,7 +1790,7 @@
       </p:grpSpPr>
       <p:sp>
         <p:nvSpPr>
-          <p:cNvPr id="153" name="Google Shape;153;g7052a85339_0_47:notes"/>
+          <p:cNvPr id="106" name="Google Shape;106;p5:notes"/>
           <p:cNvSpPr/>
           <p:nvPr>
             <p:ph idx="2" type="sldImg"/>
@@ -1832,7 +1835,358 @@
       </p:sp>
       <p:sp>
         <p:nvSpPr>
-          <p:cNvPr id="154" name="Google Shape;154;g7052a85339_0_47:notes"/>
+          <p:cNvPr id="107" name="Google Shape;107;p5:notes"/>
+          <p:cNvSpPr txBox="1"/>
+          <p:nvPr>
+            <p:ph idx="1" type="body"/>
+          </p:nvPr>
+        </p:nvSpPr>
+        <p:spPr>
+          <a:xfrm>
+            <a:off x="685800" y="4343400"/>
+            <a:ext cx="5486400" cy="4114800"/>
+          </a:xfrm>
+          <a:prstGeom prst="rect">
+            <a:avLst/>
+          </a:prstGeom>
+          <a:noFill/>
+          <a:ln>
+            <a:noFill/>
+          </a:ln>
+        </p:spPr>
+        <p:txBody>
+          <a:bodyPr anchorCtr="0" anchor="t" bIns="91425" lIns="91425" spcFirstLastPara="1" rIns="91425" wrap="square" tIns="91425">
+            <a:noAutofit/>
+          </a:bodyPr>
+          <a:lstStyle/>
+          <a:p>
+            <a:pPr indent="0" lvl="0" marL="0" rtl="0" algn="l">
+              <a:lnSpc>
+                <a:spcPct val="100000"/>
+              </a:lnSpc>
+              <a:spcBef>
+                <a:spcPts val="0"/>
+              </a:spcBef>
+              <a:spcAft>
+                <a:spcPts val="0"/>
+              </a:spcAft>
+              <a:buSzPts val="1100"/>
+              <a:buNone/>
+            </a:pPr>
+            <a:r>
+              <a:t/>
+            </a:r>
+            <a:endParaRPr/>
+          </a:p>
+        </p:txBody>
+      </p:sp>
+    </p:spTree>
+  </p:cSld>
+  <p:clrMapOvr>
+    <a:masterClrMapping/>
+  </p:clrMapOvr>
+</p:notes>
+</file>
+
+<file path=ppt/notesSlides/notesSlide7.xml><?xml version="1.0" encoding="utf-8"?>
+<p:notes xmlns:a="http://schemas.openxmlformats.org/drawingml/2006/main" xmlns:r="http://schemas.openxmlformats.org/officeDocument/2006/relationships" xmlns:mc="http://schemas.openxmlformats.org/markup-compatibility/2006" xmlns:mv="urn:schemas-microsoft-com:mac:vml" xmlns:p="http://schemas.openxmlformats.org/presentationml/2006/main" xmlns:c="http://schemas.openxmlformats.org/drawingml/2006/chart" xmlns:dgm="http://schemas.openxmlformats.org/drawingml/2006/diagram" xmlns:o="urn:schemas-microsoft-com:office:office" xmlns:v="urn:schemas-microsoft-com:vml" xmlns:pvml="urn:schemas-microsoft-com:office:powerpoint" xmlns:com="http://schemas.openxmlformats.org/drawingml/2006/compatibility" xmlns:p14="http://schemas.microsoft.com/office/powerpoint/2010/main" xmlns:p15="http://schemas.microsoft.com/office/powerpoint/2012/main" showMasterPhAnim="0" showMasterSp="0">
+  <p:cSld>
+    <p:spTree>
+      <p:nvGrpSpPr>
+        <p:cNvPr id="121" name="Shape 121"/>
+        <p:cNvGrpSpPr/>
+        <p:nvPr/>
+      </p:nvGrpSpPr>
+      <p:grpSpPr>
+        <a:xfrm>
+          <a:off x="0" y="0"/>
+          <a:ext cx="0" cy="0"/>
+          <a:chOff x="0" y="0"/>
+          <a:chExt cx="0" cy="0"/>
+        </a:xfrm>
+      </p:grpSpPr>
+      <p:sp>
+        <p:nvSpPr>
+          <p:cNvPr id="122" name="Google Shape;122;g7052a85339_0_11:notes"/>
+          <p:cNvSpPr/>
+          <p:nvPr>
+            <p:ph idx="2" type="sldImg"/>
+          </p:nvPr>
+        </p:nvSpPr>
+        <p:spPr>
+          <a:xfrm>
+            <a:off x="381300" y="685800"/>
+            <a:ext cx="6096000" cy="3429000"/>
+          </a:xfrm>
+          <a:custGeom>
+            <a:rect b="b" l="l" r="r" t="t"/>
+            <a:pathLst>
+              <a:path extrusionOk="0" h="120000" w="120000">
+                <a:moveTo>
+                  <a:pt x="0" y="0"/>
+                </a:moveTo>
+                <a:lnTo>
+                  <a:pt x="120000" y="0"/>
+                </a:lnTo>
+                <a:lnTo>
+                  <a:pt x="120000" y="120000"/>
+                </a:lnTo>
+                <a:lnTo>
+                  <a:pt x="0" y="120000"/>
+                </a:lnTo>
+                <a:close/>
+              </a:path>
+            </a:pathLst>
+          </a:custGeom>
+          <a:noFill/>
+          <a:ln cap="flat" cmpd="sng" w="9525">
+            <a:solidFill>
+              <a:srgbClr val="000000"/>
+            </a:solidFill>
+            <a:prstDash val="solid"/>
+            <a:round/>
+            <a:headEnd len="sm" w="sm" type="none"/>
+            <a:tailEnd len="sm" w="sm" type="none"/>
+          </a:ln>
+        </p:spPr>
+      </p:sp>
+      <p:sp>
+        <p:nvSpPr>
+          <p:cNvPr id="123" name="Google Shape;123;g7052a85339_0_11:notes"/>
+          <p:cNvSpPr txBox="1"/>
+          <p:nvPr>
+            <p:ph idx="1" type="body"/>
+          </p:nvPr>
+        </p:nvSpPr>
+        <p:spPr>
+          <a:xfrm>
+            <a:off x="685800" y="4343400"/>
+            <a:ext cx="5486400" cy="4114800"/>
+          </a:xfrm>
+          <a:prstGeom prst="rect">
+            <a:avLst/>
+          </a:prstGeom>
+          <a:noFill/>
+          <a:ln>
+            <a:noFill/>
+          </a:ln>
+        </p:spPr>
+        <p:txBody>
+          <a:bodyPr anchorCtr="0" anchor="t" bIns="91425" lIns="91425" spcFirstLastPara="1" rIns="91425" wrap="square" tIns="91425">
+            <a:noAutofit/>
+          </a:bodyPr>
+          <a:lstStyle/>
+          <a:p>
+            <a:pPr indent="0" lvl="0" marL="0" rtl="0" algn="l">
+              <a:lnSpc>
+                <a:spcPct val="100000"/>
+              </a:lnSpc>
+              <a:spcBef>
+                <a:spcPts val="0"/>
+              </a:spcBef>
+              <a:spcAft>
+                <a:spcPts val="0"/>
+              </a:spcAft>
+              <a:buSzPts val="1100"/>
+              <a:buNone/>
+            </a:pPr>
+            <a:r>
+              <a:t/>
+            </a:r>
+            <a:endParaRPr/>
+          </a:p>
+        </p:txBody>
+      </p:sp>
+    </p:spTree>
+  </p:cSld>
+  <p:clrMapOvr>
+    <a:masterClrMapping/>
+  </p:clrMapOvr>
+</p:notes>
+</file>
+
+<file path=ppt/notesSlides/notesSlide8.xml><?xml version="1.0" encoding="utf-8"?>
+<p:notes xmlns:a="http://schemas.openxmlformats.org/drawingml/2006/main" xmlns:r="http://schemas.openxmlformats.org/officeDocument/2006/relationships" xmlns:mc="http://schemas.openxmlformats.org/markup-compatibility/2006" xmlns:mv="urn:schemas-microsoft-com:mac:vml" xmlns:p="http://schemas.openxmlformats.org/presentationml/2006/main" xmlns:c="http://schemas.openxmlformats.org/drawingml/2006/chart" xmlns:dgm="http://schemas.openxmlformats.org/drawingml/2006/diagram" xmlns:o="urn:schemas-microsoft-com:office:office" xmlns:v="urn:schemas-microsoft-com:vml" xmlns:pvml="urn:schemas-microsoft-com:office:powerpoint" xmlns:com="http://schemas.openxmlformats.org/drawingml/2006/compatibility" xmlns:p14="http://schemas.microsoft.com/office/powerpoint/2010/main" xmlns:p15="http://schemas.microsoft.com/office/powerpoint/2012/main" showMasterPhAnim="0" showMasterSp="0">
+  <p:cSld>
+    <p:spTree>
+      <p:nvGrpSpPr>
+        <p:cNvPr id="140" name="Shape 140"/>
+        <p:cNvGrpSpPr/>
+        <p:nvPr/>
+      </p:nvGrpSpPr>
+      <p:grpSpPr>
+        <a:xfrm>
+          <a:off x="0" y="0"/>
+          <a:ext cx="0" cy="0"/>
+          <a:chOff x="0" y="0"/>
+          <a:chExt cx="0" cy="0"/>
+        </a:xfrm>
+      </p:grpSpPr>
+      <p:sp>
+        <p:nvSpPr>
+          <p:cNvPr id="141" name="Google Shape;141;g7052a85339_0_28:notes"/>
+          <p:cNvSpPr/>
+          <p:nvPr>
+            <p:ph idx="2" type="sldImg"/>
+          </p:nvPr>
+        </p:nvSpPr>
+        <p:spPr>
+          <a:xfrm>
+            <a:off x="381300" y="685800"/>
+            <a:ext cx="6096000" cy="3429000"/>
+          </a:xfrm>
+          <a:custGeom>
+            <a:rect b="b" l="l" r="r" t="t"/>
+            <a:pathLst>
+              <a:path extrusionOk="0" h="120000" w="120000">
+                <a:moveTo>
+                  <a:pt x="0" y="0"/>
+                </a:moveTo>
+                <a:lnTo>
+                  <a:pt x="120000" y="0"/>
+                </a:lnTo>
+                <a:lnTo>
+                  <a:pt x="120000" y="120000"/>
+                </a:lnTo>
+                <a:lnTo>
+                  <a:pt x="0" y="120000"/>
+                </a:lnTo>
+                <a:close/>
+              </a:path>
+            </a:pathLst>
+          </a:custGeom>
+          <a:noFill/>
+          <a:ln cap="flat" cmpd="sng" w="9525">
+            <a:solidFill>
+              <a:srgbClr val="000000"/>
+            </a:solidFill>
+            <a:prstDash val="solid"/>
+            <a:round/>
+            <a:headEnd len="sm" w="sm" type="none"/>
+            <a:tailEnd len="sm" w="sm" type="none"/>
+          </a:ln>
+        </p:spPr>
+      </p:sp>
+      <p:sp>
+        <p:nvSpPr>
+          <p:cNvPr id="142" name="Google Shape;142;g7052a85339_0_28:notes"/>
+          <p:cNvSpPr txBox="1"/>
+          <p:nvPr>
+            <p:ph idx="1" type="body"/>
+          </p:nvPr>
+        </p:nvSpPr>
+        <p:spPr>
+          <a:xfrm>
+            <a:off x="685800" y="4343400"/>
+            <a:ext cx="5486400" cy="4114800"/>
+          </a:xfrm>
+          <a:prstGeom prst="rect">
+            <a:avLst/>
+          </a:prstGeom>
+          <a:noFill/>
+          <a:ln>
+            <a:noFill/>
+          </a:ln>
+        </p:spPr>
+        <p:txBody>
+          <a:bodyPr anchorCtr="0" anchor="t" bIns="91425" lIns="91425" spcFirstLastPara="1" rIns="91425" wrap="square" tIns="91425">
+            <a:noAutofit/>
+          </a:bodyPr>
+          <a:lstStyle/>
+          <a:p>
+            <a:pPr indent="0" lvl="0" marL="0" rtl="0" algn="l">
+              <a:lnSpc>
+                <a:spcPct val="100000"/>
+              </a:lnSpc>
+              <a:spcBef>
+                <a:spcPts val="0"/>
+              </a:spcBef>
+              <a:spcAft>
+                <a:spcPts val="0"/>
+              </a:spcAft>
+              <a:buSzPts val="1100"/>
+              <a:buNone/>
+            </a:pPr>
+            <a:r>
+              <a:t/>
+            </a:r>
+            <a:endParaRPr/>
+          </a:p>
+        </p:txBody>
+      </p:sp>
+    </p:spTree>
+  </p:cSld>
+  <p:clrMapOvr>
+    <a:masterClrMapping/>
+  </p:clrMapOvr>
+</p:notes>
+</file>
+
+<file path=ppt/notesSlides/notesSlide9.xml><?xml version="1.0" encoding="utf-8"?>
+<p:notes xmlns:a="http://schemas.openxmlformats.org/drawingml/2006/main" xmlns:r="http://schemas.openxmlformats.org/officeDocument/2006/relationships" xmlns:mc="http://schemas.openxmlformats.org/markup-compatibility/2006" xmlns:mv="urn:schemas-microsoft-com:mac:vml" xmlns:p="http://schemas.openxmlformats.org/presentationml/2006/main" xmlns:c="http://schemas.openxmlformats.org/drawingml/2006/chart" xmlns:dgm="http://schemas.openxmlformats.org/drawingml/2006/diagram" xmlns:o="urn:schemas-microsoft-com:office:office" xmlns:v="urn:schemas-microsoft-com:vml" xmlns:pvml="urn:schemas-microsoft-com:office:powerpoint" xmlns:com="http://schemas.openxmlformats.org/drawingml/2006/compatibility" xmlns:p14="http://schemas.microsoft.com/office/powerpoint/2010/main" xmlns:p15="http://schemas.microsoft.com/office/powerpoint/2012/main" showMasterPhAnim="0" showMasterSp="0">
+  <p:cSld>
+    <p:spTree>
+      <p:nvGrpSpPr>
+        <p:cNvPr id="160" name="Shape 160"/>
+        <p:cNvGrpSpPr/>
+        <p:nvPr/>
+      </p:nvGrpSpPr>
+      <p:grpSpPr>
+        <a:xfrm>
+          <a:off x="0" y="0"/>
+          <a:ext cx="0" cy="0"/>
+          <a:chOff x="0" y="0"/>
+          <a:chExt cx="0" cy="0"/>
+        </a:xfrm>
+      </p:grpSpPr>
+      <p:sp>
+        <p:nvSpPr>
+          <p:cNvPr id="161" name="Google Shape;161;g705546a133_0_2:notes"/>
+          <p:cNvSpPr/>
+          <p:nvPr>
+            <p:ph idx="2" type="sldImg"/>
+          </p:nvPr>
+        </p:nvSpPr>
+        <p:spPr>
+          <a:xfrm>
+            <a:off x="381300" y="685800"/>
+            <a:ext cx="6096000" cy="3429000"/>
+          </a:xfrm>
+          <a:custGeom>
+            <a:rect b="b" l="l" r="r" t="t"/>
+            <a:pathLst>
+              <a:path extrusionOk="0" h="120000" w="120000">
+                <a:moveTo>
+                  <a:pt x="0" y="0"/>
+                </a:moveTo>
+                <a:lnTo>
+                  <a:pt x="120000" y="0"/>
+                </a:lnTo>
+                <a:lnTo>
+                  <a:pt x="120000" y="120000"/>
+                </a:lnTo>
+                <a:lnTo>
+                  <a:pt x="0" y="120000"/>
+                </a:lnTo>
+                <a:close/>
+              </a:path>
+            </a:pathLst>
+          </a:custGeom>
+          <a:noFill/>
+          <a:ln cap="flat" cmpd="sng" w="9525">
+            <a:solidFill>
+              <a:srgbClr val="000000"/>
+            </a:solidFill>
+            <a:prstDash val="solid"/>
+            <a:round/>
+            <a:headEnd len="sm" w="sm" type="none"/>
+            <a:tailEnd len="sm" w="sm" type="none"/>
+          </a:ln>
+        </p:spPr>
+      </p:sp>
+      <p:sp>
+        <p:nvSpPr>
+          <p:cNvPr id="162" name="Google Shape;162;g705546a133_0_2:notes"/>
           <p:cNvSpPr txBox="1"/>
           <p:nvPr>
             <p:ph idx="1" type="body"/>
@@ -9553,7 +9907,7 @@
         </p:nvSpPr>
         <p:spPr>
           <a:xfrm>
-            <a:off x="2852450" y="914400"/>
+            <a:off x="1455772" y="914400"/>
             <a:ext cx="183000" cy="182100"/>
           </a:xfrm>
           <a:prstGeom prst="ellipse">
@@ -9618,7 +9972,7 @@
         </p:nvSpPr>
         <p:spPr>
           <a:xfrm>
-            <a:off x="3568700" y="868350"/>
+            <a:off x="2172022" y="868350"/>
             <a:ext cx="1097400" cy="274200"/>
           </a:xfrm>
           <a:prstGeom prst="rect">
@@ -9684,7 +10038,7 @@
         </p:nvSpPr>
         <p:spPr>
           <a:xfrm>
-            <a:off x="2201350" y="914400"/>
+            <a:off x="804672" y="914400"/>
             <a:ext cx="479700" cy="182100"/>
           </a:xfrm>
           <a:prstGeom prst="rect">
@@ -9747,6 +10101,264 @@
       <p:sp>
         <p:nvSpPr>
           <p:cNvPr id="57" name="Google Shape;57;p1"/>
+          <p:cNvSpPr txBox="1"/>
+          <p:nvPr/>
+        </p:nvSpPr>
+        <p:spPr>
+          <a:xfrm>
+            <a:off x="3621025" y="740675"/>
+            <a:ext cx="5523000" cy="3348600"/>
+          </a:xfrm>
+          <a:prstGeom prst="rect">
+            <a:avLst/>
+          </a:prstGeom>
+          <a:noFill/>
+          <a:ln>
+            <a:noFill/>
+          </a:ln>
+        </p:spPr>
+        <p:txBody>
+          <a:bodyPr anchorCtr="0" anchor="t" bIns="91425" lIns="91425" spcFirstLastPara="1" rIns="91425" wrap="square" tIns="91425">
+            <a:noAutofit/>
+          </a:bodyPr>
+          <a:lstStyle/>
+          <a:p>
+            <a:pPr indent="-330200" lvl="0" marL="457200" rtl="0" algn="l">
+              <a:spcBef>
+                <a:spcPts val="0"/>
+              </a:spcBef>
+              <a:spcAft>
+                <a:spcPts val="0"/>
+              </a:spcAft>
+              <a:buSzPts val="1600"/>
+              <a:buChar char="●"/>
+            </a:pPr>
+            <a:r>
+              <a:rPr lang="en" sz="1600"/>
+              <a:t>maak initial commit</a:t>
+            </a:r>
+            <a:endParaRPr sz="1600"/>
+          </a:p>
+          <a:p>
+            <a:pPr indent="-330200" lvl="0" marL="457200" rtl="0" algn="l">
+              <a:spcBef>
+                <a:spcPts val="0"/>
+              </a:spcBef>
+              <a:spcAft>
+                <a:spcPts val="0"/>
+              </a:spcAft>
+              <a:buSzPts val="1600"/>
+              <a:buChar char="●"/>
+            </a:pPr>
+            <a:r>
+              <a:rPr lang="en" sz="1600"/>
+              <a:t>maak nieuwe branch develop</a:t>
+            </a:r>
+            <a:endParaRPr sz="1600"/>
+          </a:p>
+          <a:p>
+            <a:pPr indent="-330200" lvl="0" marL="457200" rtl="0" algn="l">
+              <a:spcBef>
+                <a:spcPts val="0"/>
+              </a:spcBef>
+              <a:spcAft>
+                <a:spcPts val="0"/>
+              </a:spcAft>
+              <a:buSzPts val="1600"/>
+              <a:buChar char="●"/>
+            </a:pPr>
+            <a:r>
+              <a:rPr lang="en" sz="1600"/>
+              <a:t>checkout develop</a:t>
+            </a:r>
+            <a:endParaRPr sz="1600"/>
+          </a:p>
+          <a:p>
+            <a:pPr indent="-330200" lvl="0" marL="457200" rtl="0" algn="l">
+              <a:spcBef>
+                <a:spcPts val="0"/>
+              </a:spcBef>
+              <a:spcAft>
+                <a:spcPts val="0"/>
+              </a:spcAft>
+              <a:buSzPts val="1600"/>
+              <a:buChar char="●"/>
+            </a:pPr>
+            <a:r>
+              <a:rPr lang="en" sz="1600"/>
+              <a:t>maak wijziging en commit</a:t>
+            </a:r>
+            <a:endParaRPr sz="1600"/>
+          </a:p>
+          <a:p>
+            <a:pPr indent="-330200" lvl="0" marL="457200" rtl="0" algn="l">
+              <a:spcBef>
+                <a:spcPts val="0"/>
+              </a:spcBef>
+              <a:spcAft>
+                <a:spcPts val="0"/>
+              </a:spcAft>
+              <a:buSzPts val="1600"/>
+              <a:buChar char="●"/>
+            </a:pPr>
+            <a:r>
+              <a:rPr lang="en" sz="1600"/>
+              <a:t>checkout master</a:t>
+            </a:r>
+            <a:endParaRPr sz="1600"/>
+          </a:p>
+          <a:p>
+            <a:pPr indent="-330200" lvl="0" marL="457200" rtl="0" algn="l">
+              <a:spcBef>
+                <a:spcPts val="0"/>
+              </a:spcBef>
+              <a:spcAft>
+                <a:spcPts val="0"/>
+              </a:spcAft>
+              <a:buClr>
+                <a:schemeClr val="dk1"/>
+              </a:buClr>
+              <a:buSzPts val="1600"/>
+              <a:buChar char="●"/>
+            </a:pPr>
+            <a:r>
+              <a:rPr lang="en" sz="1600">
+                <a:solidFill>
+                  <a:schemeClr val="dk1"/>
+                </a:solidFill>
+              </a:rPr>
+              <a:t>maak wijziging en commit</a:t>
+            </a:r>
+            <a:endParaRPr sz="1600">
+              <a:solidFill>
+                <a:schemeClr val="dk1"/>
+              </a:solidFill>
+            </a:endParaRPr>
+          </a:p>
+          <a:p>
+            <a:pPr indent="-330200" lvl="0" marL="457200" rtl="0" algn="l">
+              <a:spcBef>
+                <a:spcPts val="0"/>
+              </a:spcBef>
+              <a:spcAft>
+                <a:spcPts val="0"/>
+              </a:spcAft>
+              <a:buSzPts val="1600"/>
+              <a:buChar char="●"/>
+            </a:pPr>
+            <a:r>
+              <a:rPr lang="en" sz="1600"/>
+              <a:t>merge develop in master</a:t>
+            </a:r>
+            <a:endParaRPr sz="1600"/>
+          </a:p>
+          <a:p>
+            <a:pPr indent="-330200" lvl="0" marL="457200" rtl="0" algn="l">
+              <a:spcBef>
+                <a:spcPts val="0"/>
+              </a:spcBef>
+              <a:spcAft>
+                <a:spcPts val="0"/>
+              </a:spcAft>
+              <a:buSzPts val="1600"/>
+              <a:buChar char="●"/>
+            </a:pPr>
+            <a:r>
+              <a:rPr lang="en" sz="1600"/>
+              <a:t>los conflict op en commit</a:t>
+            </a:r>
+            <a:endParaRPr sz="1600"/>
+          </a:p>
+          <a:p>
+            <a:pPr indent="-330200" lvl="0" marL="457200" rtl="0" algn="l">
+              <a:spcBef>
+                <a:spcPts val="0"/>
+              </a:spcBef>
+              <a:spcAft>
+                <a:spcPts val="0"/>
+              </a:spcAft>
+              <a:buSzPts val="1600"/>
+              <a:buChar char="●"/>
+            </a:pPr>
+            <a:r>
+              <a:rPr lang="en" sz="1600"/>
+              <a:t>bekijk log</a:t>
+            </a:r>
+            <a:endParaRPr sz="1600"/>
+          </a:p>
+          <a:p>
+            <a:pPr indent="-330200" lvl="0" marL="457200" rtl="0" algn="l">
+              <a:spcBef>
+                <a:spcPts val="0"/>
+              </a:spcBef>
+              <a:spcAft>
+                <a:spcPts val="0"/>
+              </a:spcAft>
+              <a:buSzPts val="1600"/>
+              <a:buChar char="●"/>
+            </a:pPr>
+            <a:r>
+              <a:rPr lang="en" sz="1600"/>
+              <a:t>checkout develop</a:t>
+            </a:r>
+            <a:endParaRPr sz="1600"/>
+          </a:p>
+          <a:p>
+            <a:pPr indent="-330200" lvl="0" marL="457200" rtl="0" algn="l">
+              <a:spcBef>
+                <a:spcPts val="0"/>
+              </a:spcBef>
+              <a:spcAft>
+                <a:spcPts val="0"/>
+              </a:spcAft>
+              <a:buSzPts val="1600"/>
+              <a:buChar char="●"/>
+            </a:pPr>
+            <a:r>
+              <a:rPr lang="en" sz="1600"/>
+              <a:t>merge master in develop(fast-forward)</a:t>
+            </a:r>
+            <a:endParaRPr sz="1600"/>
+          </a:p>
+          <a:p>
+            <a:pPr indent="-330200" lvl="0" marL="457200" rtl="0" algn="l">
+              <a:spcBef>
+                <a:spcPts val="0"/>
+              </a:spcBef>
+              <a:spcAft>
+                <a:spcPts val="0"/>
+              </a:spcAft>
+              <a:buSzPts val="1600"/>
+              <a:buChar char="●"/>
+            </a:pPr>
+            <a:r>
+              <a:rPr lang="en" sz="1600"/>
+              <a:t>bekijk log</a:t>
+            </a:r>
+            <a:endParaRPr sz="1600"/>
+          </a:p>
+          <a:p>
+            <a:pPr indent="-330200" lvl="0" marL="457200" rtl="0" algn="l">
+              <a:spcBef>
+                <a:spcPts val="0"/>
+              </a:spcBef>
+              <a:spcAft>
+                <a:spcPts val="0"/>
+              </a:spcAft>
+              <a:buSzPts val="1600"/>
+              <a:buChar char="●"/>
+            </a:pPr>
+            <a:r>
+              <a:rPr lang="en" sz="1600"/>
+              <a:t>delete develop branch</a:t>
+            </a:r>
+            <a:endParaRPr sz="1600"/>
+          </a:p>
+        </p:txBody>
+      </p:sp>
+      <p:sp>
+        <p:nvSpPr>
+          <p:cNvPr id="58" name="Google Shape;58;p1"/>
           <p:cNvSpPr txBox="1"/>
           <p:nvPr/>
         </p:nvSpPr>
@@ -9789,6 +10401,10 @@
               <a:buNone/>
             </a:pPr>
             <a:r>
+              <a:rPr lang="en"/>
+              <a:t>4. Opdracht </a:t>
+            </a:r>
+            <a:r>
               <a:rPr b="0" i="0" lang="en" sz="1400" u="none" cap="none" strike="noStrike">
                 <a:solidFill>
                   <a:srgbClr val="000000"/>
@@ -9820,12 +10436,12 @@
 </p:sld>
 </file>
 
-<file path=ppt/slides/slide2.xml><?xml version="1.0" encoding="utf-8"?>
+<file path=ppt/slides/slide10.xml><?xml version="1.0" encoding="utf-8"?>
 <p:sld xmlns:a="http://schemas.openxmlformats.org/drawingml/2006/main" xmlns:r="http://schemas.openxmlformats.org/officeDocument/2006/relationships" xmlns:mc="http://schemas.openxmlformats.org/markup-compatibility/2006" xmlns:mv="urn:schemas-microsoft-com:mac:vml" xmlns:p="http://schemas.openxmlformats.org/presentationml/2006/main" xmlns:c="http://schemas.openxmlformats.org/drawingml/2006/chart" xmlns:dgm="http://schemas.openxmlformats.org/drawingml/2006/diagram" xmlns:o="urn:schemas-microsoft-com:office:office" xmlns:v="urn:schemas-microsoft-com:vml" xmlns:pvml="urn:schemas-microsoft-com:office:powerpoint" xmlns:com="http://schemas.openxmlformats.org/drawingml/2006/compatibility" xmlns:p14="http://schemas.microsoft.com/office/powerpoint/2010/main" xmlns:p15="http://schemas.microsoft.com/office/powerpoint/2012/main">
   <p:cSld>
     <p:spTree>
       <p:nvGrpSpPr>
-        <p:cNvPr id="61" name="Shape 61"/>
+        <p:cNvPr id="183" name="Shape 183"/>
         <p:cNvGrpSpPr/>
         <p:nvPr/>
       </p:nvGrpSpPr>
@@ -9839,13 +10455,13 @@
       </p:grpSpPr>
       <p:sp>
         <p:nvSpPr>
-          <p:cNvPr id="62" name="Google Shape;62;p2"/>
+          <p:cNvPr id="184" name="Google Shape;184;g705546a133_0_21"/>
           <p:cNvSpPr/>
           <p:nvPr/>
         </p:nvSpPr>
         <p:spPr>
           <a:xfrm>
-            <a:off x="2852450" y="914400"/>
+            <a:off x="1458820" y="914400"/>
             <a:ext cx="183000" cy="182100"/>
           </a:xfrm>
           <a:prstGeom prst="ellipse">
@@ -9904,13 +10520,107 @@
       </p:sp>
       <p:sp>
         <p:nvSpPr>
-          <p:cNvPr id="63" name="Google Shape;63;p2"/>
+          <p:cNvPr id="185" name="Google Shape;185;g705546a133_0_21"/>
+          <p:cNvSpPr/>
+          <p:nvPr/>
+        </p:nvSpPr>
+        <p:spPr>
+          <a:xfrm>
+            <a:off x="1839820" y="1371600"/>
+            <a:ext cx="183000" cy="182100"/>
+          </a:xfrm>
+          <a:prstGeom prst="ellipse">
+            <a:avLst/>
+          </a:prstGeom>
+          <a:solidFill>
+            <a:schemeClr val="lt2"/>
+          </a:solidFill>
+          <a:ln cap="flat" cmpd="sng" w="9525">
+            <a:solidFill>
+              <a:schemeClr val="dk2"/>
+            </a:solidFill>
+            <a:prstDash val="solid"/>
+            <a:round/>
+            <a:headEnd len="sm" w="sm" type="none"/>
+            <a:tailEnd len="sm" w="sm" type="none"/>
+          </a:ln>
+        </p:spPr>
+        <p:txBody>
+          <a:bodyPr anchorCtr="0" anchor="ctr" bIns="91425" lIns="91425" spcFirstLastPara="1" rIns="91425" wrap="square" tIns="91425">
+            <a:noAutofit/>
+          </a:bodyPr>
+          <a:lstStyle/>
+          <a:p>
+            <a:pPr indent="0" lvl="0" marL="0" marR="0" rtl="0" algn="l">
+              <a:lnSpc>
+                <a:spcPct val="100000"/>
+              </a:lnSpc>
+              <a:spcBef>
+                <a:spcPts val="0"/>
+              </a:spcBef>
+              <a:spcAft>
+                <a:spcPts val="0"/>
+              </a:spcAft>
+              <a:buClr>
+                <a:srgbClr val="000000"/>
+              </a:buClr>
+              <a:buSzPts val="1400"/>
+              <a:buFont typeface="Arial"/>
+              <a:buNone/>
+            </a:pPr>
+            <a:r>
+              <a:t/>
+            </a:r>
+            <a:endParaRPr b="0" i="0" sz="1400" u="none" cap="none" strike="noStrike">
+              <a:solidFill>
+                <a:srgbClr val="000000"/>
+              </a:solidFill>
+              <a:latin typeface="Arial"/>
+              <a:ea typeface="Arial"/>
+              <a:cs typeface="Arial"/>
+              <a:sym typeface="Arial"/>
+            </a:endParaRPr>
+          </a:p>
+        </p:txBody>
+      </p:sp>
+      <p:cxnSp>
+        <p:nvCxnSpPr>
+          <p:cNvPr id="186" name="Google Shape;186;g705546a133_0_21"/>
+          <p:cNvCxnSpPr>
+            <a:stCxn id="184" idx="5"/>
+            <a:endCxn id="185" idx="1"/>
+          </p:cNvCxnSpPr>
+          <p:nvPr/>
+        </p:nvCxnSpPr>
+        <p:spPr>
+          <a:xfrm>
+            <a:off x="1615020" y="1069832"/>
+            <a:ext cx="251700" cy="328500"/>
+          </a:xfrm>
+          <a:prstGeom prst="straightConnector1">
+            <a:avLst/>
+          </a:prstGeom>
+          <a:noFill/>
+          <a:ln cap="flat" cmpd="sng" w="9525">
+            <a:solidFill>
+              <a:schemeClr val="dk2"/>
+            </a:solidFill>
+            <a:prstDash val="solid"/>
+            <a:round/>
+            <a:headEnd len="sm" w="sm" type="none"/>
+            <a:tailEnd len="sm" w="sm" type="none"/>
+          </a:ln>
+        </p:spPr>
+      </p:cxnSp>
+      <p:sp>
+        <p:nvSpPr>
+          <p:cNvPr id="187" name="Google Shape;187;g705546a133_0_21"/>
           <p:cNvSpPr txBox="1"/>
           <p:nvPr/>
         </p:nvSpPr>
         <p:spPr>
           <a:xfrm>
-            <a:off x="3568700" y="868350"/>
+            <a:off x="2175070" y="868350"/>
             <a:ext cx="1097400" cy="274200"/>
           </a:xfrm>
           <a:prstGeom prst="rect">
@@ -9970,13 +10680,210 @@
       </p:sp>
       <p:sp>
         <p:nvSpPr>
-          <p:cNvPr id="64" name="Google Shape;64;p2"/>
+          <p:cNvPr id="188" name="Google Shape;188;g705546a133_0_21"/>
+          <p:cNvSpPr/>
+          <p:nvPr/>
+        </p:nvSpPr>
+        <p:spPr>
+          <a:xfrm>
+            <a:off x="1459298" y="1828800"/>
+            <a:ext cx="183000" cy="182100"/>
+          </a:xfrm>
+          <a:prstGeom prst="ellipse">
+            <a:avLst/>
+          </a:prstGeom>
+          <a:solidFill>
+            <a:schemeClr val="lt2"/>
+          </a:solidFill>
+          <a:ln cap="flat" cmpd="sng" w="9525">
+            <a:solidFill>
+              <a:schemeClr val="dk2"/>
+            </a:solidFill>
+            <a:prstDash val="solid"/>
+            <a:round/>
+            <a:headEnd len="sm" w="sm" type="none"/>
+            <a:tailEnd len="sm" w="sm" type="none"/>
+          </a:ln>
+        </p:spPr>
+        <p:txBody>
+          <a:bodyPr anchorCtr="0" anchor="ctr" bIns="91425" lIns="91425" spcFirstLastPara="1" rIns="91425" wrap="square" tIns="91425">
+            <a:noAutofit/>
+          </a:bodyPr>
+          <a:lstStyle/>
+          <a:p>
+            <a:pPr indent="0" lvl="0" marL="0" marR="0" rtl="0" algn="l">
+              <a:lnSpc>
+                <a:spcPct val="100000"/>
+              </a:lnSpc>
+              <a:spcBef>
+                <a:spcPts val="0"/>
+              </a:spcBef>
+              <a:spcAft>
+                <a:spcPts val="0"/>
+              </a:spcAft>
+              <a:buClr>
+                <a:srgbClr val="000000"/>
+              </a:buClr>
+              <a:buSzPts val="1400"/>
+              <a:buFont typeface="Arial"/>
+              <a:buNone/>
+            </a:pPr>
+            <a:r>
+              <a:t/>
+            </a:r>
+            <a:endParaRPr b="0" i="0" sz="1400" u="none" cap="none" strike="noStrike">
+              <a:solidFill>
+                <a:srgbClr val="000000"/>
+              </a:solidFill>
+              <a:latin typeface="Arial"/>
+              <a:ea typeface="Arial"/>
+              <a:cs typeface="Arial"/>
+              <a:sym typeface="Arial"/>
+            </a:endParaRPr>
+          </a:p>
+        </p:txBody>
+      </p:sp>
+      <p:sp>
+        <p:nvSpPr>
+          <p:cNvPr id="189" name="Google Shape;189;g705546a133_0_21"/>
           <p:cNvSpPr txBox="1"/>
           <p:nvPr/>
         </p:nvSpPr>
         <p:spPr>
           <a:xfrm>
-            <a:off x="2201350" y="914400"/>
+            <a:off x="2175070" y="1325550"/>
+            <a:ext cx="1097400" cy="274200"/>
+          </a:xfrm>
+          <a:prstGeom prst="rect">
+            <a:avLst/>
+          </a:prstGeom>
+          <a:noFill/>
+          <a:ln>
+            <a:noFill/>
+          </a:ln>
+        </p:spPr>
+        <p:txBody>
+          <a:bodyPr anchorCtr="0" anchor="t" bIns="0" lIns="0" spcFirstLastPara="1" rIns="0" wrap="square" tIns="0">
+            <a:noAutofit/>
+          </a:bodyPr>
+          <a:lstStyle/>
+          <a:p>
+            <a:pPr indent="0" lvl="0" marL="0" marR="0" rtl="0" algn="l">
+              <a:lnSpc>
+                <a:spcPct val="100000"/>
+              </a:lnSpc>
+              <a:spcBef>
+                <a:spcPts val="0"/>
+              </a:spcBef>
+              <a:spcAft>
+                <a:spcPts val="0"/>
+              </a:spcAft>
+              <a:buClr>
+                <a:srgbClr val="000000"/>
+              </a:buClr>
+              <a:buSzPts val="1400"/>
+              <a:buFont typeface="Arial"/>
+              <a:buNone/>
+            </a:pPr>
+            <a:r>
+              <a:rPr b="0" i="0" lang="en" sz="1400" u="none" cap="none" strike="noStrike">
+                <a:solidFill>
+                  <a:srgbClr val="000000"/>
+                </a:solidFill>
+                <a:latin typeface="Arial"/>
+                <a:ea typeface="Arial"/>
+                <a:cs typeface="Arial"/>
+                <a:sym typeface="Arial"/>
+              </a:rPr>
+              <a:t>Wijziging 1</a:t>
+            </a:r>
+            <a:endParaRPr b="0" i="0" sz="1400" u="none" cap="none" strike="noStrike">
+              <a:solidFill>
+                <a:srgbClr val="000000"/>
+              </a:solidFill>
+              <a:latin typeface="Arial"/>
+              <a:ea typeface="Arial"/>
+              <a:cs typeface="Arial"/>
+              <a:sym typeface="Arial"/>
+            </a:endParaRPr>
+          </a:p>
+        </p:txBody>
+      </p:sp>
+      <p:sp>
+        <p:nvSpPr>
+          <p:cNvPr id="190" name="Google Shape;190;g705546a133_0_21"/>
+          <p:cNvSpPr txBox="1"/>
+          <p:nvPr/>
+        </p:nvSpPr>
+        <p:spPr>
+          <a:xfrm>
+            <a:off x="2175070" y="1782750"/>
+            <a:ext cx="1097400" cy="274200"/>
+          </a:xfrm>
+          <a:prstGeom prst="rect">
+            <a:avLst/>
+          </a:prstGeom>
+          <a:noFill/>
+          <a:ln>
+            <a:noFill/>
+          </a:ln>
+        </p:spPr>
+        <p:txBody>
+          <a:bodyPr anchorCtr="0" anchor="t" bIns="0" lIns="0" spcFirstLastPara="1" rIns="0" wrap="square" tIns="0">
+            <a:noAutofit/>
+          </a:bodyPr>
+          <a:lstStyle/>
+          <a:p>
+            <a:pPr indent="0" lvl="0" marL="0" marR="0" rtl="0" algn="l">
+              <a:lnSpc>
+                <a:spcPct val="100000"/>
+              </a:lnSpc>
+              <a:spcBef>
+                <a:spcPts val="0"/>
+              </a:spcBef>
+              <a:spcAft>
+                <a:spcPts val="0"/>
+              </a:spcAft>
+              <a:buClr>
+                <a:srgbClr val="000000"/>
+              </a:buClr>
+              <a:buSzPts val="1400"/>
+              <a:buFont typeface="Arial"/>
+              <a:buNone/>
+            </a:pPr>
+            <a:r>
+              <a:rPr b="0" i="0" lang="en" sz="1400" u="none" cap="none" strike="noStrike">
+                <a:solidFill>
+                  <a:srgbClr val="000000"/>
+                </a:solidFill>
+                <a:latin typeface="Arial"/>
+                <a:ea typeface="Arial"/>
+                <a:cs typeface="Arial"/>
+                <a:sym typeface="Arial"/>
+              </a:rPr>
+              <a:t>Wijziging 2</a:t>
+            </a:r>
+            <a:endParaRPr b="0" i="0" sz="1400" u="none" cap="none" strike="noStrike">
+              <a:solidFill>
+                <a:srgbClr val="000000"/>
+              </a:solidFill>
+              <a:latin typeface="Arial"/>
+              <a:ea typeface="Arial"/>
+              <a:cs typeface="Arial"/>
+              <a:sym typeface="Arial"/>
+            </a:endParaRPr>
+          </a:p>
+        </p:txBody>
+      </p:sp>
+      <p:sp>
+        <p:nvSpPr>
+          <p:cNvPr id="191" name="Google Shape;191;g705546a133_0_21"/>
+          <p:cNvSpPr txBox="1"/>
+          <p:nvPr/>
+        </p:nvSpPr>
+        <p:spPr>
+          <a:xfrm>
+            <a:off x="807720" y="2286000"/>
             <a:ext cx="479700" cy="182100"/>
           </a:xfrm>
           <a:prstGeom prst="rect">
@@ -10013,38 +10920,59 @@
               <a:buNone/>
             </a:pPr>
             <a:r>
-              <a:rPr b="1" i="0" lang="en" sz="900" u="none" cap="none" strike="noStrike">
+              <a:rPr i="0" lang="en" sz="900" u="none" cap="none" strike="noStrike">
                 <a:solidFill>
                   <a:srgbClr val="000000"/>
                 </a:solidFill>
-                <a:latin typeface="Arial"/>
-                <a:ea typeface="Arial"/>
-                <a:cs typeface="Arial"/>
-                <a:sym typeface="Arial"/>
               </a:rPr>
               <a:t>master</a:t>
             </a:r>
-            <a:endParaRPr b="1" i="0" sz="900" u="none" cap="none" strike="noStrike">
+            <a:endParaRPr i="0" sz="900" u="none" cap="none" strike="noStrike">
               <a:solidFill>
                 <a:srgbClr val="000000"/>
               </a:solidFill>
-              <a:latin typeface="Arial"/>
-              <a:ea typeface="Arial"/>
-              <a:cs typeface="Arial"/>
-              <a:sym typeface="Arial"/>
             </a:endParaRPr>
           </a:p>
         </p:txBody>
       </p:sp>
+      <p:cxnSp>
+        <p:nvCxnSpPr>
+          <p:cNvPr id="192" name="Google Shape;192;g705546a133_0_21"/>
+          <p:cNvCxnSpPr>
+            <a:stCxn id="184" idx="4"/>
+            <a:endCxn id="188" idx="0"/>
+          </p:cNvCxnSpPr>
+          <p:nvPr/>
+        </p:nvCxnSpPr>
+        <p:spPr>
+          <a:xfrm>
+            <a:off x="1550320" y="1096500"/>
+            <a:ext cx="600" cy="732300"/>
+          </a:xfrm>
+          <a:prstGeom prst="straightConnector1">
+            <a:avLst/>
+          </a:prstGeom>
+          <a:noFill/>
+          <a:ln cap="flat" cmpd="sng" w="9525">
+            <a:solidFill>
+              <a:schemeClr val="dk2"/>
+            </a:solidFill>
+            <a:prstDash val="solid"/>
+            <a:round/>
+            <a:headEnd len="sm" w="sm" type="none"/>
+            <a:tailEnd len="sm" w="sm" type="none"/>
+          </a:ln>
+        </p:spPr>
+      </p:cxnSp>
       <p:sp>
         <p:nvSpPr>
-          <p:cNvPr id="65" name="Google Shape;65;p2"/>
+          <p:cNvPr id="193" name="Google Shape;193;g705546a133_0_21"/>
           <p:cNvSpPr txBox="1"/>
           <p:nvPr/>
         </p:nvSpPr>
         <p:spPr>
           <a:xfrm>
-            <a:off x="1667950" y="914400"/>
+            <a:off x="274320" y="2286000"/>
             <a:ext cx="479700" cy="182100"/>
           </a:xfrm>
           <a:prstGeom prst="rect">
@@ -10081,7 +11009,188 @@
               <a:buNone/>
             </a:pPr>
             <a:r>
-              <a:rPr b="0" i="0" lang="en" sz="900" u="none" cap="none" strike="noStrike">
+              <a:rPr b="1" i="0" lang="en" sz="900" u="none" cap="none" strike="noStrike">
+                <a:solidFill>
+                  <a:srgbClr val="000000"/>
+                </a:solidFill>
+              </a:rPr>
+              <a:t>develop</a:t>
+            </a:r>
+            <a:endParaRPr b="1" i="0" sz="900" u="none" cap="none" strike="noStrike">
+              <a:solidFill>
+                <a:srgbClr val="000000"/>
+              </a:solidFill>
+            </a:endParaRPr>
+          </a:p>
+        </p:txBody>
+      </p:sp>
+      <p:cxnSp>
+        <p:nvCxnSpPr>
+          <p:cNvPr id="194" name="Google Shape;194;g705546a133_0_21"/>
+          <p:cNvCxnSpPr>
+            <a:stCxn id="188" idx="4"/>
+            <a:endCxn id="195" idx="0"/>
+          </p:cNvCxnSpPr>
+          <p:nvPr/>
+        </p:nvCxnSpPr>
+        <p:spPr>
+          <a:xfrm>
+            <a:off x="1550798" y="2010900"/>
+            <a:ext cx="0" cy="275100"/>
+          </a:xfrm>
+          <a:prstGeom prst="straightConnector1">
+            <a:avLst/>
+          </a:prstGeom>
+          <a:noFill/>
+          <a:ln cap="flat" cmpd="sng" w="9525">
+            <a:solidFill>
+              <a:schemeClr val="dk2"/>
+            </a:solidFill>
+            <a:prstDash val="solid"/>
+            <a:round/>
+            <a:headEnd len="sm" w="sm" type="none"/>
+            <a:tailEnd len="sm" w="sm" type="none"/>
+          </a:ln>
+        </p:spPr>
+      </p:cxnSp>
+      <p:cxnSp>
+        <p:nvCxnSpPr>
+          <p:cNvPr id="196" name="Google Shape;196;g705546a133_0_21"/>
+          <p:cNvCxnSpPr>
+            <a:stCxn id="185" idx="4"/>
+            <a:endCxn id="195" idx="7"/>
+          </p:cNvCxnSpPr>
+          <p:nvPr/>
+        </p:nvCxnSpPr>
+        <p:spPr>
+          <a:xfrm flipH="1">
+            <a:off x="1615420" y="1553700"/>
+            <a:ext cx="315900" cy="759000"/>
+          </a:xfrm>
+          <a:prstGeom prst="straightConnector1">
+            <a:avLst/>
+          </a:prstGeom>
+          <a:noFill/>
+          <a:ln cap="flat" cmpd="sng" w="9525">
+            <a:solidFill>
+              <a:schemeClr val="dk2"/>
+            </a:solidFill>
+            <a:prstDash val="solid"/>
+            <a:round/>
+            <a:headEnd len="sm" w="sm" type="none"/>
+            <a:tailEnd len="sm" w="sm" type="none"/>
+          </a:ln>
+        </p:spPr>
+      </p:cxnSp>
+      <p:sp>
+        <p:nvSpPr>
+          <p:cNvPr id="195" name="Google Shape;195;g705546a133_0_21"/>
+          <p:cNvSpPr/>
+          <p:nvPr/>
+        </p:nvSpPr>
+        <p:spPr>
+          <a:xfrm>
+            <a:off x="1459298" y="2286000"/>
+            <a:ext cx="183000" cy="182100"/>
+          </a:xfrm>
+          <a:prstGeom prst="ellipse">
+            <a:avLst/>
+          </a:prstGeom>
+          <a:solidFill>
+            <a:schemeClr val="lt2"/>
+          </a:solidFill>
+          <a:ln cap="flat" cmpd="sng" w="9525">
+            <a:solidFill>
+              <a:schemeClr val="dk2"/>
+            </a:solidFill>
+            <a:prstDash val="solid"/>
+            <a:round/>
+            <a:headEnd len="sm" w="sm" type="none"/>
+            <a:tailEnd len="sm" w="sm" type="none"/>
+          </a:ln>
+        </p:spPr>
+        <p:txBody>
+          <a:bodyPr anchorCtr="0" anchor="ctr" bIns="91425" lIns="91425" spcFirstLastPara="1" rIns="91425" wrap="square" tIns="91425">
+            <a:noAutofit/>
+          </a:bodyPr>
+          <a:lstStyle/>
+          <a:p>
+            <a:pPr indent="0" lvl="0" marL="0" marR="0" rtl="0" algn="l">
+              <a:lnSpc>
+                <a:spcPct val="100000"/>
+              </a:lnSpc>
+              <a:spcBef>
+                <a:spcPts val="0"/>
+              </a:spcBef>
+              <a:spcAft>
+                <a:spcPts val="0"/>
+              </a:spcAft>
+              <a:buClr>
+                <a:srgbClr val="000000"/>
+              </a:buClr>
+              <a:buSzPts val="1400"/>
+              <a:buFont typeface="Arial"/>
+              <a:buNone/>
+            </a:pPr>
+            <a:r>
+              <a:t/>
+            </a:r>
+            <a:endParaRPr b="0" i="0" sz="1400" u="none" cap="none" strike="noStrike">
+              <a:solidFill>
+                <a:srgbClr val="000000"/>
+              </a:solidFill>
+              <a:latin typeface="Arial"/>
+              <a:ea typeface="Arial"/>
+              <a:cs typeface="Arial"/>
+              <a:sym typeface="Arial"/>
+            </a:endParaRPr>
+          </a:p>
+        </p:txBody>
+      </p:sp>
+      <p:sp>
+        <p:nvSpPr>
+          <p:cNvPr id="197" name="Google Shape;197;g705546a133_0_21"/>
+          <p:cNvSpPr txBox="1"/>
+          <p:nvPr/>
+        </p:nvSpPr>
+        <p:spPr>
+          <a:xfrm>
+            <a:off x="2175070" y="2240280"/>
+            <a:ext cx="1097400" cy="274200"/>
+          </a:xfrm>
+          <a:prstGeom prst="rect">
+            <a:avLst/>
+          </a:prstGeom>
+          <a:noFill/>
+          <a:ln>
+            <a:noFill/>
+          </a:ln>
+        </p:spPr>
+        <p:txBody>
+          <a:bodyPr anchorCtr="0" anchor="t" bIns="0" lIns="0" spcFirstLastPara="1" rIns="0" wrap="square" tIns="0">
+            <a:noAutofit/>
+          </a:bodyPr>
+          <a:lstStyle/>
+          <a:p>
+            <a:pPr indent="0" lvl="0" marL="0" marR="0" rtl="0" algn="l">
+              <a:lnSpc>
+                <a:spcPct val="100000"/>
+              </a:lnSpc>
+              <a:spcBef>
+                <a:spcPts val="0"/>
+              </a:spcBef>
+              <a:spcAft>
+                <a:spcPts val="0"/>
+              </a:spcAft>
+              <a:buClr>
+                <a:srgbClr val="000000"/>
+              </a:buClr>
+              <a:buSzPts val="1400"/>
+              <a:buFont typeface="Arial"/>
+              <a:buNone/>
+            </a:pPr>
+            <a:r>
+              <a:rPr b="0" i="0" lang="en" sz="1400" u="none" cap="none" strike="noStrike">
                 <a:solidFill>
                   <a:srgbClr val="000000"/>
                 </a:solidFill>
@@ -10090,9 +11199,9 @@
                 <a:cs typeface="Arial"/>
                 <a:sym typeface="Arial"/>
               </a:rPr>
-              <a:t>develop</a:t>
-            </a:r>
-            <a:endParaRPr b="0" i="0" sz="900" u="none" cap="none" strike="noStrike">
+              <a:t>merge</a:t>
+            </a:r>
+            <a:endParaRPr b="0" i="0" sz="1400" u="none" cap="none" strike="noStrike">
               <a:solidFill>
                 <a:srgbClr val="000000"/>
               </a:solidFill>
@@ -10106,7 +11215,7 @@
       </p:sp>
       <p:sp>
         <p:nvSpPr>
-          <p:cNvPr id="66" name="Google Shape;66;p2"/>
+          <p:cNvPr id="198" name="Google Shape;198;g705546a133_0_21"/>
           <p:cNvSpPr txBox="1"/>
           <p:nvPr/>
         </p:nvSpPr>
@@ -10149,6 +11258,10 @@
               <a:buNone/>
             </a:pPr>
             <a:r>
+              <a:rPr lang="en"/>
+              <a:t>4. Opdracht </a:t>
+            </a:r>
+            <a:r>
               <a:rPr b="0" i="0" lang="en" sz="1400" u="none" cap="none" strike="noStrike">
                 <a:solidFill>
                   <a:srgbClr val="000000"/>
@@ -10172,6 +11285,264 @@
           </a:p>
         </p:txBody>
       </p:sp>
+      <p:sp>
+        <p:nvSpPr>
+          <p:cNvPr id="199" name="Google Shape;199;g705546a133_0_21"/>
+          <p:cNvSpPr txBox="1"/>
+          <p:nvPr/>
+        </p:nvSpPr>
+        <p:spPr>
+          <a:xfrm>
+            <a:off x="3621025" y="740675"/>
+            <a:ext cx="5523000" cy="3348600"/>
+          </a:xfrm>
+          <a:prstGeom prst="rect">
+            <a:avLst/>
+          </a:prstGeom>
+          <a:noFill/>
+          <a:ln>
+            <a:noFill/>
+          </a:ln>
+        </p:spPr>
+        <p:txBody>
+          <a:bodyPr anchorCtr="0" anchor="t" bIns="91425" lIns="91425" spcFirstLastPara="1" rIns="91425" wrap="square" tIns="91425">
+            <a:noAutofit/>
+          </a:bodyPr>
+          <a:lstStyle/>
+          <a:p>
+            <a:pPr indent="-330200" lvl="0" marL="457200" rtl="0" algn="l">
+              <a:spcBef>
+                <a:spcPts val="0"/>
+              </a:spcBef>
+              <a:spcAft>
+                <a:spcPts val="0"/>
+              </a:spcAft>
+              <a:buSzPts val="1600"/>
+              <a:buChar char="●"/>
+            </a:pPr>
+            <a:r>
+              <a:rPr lang="en" sz="1600"/>
+              <a:t>maak initial commit</a:t>
+            </a:r>
+            <a:endParaRPr sz="1600"/>
+          </a:p>
+          <a:p>
+            <a:pPr indent="-330200" lvl="0" marL="457200" rtl="0" algn="l">
+              <a:spcBef>
+                <a:spcPts val="0"/>
+              </a:spcBef>
+              <a:spcAft>
+                <a:spcPts val="0"/>
+              </a:spcAft>
+              <a:buSzPts val="1600"/>
+              <a:buChar char="●"/>
+            </a:pPr>
+            <a:r>
+              <a:rPr lang="en" sz="1600"/>
+              <a:t>maak nieuwe branch develop</a:t>
+            </a:r>
+            <a:endParaRPr sz="1600"/>
+          </a:p>
+          <a:p>
+            <a:pPr indent="-330200" lvl="0" marL="457200" rtl="0" algn="l">
+              <a:spcBef>
+                <a:spcPts val="0"/>
+              </a:spcBef>
+              <a:spcAft>
+                <a:spcPts val="0"/>
+              </a:spcAft>
+              <a:buSzPts val="1600"/>
+              <a:buChar char="●"/>
+            </a:pPr>
+            <a:r>
+              <a:rPr lang="en" sz="1600"/>
+              <a:t>checkout develop</a:t>
+            </a:r>
+            <a:endParaRPr sz="1600"/>
+          </a:p>
+          <a:p>
+            <a:pPr indent="-330200" lvl="0" marL="457200" rtl="0" algn="l">
+              <a:spcBef>
+                <a:spcPts val="0"/>
+              </a:spcBef>
+              <a:spcAft>
+                <a:spcPts val="0"/>
+              </a:spcAft>
+              <a:buSzPts val="1600"/>
+              <a:buChar char="●"/>
+            </a:pPr>
+            <a:r>
+              <a:rPr lang="en" sz="1600"/>
+              <a:t>maak wijziging en commit</a:t>
+            </a:r>
+            <a:endParaRPr sz="1600"/>
+          </a:p>
+          <a:p>
+            <a:pPr indent="-330200" lvl="0" marL="457200" rtl="0" algn="l">
+              <a:spcBef>
+                <a:spcPts val="0"/>
+              </a:spcBef>
+              <a:spcAft>
+                <a:spcPts val="0"/>
+              </a:spcAft>
+              <a:buSzPts val="1600"/>
+              <a:buChar char="●"/>
+            </a:pPr>
+            <a:r>
+              <a:rPr lang="en" sz="1600"/>
+              <a:t>checkout master</a:t>
+            </a:r>
+            <a:endParaRPr sz="1600"/>
+          </a:p>
+          <a:p>
+            <a:pPr indent="-330200" lvl="0" marL="457200" rtl="0" algn="l">
+              <a:spcBef>
+                <a:spcPts val="0"/>
+              </a:spcBef>
+              <a:spcAft>
+                <a:spcPts val="0"/>
+              </a:spcAft>
+              <a:buClr>
+                <a:schemeClr val="dk1"/>
+              </a:buClr>
+              <a:buSzPts val="1600"/>
+              <a:buChar char="●"/>
+            </a:pPr>
+            <a:r>
+              <a:rPr lang="en" sz="1600">
+                <a:solidFill>
+                  <a:schemeClr val="dk1"/>
+                </a:solidFill>
+              </a:rPr>
+              <a:t>maak wijziging en commit</a:t>
+            </a:r>
+            <a:endParaRPr sz="1600">
+              <a:solidFill>
+                <a:schemeClr val="dk1"/>
+              </a:solidFill>
+            </a:endParaRPr>
+          </a:p>
+          <a:p>
+            <a:pPr indent="-330200" lvl="0" marL="457200" rtl="0" algn="l">
+              <a:spcBef>
+                <a:spcPts val="0"/>
+              </a:spcBef>
+              <a:spcAft>
+                <a:spcPts val="0"/>
+              </a:spcAft>
+              <a:buSzPts val="1600"/>
+              <a:buChar char="●"/>
+            </a:pPr>
+            <a:r>
+              <a:rPr lang="en" sz="1600"/>
+              <a:t>merge develop in master</a:t>
+            </a:r>
+            <a:endParaRPr sz="1600"/>
+          </a:p>
+          <a:p>
+            <a:pPr indent="-330200" lvl="0" marL="457200" rtl="0" algn="l">
+              <a:spcBef>
+                <a:spcPts val="0"/>
+              </a:spcBef>
+              <a:spcAft>
+                <a:spcPts val="0"/>
+              </a:spcAft>
+              <a:buSzPts val="1600"/>
+              <a:buChar char="●"/>
+            </a:pPr>
+            <a:r>
+              <a:rPr lang="en" sz="1600"/>
+              <a:t>los conflict op en commit</a:t>
+            </a:r>
+            <a:endParaRPr sz="1600"/>
+          </a:p>
+          <a:p>
+            <a:pPr indent="-330200" lvl="0" marL="457200" rtl="0" algn="l">
+              <a:spcBef>
+                <a:spcPts val="0"/>
+              </a:spcBef>
+              <a:spcAft>
+                <a:spcPts val="0"/>
+              </a:spcAft>
+              <a:buSzPts val="1600"/>
+              <a:buChar char="●"/>
+            </a:pPr>
+            <a:r>
+              <a:rPr lang="en" sz="1600"/>
+              <a:t>bekijk log</a:t>
+            </a:r>
+            <a:endParaRPr sz="1600"/>
+          </a:p>
+          <a:p>
+            <a:pPr indent="-330200" lvl="0" marL="457200" rtl="0" algn="l">
+              <a:spcBef>
+                <a:spcPts val="0"/>
+              </a:spcBef>
+              <a:spcAft>
+                <a:spcPts val="0"/>
+              </a:spcAft>
+              <a:buSzPts val="1600"/>
+              <a:buChar char="●"/>
+            </a:pPr>
+            <a:r>
+              <a:rPr lang="en" sz="1600"/>
+              <a:t>checkout develop</a:t>
+            </a:r>
+            <a:endParaRPr sz="1600"/>
+          </a:p>
+          <a:p>
+            <a:pPr indent="-330200" lvl="0" marL="457200" rtl="0" algn="l">
+              <a:spcBef>
+                <a:spcPts val="0"/>
+              </a:spcBef>
+              <a:spcAft>
+                <a:spcPts val="0"/>
+              </a:spcAft>
+              <a:buSzPts val="1600"/>
+              <a:buChar char="●"/>
+            </a:pPr>
+            <a:r>
+              <a:rPr lang="en" sz="1600"/>
+              <a:t>merge master in develop(fast-forward)</a:t>
+            </a:r>
+            <a:endParaRPr sz="1600"/>
+          </a:p>
+          <a:p>
+            <a:pPr indent="-330200" lvl="0" marL="457200" rtl="0" algn="l">
+              <a:spcBef>
+                <a:spcPts val="0"/>
+              </a:spcBef>
+              <a:spcAft>
+                <a:spcPts val="0"/>
+              </a:spcAft>
+              <a:buSzPts val="1600"/>
+              <a:buChar char="●"/>
+            </a:pPr>
+            <a:r>
+              <a:rPr lang="en" sz="1600"/>
+              <a:t>bekijk log</a:t>
+            </a:r>
+            <a:endParaRPr sz="1600"/>
+          </a:p>
+          <a:p>
+            <a:pPr indent="-330200" lvl="0" marL="457200" rtl="0" algn="l">
+              <a:spcBef>
+                <a:spcPts val="0"/>
+              </a:spcBef>
+              <a:spcAft>
+                <a:spcPts val="0"/>
+              </a:spcAft>
+              <a:buSzPts val="1600"/>
+              <a:buChar char="●"/>
+            </a:pPr>
+            <a:r>
+              <a:rPr lang="en" sz="1600"/>
+              <a:t>delete develop branch</a:t>
+            </a:r>
+            <a:endParaRPr sz="1600"/>
+          </a:p>
+        </p:txBody>
+      </p:sp>
     </p:spTree>
   </p:cSld>
   <p:clrMapOvr>
@@ -10180,12 +11551,12 @@
 </p:sld>
 </file>
 
-<file path=ppt/slides/slide3.xml><?xml version="1.0" encoding="utf-8"?>
+<file path=ppt/slides/slide11.xml><?xml version="1.0" encoding="utf-8"?>
 <p:sld xmlns:a="http://schemas.openxmlformats.org/drawingml/2006/main" xmlns:r="http://schemas.openxmlformats.org/officeDocument/2006/relationships" xmlns:mc="http://schemas.openxmlformats.org/markup-compatibility/2006" xmlns:mv="urn:schemas-microsoft-com:mac:vml" xmlns:p="http://schemas.openxmlformats.org/presentationml/2006/main" xmlns:c="http://schemas.openxmlformats.org/drawingml/2006/chart" xmlns:dgm="http://schemas.openxmlformats.org/drawingml/2006/diagram" xmlns:o="urn:schemas-microsoft-com:office:office" xmlns:v="urn:schemas-microsoft-com:vml" xmlns:pvml="urn:schemas-microsoft-com:office:powerpoint" xmlns:com="http://schemas.openxmlformats.org/drawingml/2006/compatibility" xmlns:p14="http://schemas.microsoft.com/office/powerpoint/2010/main" xmlns:p15="http://schemas.microsoft.com/office/powerpoint/2012/main">
   <p:cSld>
     <p:spTree>
       <p:nvGrpSpPr>
-        <p:cNvPr id="70" name="Shape 70"/>
+        <p:cNvPr id="203" name="Shape 203"/>
         <p:cNvGrpSpPr/>
         <p:nvPr/>
       </p:nvGrpSpPr>
@@ -10199,13 +11570,13 @@
       </p:grpSpPr>
       <p:sp>
         <p:nvSpPr>
-          <p:cNvPr id="71" name="Google Shape;71;p3"/>
+          <p:cNvPr id="204" name="Google Shape;204;g705546a133_0_40"/>
           <p:cNvSpPr/>
           <p:nvPr/>
         </p:nvSpPr>
         <p:spPr>
           <a:xfrm>
-            <a:off x="2852450" y="914400"/>
+            <a:off x="1458820" y="914400"/>
             <a:ext cx="183000" cy="182100"/>
           </a:xfrm>
           <a:prstGeom prst="ellipse">
@@ -10264,13 +11635,107 @@
       </p:sp>
       <p:sp>
         <p:nvSpPr>
-          <p:cNvPr id="72" name="Google Shape;72;p3"/>
+          <p:cNvPr id="205" name="Google Shape;205;g705546a133_0_40"/>
+          <p:cNvSpPr/>
+          <p:nvPr/>
+        </p:nvSpPr>
+        <p:spPr>
+          <a:xfrm>
+            <a:off x="1839820" y="1371600"/>
+            <a:ext cx="183000" cy="182100"/>
+          </a:xfrm>
+          <a:prstGeom prst="ellipse">
+            <a:avLst/>
+          </a:prstGeom>
+          <a:solidFill>
+            <a:schemeClr val="lt2"/>
+          </a:solidFill>
+          <a:ln cap="flat" cmpd="sng" w="9525">
+            <a:solidFill>
+              <a:schemeClr val="dk2"/>
+            </a:solidFill>
+            <a:prstDash val="solid"/>
+            <a:round/>
+            <a:headEnd len="sm" w="sm" type="none"/>
+            <a:tailEnd len="sm" w="sm" type="none"/>
+          </a:ln>
+        </p:spPr>
+        <p:txBody>
+          <a:bodyPr anchorCtr="0" anchor="ctr" bIns="91425" lIns="91425" spcFirstLastPara="1" rIns="91425" wrap="square" tIns="91425">
+            <a:noAutofit/>
+          </a:bodyPr>
+          <a:lstStyle/>
+          <a:p>
+            <a:pPr indent="0" lvl="0" marL="0" marR="0" rtl="0" algn="l">
+              <a:lnSpc>
+                <a:spcPct val="100000"/>
+              </a:lnSpc>
+              <a:spcBef>
+                <a:spcPts val="0"/>
+              </a:spcBef>
+              <a:spcAft>
+                <a:spcPts val="0"/>
+              </a:spcAft>
+              <a:buClr>
+                <a:srgbClr val="000000"/>
+              </a:buClr>
+              <a:buSzPts val="1400"/>
+              <a:buFont typeface="Arial"/>
+              <a:buNone/>
+            </a:pPr>
+            <a:r>
+              <a:t/>
+            </a:r>
+            <a:endParaRPr b="0" i="0" sz="1400" u="none" cap="none" strike="noStrike">
+              <a:solidFill>
+                <a:srgbClr val="000000"/>
+              </a:solidFill>
+              <a:latin typeface="Arial"/>
+              <a:ea typeface="Arial"/>
+              <a:cs typeface="Arial"/>
+              <a:sym typeface="Arial"/>
+            </a:endParaRPr>
+          </a:p>
+        </p:txBody>
+      </p:sp>
+      <p:cxnSp>
+        <p:nvCxnSpPr>
+          <p:cNvPr id="206" name="Google Shape;206;g705546a133_0_40"/>
+          <p:cNvCxnSpPr>
+            <a:stCxn id="204" idx="5"/>
+            <a:endCxn id="205" idx="1"/>
+          </p:cNvCxnSpPr>
+          <p:nvPr/>
+        </p:nvCxnSpPr>
+        <p:spPr>
+          <a:xfrm>
+            <a:off x="1615020" y="1069832"/>
+            <a:ext cx="251700" cy="328500"/>
+          </a:xfrm>
+          <a:prstGeom prst="straightConnector1">
+            <a:avLst/>
+          </a:prstGeom>
+          <a:noFill/>
+          <a:ln cap="flat" cmpd="sng" w="9525">
+            <a:solidFill>
+              <a:schemeClr val="dk2"/>
+            </a:solidFill>
+            <a:prstDash val="solid"/>
+            <a:round/>
+            <a:headEnd len="sm" w="sm" type="none"/>
+            <a:tailEnd len="sm" w="sm" type="none"/>
+          </a:ln>
+        </p:spPr>
+      </p:cxnSp>
+      <p:sp>
+        <p:nvSpPr>
+          <p:cNvPr id="207" name="Google Shape;207;g705546a133_0_40"/>
           <p:cNvSpPr txBox="1"/>
           <p:nvPr/>
         </p:nvSpPr>
         <p:spPr>
           <a:xfrm>
-            <a:off x="3568700" y="868350"/>
+            <a:off x="2175070" y="868350"/>
             <a:ext cx="1097400" cy="274200"/>
           </a:xfrm>
           <a:prstGeom prst="rect">
@@ -10330,13 +11795,210 @@
       </p:sp>
       <p:sp>
         <p:nvSpPr>
-          <p:cNvPr id="73" name="Google Shape;73;p3"/>
+          <p:cNvPr id="208" name="Google Shape;208;g705546a133_0_40"/>
+          <p:cNvSpPr/>
+          <p:nvPr/>
+        </p:nvSpPr>
+        <p:spPr>
+          <a:xfrm>
+            <a:off x="1459298" y="1828800"/>
+            <a:ext cx="183000" cy="182100"/>
+          </a:xfrm>
+          <a:prstGeom prst="ellipse">
+            <a:avLst/>
+          </a:prstGeom>
+          <a:solidFill>
+            <a:schemeClr val="lt2"/>
+          </a:solidFill>
+          <a:ln cap="flat" cmpd="sng" w="9525">
+            <a:solidFill>
+              <a:schemeClr val="dk2"/>
+            </a:solidFill>
+            <a:prstDash val="solid"/>
+            <a:round/>
+            <a:headEnd len="sm" w="sm" type="none"/>
+            <a:tailEnd len="sm" w="sm" type="none"/>
+          </a:ln>
+        </p:spPr>
+        <p:txBody>
+          <a:bodyPr anchorCtr="0" anchor="ctr" bIns="91425" lIns="91425" spcFirstLastPara="1" rIns="91425" wrap="square" tIns="91425">
+            <a:noAutofit/>
+          </a:bodyPr>
+          <a:lstStyle/>
+          <a:p>
+            <a:pPr indent="0" lvl="0" marL="0" marR="0" rtl="0" algn="l">
+              <a:lnSpc>
+                <a:spcPct val="100000"/>
+              </a:lnSpc>
+              <a:spcBef>
+                <a:spcPts val="0"/>
+              </a:spcBef>
+              <a:spcAft>
+                <a:spcPts val="0"/>
+              </a:spcAft>
+              <a:buClr>
+                <a:srgbClr val="000000"/>
+              </a:buClr>
+              <a:buSzPts val="1400"/>
+              <a:buFont typeface="Arial"/>
+              <a:buNone/>
+            </a:pPr>
+            <a:r>
+              <a:t/>
+            </a:r>
+            <a:endParaRPr b="0" i="0" sz="1400" u="none" cap="none" strike="noStrike">
+              <a:solidFill>
+                <a:srgbClr val="000000"/>
+              </a:solidFill>
+              <a:latin typeface="Arial"/>
+              <a:ea typeface="Arial"/>
+              <a:cs typeface="Arial"/>
+              <a:sym typeface="Arial"/>
+            </a:endParaRPr>
+          </a:p>
+        </p:txBody>
+      </p:sp>
+      <p:sp>
+        <p:nvSpPr>
+          <p:cNvPr id="209" name="Google Shape;209;g705546a133_0_40"/>
           <p:cNvSpPr txBox="1"/>
           <p:nvPr/>
         </p:nvSpPr>
         <p:spPr>
           <a:xfrm>
-            <a:off x="2201350" y="914400"/>
+            <a:off x="2175070" y="1325550"/>
+            <a:ext cx="1097400" cy="274200"/>
+          </a:xfrm>
+          <a:prstGeom prst="rect">
+            <a:avLst/>
+          </a:prstGeom>
+          <a:noFill/>
+          <a:ln>
+            <a:noFill/>
+          </a:ln>
+        </p:spPr>
+        <p:txBody>
+          <a:bodyPr anchorCtr="0" anchor="t" bIns="0" lIns="0" spcFirstLastPara="1" rIns="0" wrap="square" tIns="0">
+            <a:noAutofit/>
+          </a:bodyPr>
+          <a:lstStyle/>
+          <a:p>
+            <a:pPr indent="0" lvl="0" marL="0" marR="0" rtl="0" algn="l">
+              <a:lnSpc>
+                <a:spcPct val="100000"/>
+              </a:lnSpc>
+              <a:spcBef>
+                <a:spcPts val="0"/>
+              </a:spcBef>
+              <a:spcAft>
+                <a:spcPts val="0"/>
+              </a:spcAft>
+              <a:buClr>
+                <a:srgbClr val="000000"/>
+              </a:buClr>
+              <a:buSzPts val="1400"/>
+              <a:buFont typeface="Arial"/>
+              <a:buNone/>
+            </a:pPr>
+            <a:r>
+              <a:rPr b="0" i="0" lang="en" sz="1400" u="none" cap="none" strike="noStrike">
+                <a:solidFill>
+                  <a:srgbClr val="000000"/>
+                </a:solidFill>
+                <a:latin typeface="Arial"/>
+                <a:ea typeface="Arial"/>
+                <a:cs typeface="Arial"/>
+                <a:sym typeface="Arial"/>
+              </a:rPr>
+              <a:t>Wijziging 1</a:t>
+            </a:r>
+            <a:endParaRPr b="0" i="0" sz="1400" u="none" cap="none" strike="noStrike">
+              <a:solidFill>
+                <a:srgbClr val="000000"/>
+              </a:solidFill>
+              <a:latin typeface="Arial"/>
+              <a:ea typeface="Arial"/>
+              <a:cs typeface="Arial"/>
+              <a:sym typeface="Arial"/>
+            </a:endParaRPr>
+          </a:p>
+        </p:txBody>
+      </p:sp>
+      <p:sp>
+        <p:nvSpPr>
+          <p:cNvPr id="210" name="Google Shape;210;g705546a133_0_40"/>
+          <p:cNvSpPr txBox="1"/>
+          <p:nvPr/>
+        </p:nvSpPr>
+        <p:spPr>
+          <a:xfrm>
+            <a:off x="2175070" y="1782750"/>
+            <a:ext cx="1097400" cy="274200"/>
+          </a:xfrm>
+          <a:prstGeom prst="rect">
+            <a:avLst/>
+          </a:prstGeom>
+          <a:noFill/>
+          <a:ln>
+            <a:noFill/>
+          </a:ln>
+        </p:spPr>
+        <p:txBody>
+          <a:bodyPr anchorCtr="0" anchor="t" bIns="0" lIns="0" spcFirstLastPara="1" rIns="0" wrap="square" tIns="0">
+            <a:noAutofit/>
+          </a:bodyPr>
+          <a:lstStyle/>
+          <a:p>
+            <a:pPr indent="0" lvl="0" marL="0" marR="0" rtl="0" algn="l">
+              <a:lnSpc>
+                <a:spcPct val="100000"/>
+              </a:lnSpc>
+              <a:spcBef>
+                <a:spcPts val="0"/>
+              </a:spcBef>
+              <a:spcAft>
+                <a:spcPts val="0"/>
+              </a:spcAft>
+              <a:buClr>
+                <a:srgbClr val="000000"/>
+              </a:buClr>
+              <a:buSzPts val="1400"/>
+              <a:buFont typeface="Arial"/>
+              <a:buNone/>
+            </a:pPr>
+            <a:r>
+              <a:rPr b="0" i="0" lang="en" sz="1400" u="none" cap="none" strike="noStrike">
+                <a:solidFill>
+                  <a:srgbClr val="000000"/>
+                </a:solidFill>
+                <a:latin typeface="Arial"/>
+                <a:ea typeface="Arial"/>
+                <a:cs typeface="Arial"/>
+                <a:sym typeface="Arial"/>
+              </a:rPr>
+              <a:t>Wijziging 2</a:t>
+            </a:r>
+            <a:endParaRPr b="0" i="0" sz="1400" u="none" cap="none" strike="noStrike">
+              <a:solidFill>
+                <a:srgbClr val="000000"/>
+              </a:solidFill>
+              <a:latin typeface="Arial"/>
+              <a:ea typeface="Arial"/>
+              <a:cs typeface="Arial"/>
+              <a:sym typeface="Arial"/>
+            </a:endParaRPr>
+          </a:p>
+        </p:txBody>
+      </p:sp>
+      <p:sp>
+        <p:nvSpPr>
+          <p:cNvPr id="211" name="Google Shape;211;g705546a133_0_40"/>
+          <p:cNvSpPr txBox="1"/>
+          <p:nvPr/>
+        </p:nvSpPr>
+        <p:spPr>
+          <a:xfrm>
+            <a:off x="807720" y="2286000"/>
             <a:ext cx="479700" cy="182100"/>
           </a:xfrm>
           <a:prstGeom prst="rect">
@@ -10373,38 +12035,59 @@
               <a:buNone/>
             </a:pPr>
             <a:r>
-              <a:rPr b="0" i="0" lang="en" sz="900" u="none" cap="none" strike="noStrike">
+              <a:rPr b="1" i="0" lang="en" sz="900" u="none" cap="none" strike="noStrike">
                 <a:solidFill>
                   <a:srgbClr val="000000"/>
                 </a:solidFill>
-                <a:latin typeface="Arial"/>
-                <a:ea typeface="Arial"/>
-                <a:cs typeface="Arial"/>
-                <a:sym typeface="Arial"/>
               </a:rPr>
               <a:t>master</a:t>
             </a:r>
-            <a:endParaRPr b="0" i="0" sz="900" u="none" cap="none" strike="noStrike">
+            <a:endParaRPr b="1" i="0" sz="900" u="none" cap="none" strike="noStrike">
               <a:solidFill>
                 <a:srgbClr val="000000"/>
               </a:solidFill>
-              <a:latin typeface="Arial"/>
-              <a:ea typeface="Arial"/>
-              <a:cs typeface="Arial"/>
-              <a:sym typeface="Arial"/>
             </a:endParaRPr>
           </a:p>
         </p:txBody>
       </p:sp>
+      <p:cxnSp>
+        <p:nvCxnSpPr>
+          <p:cNvPr id="212" name="Google Shape;212;g705546a133_0_40"/>
+          <p:cNvCxnSpPr>
+            <a:stCxn id="204" idx="4"/>
+            <a:endCxn id="208" idx="0"/>
+          </p:cNvCxnSpPr>
+          <p:nvPr/>
+        </p:nvCxnSpPr>
+        <p:spPr>
+          <a:xfrm>
+            <a:off x="1550320" y="1096500"/>
+            <a:ext cx="600" cy="732300"/>
+          </a:xfrm>
+          <a:prstGeom prst="straightConnector1">
+            <a:avLst/>
+          </a:prstGeom>
+          <a:noFill/>
+          <a:ln cap="flat" cmpd="sng" w="9525">
+            <a:solidFill>
+              <a:schemeClr val="dk2"/>
+            </a:solidFill>
+            <a:prstDash val="solid"/>
+            <a:round/>
+            <a:headEnd len="sm" w="sm" type="none"/>
+            <a:tailEnd len="sm" w="sm" type="none"/>
+          </a:ln>
+        </p:spPr>
+      </p:cxnSp>
       <p:sp>
         <p:nvSpPr>
-          <p:cNvPr id="74" name="Google Shape;74;p3"/>
+          <p:cNvPr id="213" name="Google Shape;213;g705546a133_0_40"/>
           <p:cNvSpPr txBox="1"/>
           <p:nvPr/>
         </p:nvSpPr>
         <p:spPr>
           <a:xfrm>
-            <a:off x="1667950" y="914400"/>
+            <a:off x="274320" y="2286000"/>
             <a:ext cx="479700" cy="182100"/>
           </a:xfrm>
           <a:prstGeom prst="rect">
@@ -10441,7 +12124,188 @@
               <a:buNone/>
             </a:pPr>
             <a:r>
-              <a:rPr b="1" i="0" lang="en" sz="900" u="none" cap="none" strike="noStrike">
+              <a:rPr i="0" lang="en" sz="900" u="none" cap="none" strike="noStrike">
+                <a:solidFill>
+                  <a:srgbClr val="000000"/>
+                </a:solidFill>
+              </a:rPr>
+              <a:t>develop</a:t>
+            </a:r>
+            <a:endParaRPr i="0" sz="900" u="none" cap="none" strike="noStrike">
+              <a:solidFill>
+                <a:srgbClr val="000000"/>
+              </a:solidFill>
+            </a:endParaRPr>
+          </a:p>
+        </p:txBody>
+      </p:sp>
+      <p:cxnSp>
+        <p:nvCxnSpPr>
+          <p:cNvPr id="214" name="Google Shape;214;g705546a133_0_40"/>
+          <p:cNvCxnSpPr>
+            <a:stCxn id="208" idx="4"/>
+            <a:endCxn id="215" idx="0"/>
+          </p:cNvCxnSpPr>
+          <p:nvPr/>
+        </p:nvCxnSpPr>
+        <p:spPr>
+          <a:xfrm>
+            <a:off x="1550798" y="2010900"/>
+            <a:ext cx="0" cy="275100"/>
+          </a:xfrm>
+          <a:prstGeom prst="straightConnector1">
+            <a:avLst/>
+          </a:prstGeom>
+          <a:noFill/>
+          <a:ln cap="flat" cmpd="sng" w="9525">
+            <a:solidFill>
+              <a:schemeClr val="dk2"/>
+            </a:solidFill>
+            <a:prstDash val="solid"/>
+            <a:round/>
+            <a:headEnd len="sm" w="sm" type="none"/>
+            <a:tailEnd len="sm" w="sm" type="none"/>
+          </a:ln>
+        </p:spPr>
+      </p:cxnSp>
+      <p:cxnSp>
+        <p:nvCxnSpPr>
+          <p:cNvPr id="216" name="Google Shape;216;g705546a133_0_40"/>
+          <p:cNvCxnSpPr>
+            <a:stCxn id="205" idx="4"/>
+            <a:endCxn id="215" idx="7"/>
+          </p:cNvCxnSpPr>
+          <p:nvPr/>
+        </p:nvCxnSpPr>
+        <p:spPr>
+          <a:xfrm flipH="1">
+            <a:off x="1615420" y="1553700"/>
+            <a:ext cx="315900" cy="759000"/>
+          </a:xfrm>
+          <a:prstGeom prst="straightConnector1">
+            <a:avLst/>
+          </a:prstGeom>
+          <a:noFill/>
+          <a:ln cap="flat" cmpd="sng" w="9525">
+            <a:solidFill>
+              <a:schemeClr val="dk2"/>
+            </a:solidFill>
+            <a:prstDash val="solid"/>
+            <a:round/>
+            <a:headEnd len="sm" w="sm" type="none"/>
+            <a:tailEnd len="sm" w="sm" type="none"/>
+          </a:ln>
+        </p:spPr>
+      </p:cxnSp>
+      <p:sp>
+        <p:nvSpPr>
+          <p:cNvPr id="215" name="Google Shape;215;g705546a133_0_40"/>
+          <p:cNvSpPr/>
+          <p:nvPr/>
+        </p:nvSpPr>
+        <p:spPr>
+          <a:xfrm>
+            <a:off x="1459298" y="2286000"/>
+            <a:ext cx="183000" cy="182100"/>
+          </a:xfrm>
+          <a:prstGeom prst="ellipse">
+            <a:avLst/>
+          </a:prstGeom>
+          <a:solidFill>
+            <a:schemeClr val="lt2"/>
+          </a:solidFill>
+          <a:ln cap="flat" cmpd="sng" w="9525">
+            <a:solidFill>
+              <a:schemeClr val="dk2"/>
+            </a:solidFill>
+            <a:prstDash val="solid"/>
+            <a:round/>
+            <a:headEnd len="sm" w="sm" type="none"/>
+            <a:tailEnd len="sm" w="sm" type="none"/>
+          </a:ln>
+        </p:spPr>
+        <p:txBody>
+          <a:bodyPr anchorCtr="0" anchor="ctr" bIns="91425" lIns="91425" spcFirstLastPara="1" rIns="91425" wrap="square" tIns="91425">
+            <a:noAutofit/>
+          </a:bodyPr>
+          <a:lstStyle/>
+          <a:p>
+            <a:pPr indent="0" lvl="0" marL="0" marR="0" rtl="0" algn="l">
+              <a:lnSpc>
+                <a:spcPct val="100000"/>
+              </a:lnSpc>
+              <a:spcBef>
+                <a:spcPts val="0"/>
+              </a:spcBef>
+              <a:spcAft>
+                <a:spcPts val="0"/>
+              </a:spcAft>
+              <a:buClr>
+                <a:srgbClr val="000000"/>
+              </a:buClr>
+              <a:buSzPts val="1400"/>
+              <a:buFont typeface="Arial"/>
+              <a:buNone/>
+            </a:pPr>
+            <a:r>
+              <a:t/>
+            </a:r>
+            <a:endParaRPr b="0" i="0" sz="1400" u="none" cap="none" strike="noStrike">
+              <a:solidFill>
+                <a:srgbClr val="000000"/>
+              </a:solidFill>
+              <a:latin typeface="Arial"/>
+              <a:ea typeface="Arial"/>
+              <a:cs typeface="Arial"/>
+              <a:sym typeface="Arial"/>
+            </a:endParaRPr>
+          </a:p>
+        </p:txBody>
+      </p:sp>
+      <p:sp>
+        <p:nvSpPr>
+          <p:cNvPr id="217" name="Google Shape;217;g705546a133_0_40"/>
+          <p:cNvSpPr txBox="1"/>
+          <p:nvPr/>
+        </p:nvSpPr>
+        <p:spPr>
+          <a:xfrm>
+            <a:off x="2175070" y="2240280"/>
+            <a:ext cx="1097400" cy="274200"/>
+          </a:xfrm>
+          <a:prstGeom prst="rect">
+            <a:avLst/>
+          </a:prstGeom>
+          <a:noFill/>
+          <a:ln>
+            <a:noFill/>
+          </a:ln>
+        </p:spPr>
+        <p:txBody>
+          <a:bodyPr anchorCtr="0" anchor="t" bIns="0" lIns="0" spcFirstLastPara="1" rIns="0" wrap="square" tIns="0">
+            <a:noAutofit/>
+          </a:bodyPr>
+          <a:lstStyle/>
+          <a:p>
+            <a:pPr indent="0" lvl="0" marL="0" marR="0" rtl="0" algn="l">
+              <a:lnSpc>
+                <a:spcPct val="100000"/>
+              </a:lnSpc>
+              <a:spcBef>
+                <a:spcPts val="0"/>
+              </a:spcBef>
+              <a:spcAft>
+                <a:spcPts val="0"/>
+              </a:spcAft>
+              <a:buClr>
+                <a:srgbClr val="000000"/>
+              </a:buClr>
+              <a:buSzPts val="1400"/>
+              <a:buFont typeface="Arial"/>
+              <a:buNone/>
+            </a:pPr>
+            <a:r>
+              <a:rPr b="0" i="0" lang="en" sz="1400" u="none" cap="none" strike="noStrike">
                 <a:solidFill>
                   <a:srgbClr val="000000"/>
                 </a:solidFill>
@@ -10450,9 +12314,9 @@
                 <a:cs typeface="Arial"/>
                 <a:sym typeface="Arial"/>
               </a:rPr>
-              <a:t>develop</a:t>
-            </a:r>
-            <a:endParaRPr b="1" i="0" sz="900" u="none" cap="none" strike="noStrike">
+              <a:t>merge</a:t>
+            </a:r>
+            <a:endParaRPr b="0" i="0" sz="1400" u="none" cap="none" strike="noStrike">
               <a:solidFill>
                 <a:srgbClr val="000000"/>
               </a:solidFill>
@@ -10466,7 +12330,7 @@
       </p:sp>
       <p:sp>
         <p:nvSpPr>
-          <p:cNvPr id="75" name="Google Shape;75;p3"/>
+          <p:cNvPr id="218" name="Google Shape;218;g705546a133_0_40"/>
           <p:cNvSpPr txBox="1"/>
           <p:nvPr/>
         </p:nvSpPr>
@@ -10509,6 +12373,10 @@
               <a:buNone/>
             </a:pPr>
             <a:r>
+              <a:rPr lang="en"/>
+              <a:t>4. Opdracht </a:t>
+            </a:r>
+            <a:r>
               <a:rPr b="0" i="0" lang="en" sz="1400" u="none" cap="none" strike="noStrike">
                 <a:solidFill>
                   <a:srgbClr val="000000"/>
@@ -10532,6 +12400,264 @@
           </a:p>
         </p:txBody>
       </p:sp>
+      <p:sp>
+        <p:nvSpPr>
+          <p:cNvPr id="219" name="Google Shape;219;g705546a133_0_40"/>
+          <p:cNvSpPr txBox="1"/>
+          <p:nvPr/>
+        </p:nvSpPr>
+        <p:spPr>
+          <a:xfrm>
+            <a:off x="3621025" y="740675"/>
+            <a:ext cx="5523000" cy="3348600"/>
+          </a:xfrm>
+          <a:prstGeom prst="rect">
+            <a:avLst/>
+          </a:prstGeom>
+          <a:noFill/>
+          <a:ln>
+            <a:noFill/>
+          </a:ln>
+        </p:spPr>
+        <p:txBody>
+          <a:bodyPr anchorCtr="0" anchor="t" bIns="91425" lIns="91425" spcFirstLastPara="1" rIns="91425" wrap="square" tIns="91425">
+            <a:noAutofit/>
+          </a:bodyPr>
+          <a:lstStyle/>
+          <a:p>
+            <a:pPr indent="-330200" lvl="0" marL="457200" rtl="0" algn="l">
+              <a:spcBef>
+                <a:spcPts val="0"/>
+              </a:spcBef>
+              <a:spcAft>
+                <a:spcPts val="0"/>
+              </a:spcAft>
+              <a:buSzPts val="1600"/>
+              <a:buChar char="●"/>
+            </a:pPr>
+            <a:r>
+              <a:rPr lang="en" sz="1600"/>
+              <a:t>maak initial commit</a:t>
+            </a:r>
+            <a:endParaRPr sz="1600"/>
+          </a:p>
+          <a:p>
+            <a:pPr indent="-330200" lvl="0" marL="457200" rtl="0" algn="l">
+              <a:spcBef>
+                <a:spcPts val="0"/>
+              </a:spcBef>
+              <a:spcAft>
+                <a:spcPts val="0"/>
+              </a:spcAft>
+              <a:buSzPts val="1600"/>
+              <a:buChar char="●"/>
+            </a:pPr>
+            <a:r>
+              <a:rPr lang="en" sz="1600"/>
+              <a:t>maak nieuwe branch develop</a:t>
+            </a:r>
+            <a:endParaRPr sz="1600"/>
+          </a:p>
+          <a:p>
+            <a:pPr indent="-330200" lvl="0" marL="457200" rtl="0" algn="l">
+              <a:spcBef>
+                <a:spcPts val="0"/>
+              </a:spcBef>
+              <a:spcAft>
+                <a:spcPts val="0"/>
+              </a:spcAft>
+              <a:buSzPts val="1600"/>
+              <a:buChar char="●"/>
+            </a:pPr>
+            <a:r>
+              <a:rPr lang="en" sz="1600"/>
+              <a:t>checkout develop</a:t>
+            </a:r>
+            <a:endParaRPr sz="1600"/>
+          </a:p>
+          <a:p>
+            <a:pPr indent="-330200" lvl="0" marL="457200" rtl="0" algn="l">
+              <a:spcBef>
+                <a:spcPts val="0"/>
+              </a:spcBef>
+              <a:spcAft>
+                <a:spcPts val="0"/>
+              </a:spcAft>
+              <a:buSzPts val="1600"/>
+              <a:buChar char="●"/>
+            </a:pPr>
+            <a:r>
+              <a:rPr lang="en" sz="1600"/>
+              <a:t>maak wijziging en commit</a:t>
+            </a:r>
+            <a:endParaRPr sz="1600"/>
+          </a:p>
+          <a:p>
+            <a:pPr indent="-330200" lvl="0" marL="457200" rtl="0" algn="l">
+              <a:spcBef>
+                <a:spcPts val="0"/>
+              </a:spcBef>
+              <a:spcAft>
+                <a:spcPts val="0"/>
+              </a:spcAft>
+              <a:buSzPts val="1600"/>
+              <a:buChar char="●"/>
+            </a:pPr>
+            <a:r>
+              <a:rPr lang="en" sz="1600"/>
+              <a:t>checkout master</a:t>
+            </a:r>
+            <a:endParaRPr sz="1600"/>
+          </a:p>
+          <a:p>
+            <a:pPr indent="-330200" lvl="0" marL="457200" rtl="0" algn="l">
+              <a:spcBef>
+                <a:spcPts val="0"/>
+              </a:spcBef>
+              <a:spcAft>
+                <a:spcPts val="0"/>
+              </a:spcAft>
+              <a:buClr>
+                <a:schemeClr val="dk1"/>
+              </a:buClr>
+              <a:buSzPts val="1600"/>
+              <a:buChar char="●"/>
+            </a:pPr>
+            <a:r>
+              <a:rPr lang="en" sz="1600">
+                <a:solidFill>
+                  <a:schemeClr val="dk1"/>
+                </a:solidFill>
+              </a:rPr>
+              <a:t>maak wijziging en commit</a:t>
+            </a:r>
+            <a:endParaRPr sz="1600">
+              <a:solidFill>
+                <a:schemeClr val="dk1"/>
+              </a:solidFill>
+            </a:endParaRPr>
+          </a:p>
+          <a:p>
+            <a:pPr indent="-330200" lvl="0" marL="457200" rtl="0" algn="l">
+              <a:spcBef>
+                <a:spcPts val="0"/>
+              </a:spcBef>
+              <a:spcAft>
+                <a:spcPts val="0"/>
+              </a:spcAft>
+              <a:buSzPts val="1600"/>
+              <a:buChar char="●"/>
+            </a:pPr>
+            <a:r>
+              <a:rPr lang="en" sz="1600"/>
+              <a:t>merge develop in master</a:t>
+            </a:r>
+            <a:endParaRPr sz="1600"/>
+          </a:p>
+          <a:p>
+            <a:pPr indent="-330200" lvl="0" marL="457200" rtl="0" algn="l">
+              <a:spcBef>
+                <a:spcPts val="0"/>
+              </a:spcBef>
+              <a:spcAft>
+                <a:spcPts val="0"/>
+              </a:spcAft>
+              <a:buSzPts val="1600"/>
+              <a:buChar char="●"/>
+            </a:pPr>
+            <a:r>
+              <a:rPr lang="en" sz="1600"/>
+              <a:t>los conflict op en commit</a:t>
+            </a:r>
+            <a:endParaRPr sz="1600"/>
+          </a:p>
+          <a:p>
+            <a:pPr indent="-330200" lvl="0" marL="457200" rtl="0" algn="l">
+              <a:spcBef>
+                <a:spcPts val="0"/>
+              </a:spcBef>
+              <a:spcAft>
+                <a:spcPts val="0"/>
+              </a:spcAft>
+              <a:buSzPts val="1600"/>
+              <a:buChar char="●"/>
+            </a:pPr>
+            <a:r>
+              <a:rPr lang="en" sz="1600"/>
+              <a:t>bekijk log</a:t>
+            </a:r>
+            <a:endParaRPr sz="1600"/>
+          </a:p>
+          <a:p>
+            <a:pPr indent="-330200" lvl="0" marL="457200" rtl="0" algn="l">
+              <a:spcBef>
+                <a:spcPts val="0"/>
+              </a:spcBef>
+              <a:spcAft>
+                <a:spcPts val="0"/>
+              </a:spcAft>
+              <a:buSzPts val="1600"/>
+              <a:buChar char="●"/>
+            </a:pPr>
+            <a:r>
+              <a:rPr lang="en" sz="1600"/>
+              <a:t>checkout develop</a:t>
+            </a:r>
+            <a:endParaRPr sz="1600"/>
+          </a:p>
+          <a:p>
+            <a:pPr indent="-330200" lvl="0" marL="457200" rtl="0" algn="l">
+              <a:spcBef>
+                <a:spcPts val="0"/>
+              </a:spcBef>
+              <a:spcAft>
+                <a:spcPts val="0"/>
+              </a:spcAft>
+              <a:buSzPts val="1600"/>
+              <a:buChar char="●"/>
+            </a:pPr>
+            <a:r>
+              <a:rPr lang="en" sz="1600"/>
+              <a:t>merge master in develop(fast-forward)</a:t>
+            </a:r>
+            <a:endParaRPr sz="1600"/>
+          </a:p>
+          <a:p>
+            <a:pPr indent="-330200" lvl="0" marL="457200" rtl="0" algn="l">
+              <a:spcBef>
+                <a:spcPts val="0"/>
+              </a:spcBef>
+              <a:spcAft>
+                <a:spcPts val="0"/>
+              </a:spcAft>
+              <a:buSzPts val="1600"/>
+              <a:buChar char="●"/>
+            </a:pPr>
+            <a:r>
+              <a:rPr lang="en" sz="1600"/>
+              <a:t>bekijk log</a:t>
+            </a:r>
+            <a:endParaRPr sz="1600"/>
+          </a:p>
+          <a:p>
+            <a:pPr indent="-330200" lvl="0" marL="457200" rtl="0" algn="l">
+              <a:spcBef>
+                <a:spcPts val="0"/>
+              </a:spcBef>
+              <a:spcAft>
+                <a:spcPts val="0"/>
+              </a:spcAft>
+              <a:buSzPts val="1600"/>
+              <a:buChar char="●"/>
+            </a:pPr>
+            <a:r>
+              <a:rPr lang="en" sz="1600"/>
+              <a:t>delete develop branch</a:t>
+            </a:r>
+            <a:endParaRPr sz="1600"/>
+          </a:p>
+        </p:txBody>
+      </p:sp>
     </p:spTree>
   </p:cSld>
   <p:clrMapOvr>
@@ -10540,12 +12666,12 @@
 </p:sld>
 </file>
 
-<file path=ppt/slides/slide4.xml><?xml version="1.0" encoding="utf-8"?>
+<file path=ppt/slides/slide12.xml><?xml version="1.0" encoding="utf-8"?>
 <p:sld xmlns:a="http://schemas.openxmlformats.org/drawingml/2006/main" xmlns:r="http://schemas.openxmlformats.org/officeDocument/2006/relationships" xmlns:mc="http://schemas.openxmlformats.org/markup-compatibility/2006" xmlns:mv="urn:schemas-microsoft-com:mac:vml" xmlns:p="http://schemas.openxmlformats.org/presentationml/2006/main" xmlns:c="http://schemas.openxmlformats.org/drawingml/2006/chart" xmlns:dgm="http://schemas.openxmlformats.org/drawingml/2006/diagram" xmlns:o="urn:schemas-microsoft-com:office:office" xmlns:v="urn:schemas-microsoft-com:vml" xmlns:pvml="urn:schemas-microsoft-com:office:powerpoint" xmlns:com="http://schemas.openxmlformats.org/drawingml/2006/compatibility" xmlns:p14="http://schemas.microsoft.com/office/powerpoint/2010/main" xmlns:p15="http://schemas.microsoft.com/office/powerpoint/2012/main">
   <p:cSld>
     <p:spTree>
       <p:nvGrpSpPr>
-        <p:cNvPr id="79" name="Shape 79"/>
+        <p:cNvPr id="223" name="Shape 223"/>
         <p:cNvGrpSpPr/>
         <p:nvPr/>
       </p:nvGrpSpPr>
@@ -10559,13 +12685,13 @@
       </p:grpSpPr>
       <p:sp>
         <p:nvSpPr>
-          <p:cNvPr id="80" name="Google Shape;80;p4"/>
+          <p:cNvPr id="224" name="Google Shape;224;g7052a85339_0_47"/>
           <p:cNvSpPr/>
           <p:nvPr/>
         </p:nvSpPr>
         <p:spPr>
           <a:xfrm>
-            <a:off x="2852450" y="914400"/>
+            <a:off x="1455772" y="914400"/>
             <a:ext cx="183000" cy="182100"/>
           </a:xfrm>
           <a:prstGeom prst="ellipse">
@@ -10624,13 +12750,13 @@
       </p:sp>
       <p:sp>
         <p:nvSpPr>
-          <p:cNvPr id="81" name="Google Shape;81;p4"/>
+          <p:cNvPr id="225" name="Google Shape;225;g7052a85339_0_47"/>
           <p:cNvSpPr/>
           <p:nvPr/>
         </p:nvSpPr>
         <p:spPr>
           <a:xfrm>
-            <a:off x="3233450" y="1371600"/>
+            <a:off x="1836772" y="1371600"/>
             <a:ext cx="183000" cy="182100"/>
           </a:xfrm>
           <a:prstGeom prst="ellipse">
@@ -10689,16 +12815,16 @@
       </p:sp>
       <p:cxnSp>
         <p:nvCxnSpPr>
-          <p:cNvPr id="82" name="Google Shape;82;p4"/>
+          <p:cNvPr id="226" name="Google Shape;226;g7052a85339_0_47"/>
           <p:cNvCxnSpPr>
-            <a:stCxn id="80" idx="5"/>
-            <a:endCxn id="81" idx="1"/>
+            <a:stCxn id="224" idx="5"/>
+            <a:endCxn id="225" idx="1"/>
           </p:cNvCxnSpPr>
           <p:nvPr/>
         </p:nvCxnSpPr>
         <p:spPr>
           <a:xfrm>
-            <a:off x="3008650" y="1069832"/>
+            <a:off x="1611972" y="1069832"/>
             <a:ext cx="251700" cy="328500"/>
           </a:xfrm>
           <a:prstGeom prst="straightConnector1">
@@ -10718,13 +12844,13 @@
       </p:cxnSp>
       <p:sp>
         <p:nvSpPr>
-          <p:cNvPr id="83" name="Google Shape;83;p4"/>
+          <p:cNvPr id="227" name="Google Shape;227;g7052a85339_0_47"/>
           <p:cNvSpPr txBox="1"/>
           <p:nvPr/>
         </p:nvSpPr>
         <p:spPr>
           <a:xfrm>
-            <a:off x="3568700" y="868350"/>
+            <a:off x="2172022" y="868350"/>
             <a:ext cx="1097400" cy="274200"/>
           </a:xfrm>
           <a:prstGeom prst="rect">
@@ -10784,13 +12910,78 @@
       </p:sp>
       <p:sp>
         <p:nvSpPr>
-          <p:cNvPr id="84" name="Google Shape;84;p4"/>
+          <p:cNvPr id="228" name="Google Shape;228;g7052a85339_0_47"/>
+          <p:cNvSpPr/>
+          <p:nvPr/>
+        </p:nvSpPr>
+        <p:spPr>
+          <a:xfrm>
+            <a:off x="1456250" y="1828800"/>
+            <a:ext cx="183000" cy="182100"/>
+          </a:xfrm>
+          <a:prstGeom prst="ellipse">
+            <a:avLst/>
+          </a:prstGeom>
+          <a:solidFill>
+            <a:schemeClr val="lt2"/>
+          </a:solidFill>
+          <a:ln cap="flat" cmpd="sng" w="9525">
+            <a:solidFill>
+              <a:schemeClr val="dk2"/>
+            </a:solidFill>
+            <a:prstDash val="solid"/>
+            <a:round/>
+            <a:headEnd len="sm" w="sm" type="none"/>
+            <a:tailEnd len="sm" w="sm" type="none"/>
+          </a:ln>
+        </p:spPr>
+        <p:txBody>
+          <a:bodyPr anchorCtr="0" anchor="ctr" bIns="91425" lIns="91425" spcFirstLastPara="1" rIns="91425" wrap="square" tIns="91425">
+            <a:noAutofit/>
+          </a:bodyPr>
+          <a:lstStyle/>
+          <a:p>
+            <a:pPr indent="0" lvl="0" marL="0" marR="0" rtl="0" algn="l">
+              <a:lnSpc>
+                <a:spcPct val="100000"/>
+              </a:lnSpc>
+              <a:spcBef>
+                <a:spcPts val="0"/>
+              </a:spcBef>
+              <a:spcAft>
+                <a:spcPts val="0"/>
+              </a:spcAft>
+              <a:buClr>
+                <a:srgbClr val="000000"/>
+              </a:buClr>
+              <a:buSzPts val="1400"/>
+              <a:buFont typeface="Arial"/>
+              <a:buNone/>
+            </a:pPr>
+            <a:r>
+              <a:t/>
+            </a:r>
+            <a:endParaRPr b="0" i="0" sz="1400" u="none" cap="none" strike="noStrike">
+              <a:solidFill>
+                <a:srgbClr val="000000"/>
+              </a:solidFill>
+              <a:latin typeface="Arial"/>
+              <a:ea typeface="Arial"/>
+              <a:cs typeface="Arial"/>
+              <a:sym typeface="Arial"/>
+            </a:endParaRPr>
+          </a:p>
+        </p:txBody>
+      </p:sp>
+      <p:sp>
+        <p:nvSpPr>
+          <p:cNvPr id="229" name="Google Shape;229;g7052a85339_0_47"/>
           <p:cNvSpPr txBox="1"/>
           <p:nvPr/>
         </p:nvSpPr>
         <p:spPr>
           <a:xfrm>
-            <a:off x="3568700" y="1325550"/>
+            <a:off x="2172022" y="1325550"/>
             <a:ext cx="1097400" cy="274200"/>
           </a:xfrm>
           <a:prstGeom prst="rect">
@@ -10850,13 +13041,79 @@
       </p:sp>
       <p:sp>
         <p:nvSpPr>
-          <p:cNvPr id="85" name="Google Shape;85;p4"/>
+          <p:cNvPr id="230" name="Google Shape;230;g7052a85339_0_47"/>
           <p:cNvSpPr txBox="1"/>
           <p:nvPr/>
         </p:nvSpPr>
         <p:spPr>
           <a:xfrm>
-            <a:off x="2201350" y="914400"/>
+            <a:off x="2172022" y="1782750"/>
+            <a:ext cx="1097400" cy="274200"/>
+          </a:xfrm>
+          <a:prstGeom prst="rect">
+            <a:avLst/>
+          </a:prstGeom>
+          <a:noFill/>
+          <a:ln>
+            <a:noFill/>
+          </a:ln>
+        </p:spPr>
+        <p:txBody>
+          <a:bodyPr anchorCtr="0" anchor="t" bIns="0" lIns="0" spcFirstLastPara="1" rIns="0" wrap="square" tIns="0">
+            <a:noAutofit/>
+          </a:bodyPr>
+          <a:lstStyle/>
+          <a:p>
+            <a:pPr indent="0" lvl="0" marL="0" marR="0" rtl="0" algn="l">
+              <a:lnSpc>
+                <a:spcPct val="100000"/>
+              </a:lnSpc>
+              <a:spcBef>
+                <a:spcPts val="0"/>
+              </a:spcBef>
+              <a:spcAft>
+                <a:spcPts val="0"/>
+              </a:spcAft>
+              <a:buClr>
+                <a:srgbClr val="000000"/>
+              </a:buClr>
+              <a:buSzPts val="1400"/>
+              <a:buFont typeface="Arial"/>
+              <a:buNone/>
+            </a:pPr>
+            <a:r>
+              <a:rPr b="0" i="0" lang="en" sz="1400" u="none" cap="none" strike="noStrike">
+                <a:solidFill>
+                  <a:srgbClr val="000000"/>
+                </a:solidFill>
+                <a:latin typeface="Arial"/>
+                <a:ea typeface="Arial"/>
+                <a:cs typeface="Arial"/>
+                <a:sym typeface="Arial"/>
+              </a:rPr>
+              <a:t>Wijziging 2</a:t>
+            </a:r>
+            <a:endParaRPr b="0" i="0" sz="1400" u="none" cap="none" strike="noStrike">
+              <a:solidFill>
+                <a:srgbClr val="000000"/>
+              </a:solidFill>
+              <a:latin typeface="Arial"/>
+              <a:ea typeface="Arial"/>
+              <a:cs typeface="Arial"/>
+              <a:sym typeface="Arial"/>
+            </a:endParaRPr>
+          </a:p>
+        </p:txBody>
+      </p:sp>
+      <p:sp>
+        <p:nvSpPr>
+          <p:cNvPr id="231" name="Google Shape;231;g7052a85339_0_47"/>
+          <p:cNvSpPr txBox="1"/>
+          <p:nvPr/>
+        </p:nvSpPr>
+        <p:spPr>
+          <a:xfrm>
+            <a:off x="804672" y="2286000"/>
             <a:ext cx="479700" cy="182100"/>
           </a:xfrm>
           <a:prstGeom prst="rect">
@@ -10893,7 +13150,7 @@
               <a:buNone/>
             </a:pPr>
             <a:r>
-              <a:rPr b="0" i="0" lang="en" sz="900" u="none" cap="none" strike="noStrike">
+              <a:rPr b="1" i="0" lang="en" sz="900" u="none" cap="none" strike="noStrike">
                 <a:solidFill>
                   <a:srgbClr val="000000"/>
                 </a:solidFill>
@@ -10904,7 +13161,7 @@
               </a:rPr>
               <a:t>master</a:t>
             </a:r>
-            <a:endParaRPr b="0" i="0" sz="900" u="none" cap="none" strike="noStrike">
+            <a:endParaRPr b="1" i="0" sz="900" u="none" cap="none" strike="noStrike">
               <a:solidFill>
                 <a:srgbClr val="000000"/>
               </a:solidFill>
@@ -10916,23 +13173,173 @@
           </a:p>
         </p:txBody>
       </p:sp>
+      <p:cxnSp>
+        <p:nvCxnSpPr>
+          <p:cNvPr id="232" name="Google Shape;232;g7052a85339_0_47"/>
+          <p:cNvCxnSpPr>
+            <a:stCxn id="224" idx="4"/>
+            <a:endCxn id="228" idx="0"/>
+          </p:cNvCxnSpPr>
+          <p:nvPr/>
+        </p:nvCxnSpPr>
+        <p:spPr>
+          <a:xfrm>
+            <a:off x="1547272" y="1096500"/>
+            <a:ext cx="600" cy="732300"/>
+          </a:xfrm>
+          <a:prstGeom prst="straightConnector1">
+            <a:avLst/>
+          </a:prstGeom>
+          <a:noFill/>
+          <a:ln cap="flat" cmpd="sng" w="9525">
+            <a:solidFill>
+              <a:schemeClr val="dk2"/>
+            </a:solidFill>
+            <a:prstDash val="solid"/>
+            <a:round/>
+            <a:headEnd len="sm" w="sm" type="none"/>
+            <a:tailEnd len="sm" w="sm" type="none"/>
+          </a:ln>
+        </p:spPr>
+      </p:cxnSp>
+      <p:cxnSp>
+        <p:nvCxnSpPr>
+          <p:cNvPr id="233" name="Google Shape;233;g7052a85339_0_47"/>
+          <p:cNvCxnSpPr>
+            <a:stCxn id="228" idx="4"/>
+            <a:endCxn id="234" idx="0"/>
+          </p:cNvCxnSpPr>
+          <p:nvPr/>
+        </p:nvCxnSpPr>
+        <p:spPr>
+          <a:xfrm>
+            <a:off x="1547750" y="2010900"/>
+            <a:ext cx="0" cy="275100"/>
+          </a:xfrm>
+          <a:prstGeom prst="straightConnector1">
+            <a:avLst/>
+          </a:prstGeom>
+          <a:noFill/>
+          <a:ln cap="flat" cmpd="sng" w="9525">
+            <a:solidFill>
+              <a:schemeClr val="dk2"/>
+            </a:solidFill>
+            <a:prstDash val="solid"/>
+            <a:round/>
+            <a:headEnd len="sm" w="sm" type="none"/>
+            <a:tailEnd len="sm" w="sm" type="none"/>
+          </a:ln>
+        </p:spPr>
+      </p:cxnSp>
+      <p:cxnSp>
+        <p:nvCxnSpPr>
+          <p:cNvPr id="235" name="Google Shape;235;g7052a85339_0_47"/>
+          <p:cNvCxnSpPr>
+            <a:stCxn id="225" idx="4"/>
+            <a:endCxn id="234" idx="7"/>
+          </p:cNvCxnSpPr>
+          <p:nvPr/>
+        </p:nvCxnSpPr>
+        <p:spPr>
+          <a:xfrm flipH="1">
+            <a:off x="1612372" y="1553700"/>
+            <a:ext cx="315900" cy="759000"/>
+          </a:xfrm>
+          <a:prstGeom prst="straightConnector1">
+            <a:avLst/>
+          </a:prstGeom>
+          <a:noFill/>
+          <a:ln cap="flat" cmpd="sng" w="9525">
+            <a:solidFill>
+              <a:schemeClr val="dk2"/>
+            </a:solidFill>
+            <a:prstDash val="solid"/>
+            <a:round/>
+            <a:headEnd len="sm" w="sm" type="none"/>
+            <a:tailEnd len="sm" w="sm" type="none"/>
+          </a:ln>
+        </p:spPr>
+      </p:cxnSp>
       <p:sp>
         <p:nvSpPr>
-          <p:cNvPr id="86" name="Google Shape;86;p4"/>
+          <p:cNvPr id="234" name="Google Shape;234;g7052a85339_0_47"/>
+          <p:cNvSpPr/>
+          <p:nvPr/>
+        </p:nvSpPr>
+        <p:spPr>
+          <a:xfrm>
+            <a:off x="1456250" y="2286000"/>
+            <a:ext cx="183000" cy="182100"/>
+          </a:xfrm>
+          <a:prstGeom prst="ellipse">
+            <a:avLst/>
+          </a:prstGeom>
+          <a:solidFill>
+            <a:schemeClr val="lt2"/>
+          </a:solidFill>
+          <a:ln cap="flat" cmpd="sng" w="9525">
+            <a:solidFill>
+              <a:schemeClr val="dk2"/>
+            </a:solidFill>
+            <a:prstDash val="solid"/>
+            <a:round/>
+            <a:headEnd len="sm" w="sm" type="none"/>
+            <a:tailEnd len="sm" w="sm" type="none"/>
+          </a:ln>
+        </p:spPr>
+        <p:txBody>
+          <a:bodyPr anchorCtr="0" anchor="ctr" bIns="91425" lIns="91425" spcFirstLastPara="1" rIns="91425" wrap="square" tIns="91425">
+            <a:noAutofit/>
+          </a:bodyPr>
+          <a:lstStyle/>
+          <a:p>
+            <a:pPr indent="0" lvl="0" marL="0" marR="0" rtl="0" algn="l">
+              <a:lnSpc>
+                <a:spcPct val="100000"/>
+              </a:lnSpc>
+              <a:spcBef>
+                <a:spcPts val="0"/>
+              </a:spcBef>
+              <a:spcAft>
+                <a:spcPts val="0"/>
+              </a:spcAft>
+              <a:buClr>
+                <a:srgbClr val="000000"/>
+              </a:buClr>
+              <a:buSzPts val="1400"/>
+              <a:buFont typeface="Arial"/>
+              <a:buNone/>
+            </a:pPr>
+            <a:r>
+              <a:t/>
+            </a:r>
+            <a:endParaRPr b="0" i="0" sz="1400" u="none" cap="none" strike="noStrike">
+              <a:solidFill>
+                <a:srgbClr val="000000"/>
+              </a:solidFill>
+              <a:latin typeface="Arial"/>
+              <a:ea typeface="Arial"/>
+              <a:cs typeface="Arial"/>
+              <a:sym typeface="Arial"/>
+            </a:endParaRPr>
+          </a:p>
+        </p:txBody>
+      </p:sp>
+      <p:sp>
+        <p:nvSpPr>
+          <p:cNvPr id="236" name="Google Shape;236;g7052a85339_0_47"/>
           <p:cNvSpPr txBox="1"/>
           <p:nvPr/>
         </p:nvSpPr>
         <p:spPr>
           <a:xfrm>
-            <a:off x="1667950" y="1371600"/>
-            <a:ext cx="479700" cy="182100"/>
+            <a:off x="2172022" y="2240280"/>
+            <a:ext cx="1097400" cy="274200"/>
           </a:xfrm>
           <a:prstGeom prst="rect">
             <a:avLst/>
           </a:prstGeom>
-          <a:solidFill>
-            <a:srgbClr val="3D85C6"/>
-          </a:solidFill>
+          <a:noFill/>
           <a:ln>
             <a:noFill/>
           </a:ln>
@@ -10943,25 +13350,25 @@
           </a:bodyPr>
           <a:lstStyle/>
           <a:p>
-            <a:pPr indent="0" lvl="0" marL="0" marR="0" rtl="0" algn="ctr">
-              <a:lnSpc>
-                <a:spcPct val="100000"/>
-              </a:lnSpc>
-              <a:spcBef>
-                <a:spcPts val="0"/>
-              </a:spcBef>
-              <a:spcAft>
-                <a:spcPts val="0"/>
-              </a:spcAft>
-              <a:buClr>
-                <a:srgbClr val="000000"/>
-              </a:buClr>
-              <a:buSzPts val="900"/>
-              <a:buFont typeface="Arial"/>
-              <a:buNone/>
-            </a:pPr>
-            <a:r>
-              <a:rPr b="1" i="0" lang="en" sz="900" u="none" cap="none" strike="noStrike">
+            <a:pPr indent="0" lvl="0" marL="0" marR="0" rtl="0" algn="l">
+              <a:lnSpc>
+                <a:spcPct val="100000"/>
+              </a:lnSpc>
+              <a:spcBef>
+                <a:spcPts val="0"/>
+              </a:spcBef>
+              <a:spcAft>
+                <a:spcPts val="0"/>
+              </a:spcAft>
+              <a:buClr>
+                <a:srgbClr val="000000"/>
+              </a:buClr>
+              <a:buSzPts val="1400"/>
+              <a:buFont typeface="Arial"/>
+              <a:buNone/>
+            </a:pPr>
+            <a:r>
+              <a:rPr b="0" i="0" lang="en" sz="1400" u="none" cap="none" strike="noStrike">
                 <a:solidFill>
                   <a:srgbClr val="000000"/>
                 </a:solidFill>
@@ -10970,9 +13377,9 @@
                 <a:cs typeface="Arial"/>
                 <a:sym typeface="Arial"/>
               </a:rPr>
-              <a:t>develop</a:t>
-            </a:r>
-            <a:endParaRPr b="1" i="0" sz="900" u="none" cap="none" strike="noStrike">
+              <a:t>merge</a:t>
+            </a:r>
+            <a:endParaRPr b="0" i="0" sz="1400" u="none" cap="none" strike="noStrike">
               <a:solidFill>
                 <a:srgbClr val="000000"/>
               </a:solidFill>
@@ -10986,7 +13393,265 @@
       </p:sp>
       <p:sp>
         <p:nvSpPr>
-          <p:cNvPr id="87" name="Google Shape;87;p4"/>
+          <p:cNvPr id="237" name="Google Shape;237;g7052a85339_0_47"/>
+          <p:cNvSpPr txBox="1"/>
+          <p:nvPr/>
+        </p:nvSpPr>
+        <p:spPr>
+          <a:xfrm>
+            <a:off x="3621025" y="740675"/>
+            <a:ext cx="5523000" cy="3348600"/>
+          </a:xfrm>
+          <a:prstGeom prst="rect">
+            <a:avLst/>
+          </a:prstGeom>
+          <a:noFill/>
+          <a:ln>
+            <a:noFill/>
+          </a:ln>
+        </p:spPr>
+        <p:txBody>
+          <a:bodyPr anchorCtr="0" anchor="t" bIns="91425" lIns="91425" spcFirstLastPara="1" rIns="91425" wrap="square" tIns="91425">
+            <a:noAutofit/>
+          </a:bodyPr>
+          <a:lstStyle/>
+          <a:p>
+            <a:pPr indent="-330200" lvl="0" marL="457200" rtl="0" algn="l">
+              <a:spcBef>
+                <a:spcPts val="0"/>
+              </a:spcBef>
+              <a:spcAft>
+                <a:spcPts val="0"/>
+              </a:spcAft>
+              <a:buSzPts val="1600"/>
+              <a:buChar char="●"/>
+            </a:pPr>
+            <a:r>
+              <a:rPr lang="en" sz="1600"/>
+              <a:t>maak initial commit</a:t>
+            </a:r>
+            <a:endParaRPr sz="1600"/>
+          </a:p>
+          <a:p>
+            <a:pPr indent="-330200" lvl="0" marL="457200" rtl="0" algn="l">
+              <a:spcBef>
+                <a:spcPts val="0"/>
+              </a:spcBef>
+              <a:spcAft>
+                <a:spcPts val="0"/>
+              </a:spcAft>
+              <a:buSzPts val="1600"/>
+              <a:buChar char="●"/>
+            </a:pPr>
+            <a:r>
+              <a:rPr lang="en" sz="1600"/>
+              <a:t>maak nieuwe branch develop</a:t>
+            </a:r>
+            <a:endParaRPr sz="1600"/>
+          </a:p>
+          <a:p>
+            <a:pPr indent="-330200" lvl="0" marL="457200" rtl="0" algn="l">
+              <a:spcBef>
+                <a:spcPts val="0"/>
+              </a:spcBef>
+              <a:spcAft>
+                <a:spcPts val="0"/>
+              </a:spcAft>
+              <a:buSzPts val="1600"/>
+              <a:buChar char="●"/>
+            </a:pPr>
+            <a:r>
+              <a:rPr lang="en" sz="1600"/>
+              <a:t>checkout develop</a:t>
+            </a:r>
+            <a:endParaRPr sz="1600"/>
+          </a:p>
+          <a:p>
+            <a:pPr indent="-330200" lvl="0" marL="457200" rtl="0" algn="l">
+              <a:spcBef>
+                <a:spcPts val="0"/>
+              </a:spcBef>
+              <a:spcAft>
+                <a:spcPts val="0"/>
+              </a:spcAft>
+              <a:buSzPts val="1600"/>
+              <a:buChar char="●"/>
+            </a:pPr>
+            <a:r>
+              <a:rPr lang="en" sz="1600"/>
+              <a:t>maak wijziging en commit</a:t>
+            </a:r>
+            <a:endParaRPr sz="1600"/>
+          </a:p>
+          <a:p>
+            <a:pPr indent="-330200" lvl="0" marL="457200" rtl="0" algn="l">
+              <a:spcBef>
+                <a:spcPts val="0"/>
+              </a:spcBef>
+              <a:spcAft>
+                <a:spcPts val="0"/>
+              </a:spcAft>
+              <a:buSzPts val="1600"/>
+              <a:buChar char="●"/>
+            </a:pPr>
+            <a:r>
+              <a:rPr lang="en" sz="1600"/>
+              <a:t>checkout master</a:t>
+            </a:r>
+            <a:endParaRPr sz="1600"/>
+          </a:p>
+          <a:p>
+            <a:pPr indent="-330200" lvl="0" marL="457200" rtl="0" algn="l">
+              <a:spcBef>
+                <a:spcPts val="0"/>
+              </a:spcBef>
+              <a:spcAft>
+                <a:spcPts val="0"/>
+              </a:spcAft>
+              <a:buClr>
+                <a:schemeClr val="dk1"/>
+              </a:buClr>
+              <a:buSzPts val="1600"/>
+              <a:buChar char="●"/>
+            </a:pPr>
+            <a:r>
+              <a:rPr lang="en" sz="1600">
+                <a:solidFill>
+                  <a:schemeClr val="dk1"/>
+                </a:solidFill>
+              </a:rPr>
+              <a:t>maak wijziging en commit</a:t>
+            </a:r>
+            <a:endParaRPr sz="1600">
+              <a:solidFill>
+                <a:schemeClr val="dk1"/>
+              </a:solidFill>
+            </a:endParaRPr>
+          </a:p>
+          <a:p>
+            <a:pPr indent="-330200" lvl="0" marL="457200" rtl="0" algn="l">
+              <a:spcBef>
+                <a:spcPts val="0"/>
+              </a:spcBef>
+              <a:spcAft>
+                <a:spcPts val="0"/>
+              </a:spcAft>
+              <a:buSzPts val="1600"/>
+              <a:buChar char="●"/>
+            </a:pPr>
+            <a:r>
+              <a:rPr lang="en" sz="1600"/>
+              <a:t>merge develop in master</a:t>
+            </a:r>
+            <a:endParaRPr sz="1600"/>
+          </a:p>
+          <a:p>
+            <a:pPr indent="-330200" lvl="0" marL="457200" rtl="0" algn="l">
+              <a:spcBef>
+                <a:spcPts val="0"/>
+              </a:spcBef>
+              <a:spcAft>
+                <a:spcPts val="0"/>
+              </a:spcAft>
+              <a:buSzPts val="1600"/>
+              <a:buChar char="●"/>
+            </a:pPr>
+            <a:r>
+              <a:rPr lang="en" sz="1600"/>
+              <a:t>los conflict op en commit</a:t>
+            </a:r>
+            <a:endParaRPr sz="1600"/>
+          </a:p>
+          <a:p>
+            <a:pPr indent="-330200" lvl="0" marL="457200" rtl="0" algn="l">
+              <a:spcBef>
+                <a:spcPts val="0"/>
+              </a:spcBef>
+              <a:spcAft>
+                <a:spcPts val="0"/>
+              </a:spcAft>
+              <a:buSzPts val="1600"/>
+              <a:buChar char="●"/>
+            </a:pPr>
+            <a:r>
+              <a:rPr lang="en" sz="1600"/>
+              <a:t>bekijk log</a:t>
+            </a:r>
+            <a:endParaRPr sz="1600"/>
+          </a:p>
+          <a:p>
+            <a:pPr indent="-330200" lvl="0" marL="457200" rtl="0" algn="l">
+              <a:spcBef>
+                <a:spcPts val="0"/>
+              </a:spcBef>
+              <a:spcAft>
+                <a:spcPts val="0"/>
+              </a:spcAft>
+              <a:buSzPts val="1600"/>
+              <a:buChar char="●"/>
+            </a:pPr>
+            <a:r>
+              <a:rPr lang="en" sz="1600"/>
+              <a:t>checkout develop</a:t>
+            </a:r>
+            <a:endParaRPr sz="1600"/>
+          </a:p>
+          <a:p>
+            <a:pPr indent="-330200" lvl="0" marL="457200" rtl="0" algn="l">
+              <a:spcBef>
+                <a:spcPts val="0"/>
+              </a:spcBef>
+              <a:spcAft>
+                <a:spcPts val="0"/>
+              </a:spcAft>
+              <a:buSzPts val="1600"/>
+              <a:buChar char="●"/>
+            </a:pPr>
+            <a:r>
+              <a:rPr lang="en" sz="1600"/>
+              <a:t>merge master in develop(fast-forward)</a:t>
+            </a:r>
+            <a:endParaRPr sz="1600"/>
+          </a:p>
+          <a:p>
+            <a:pPr indent="-330200" lvl="0" marL="457200" rtl="0" algn="l">
+              <a:spcBef>
+                <a:spcPts val="0"/>
+              </a:spcBef>
+              <a:spcAft>
+                <a:spcPts val="0"/>
+              </a:spcAft>
+              <a:buSzPts val="1600"/>
+              <a:buChar char="●"/>
+            </a:pPr>
+            <a:r>
+              <a:rPr lang="en" sz="1600"/>
+              <a:t>bekijk log</a:t>
+            </a:r>
+            <a:endParaRPr sz="1600"/>
+          </a:p>
+          <a:p>
+            <a:pPr indent="-330200" lvl="0" marL="457200" rtl="0" algn="l">
+              <a:spcBef>
+                <a:spcPts val="0"/>
+              </a:spcBef>
+              <a:spcAft>
+                <a:spcPts val="0"/>
+              </a:spcAft>
+              <a:buSzPts val="1600"/>
+              <a:buChar char="●"/>
+            </a:pPr>
+            <a:r>
+              <a:rPr lang="en" sz="1600"/>
+              <a:t>delete develop branch</a:t>
+            </a:r>
+            <a:endParaRPr sz="1600"/>
+          </a:p>
+        </p:txBody>
+      </p:sp>
+      <p:sp>
+        <p:nvSpPr>
+          <p:cNvPr id="238" name="Google Shape;238;g7052a85339_0_47"/>
           <p:cNvSpPr txBox="1"/>
           <p:nvPr/>
         </p:nvSpPr>
@@ -11029,6 +13694,10 @@
               <a:buNone/>
             </a:pPr>
             <a:r>
+              <a:rPr lang="en"/>
+              <a:t>4. Opdracht </a:t>
+            </a:r>
+            <a:r>
               <a:rPr b="0" i="0" lang="en" sz="1400" u="none" cap="none" strike="noStrike">
                 <a:solidFill>
                   <a:srgbClr val="000000"/>
@@ -11060,12 +13729,12 @@
 </p:sld>
 </file>
 
-<file path=ppt/slides/slide5.xml><?xml version="1.0" encoding="utf-8"?>
+<file path=ppt/slides/slide2.xml><?xml version="1.0" encoding="utf-8"?>
 <p:sld xmlns:a="http://schemas.openxmlformats.org/drawingml/2006/main" xmlns:r="http://schemas.openxmlformats.org/officeDocument/2006/relationships" xmlns:mc="http://schemas.openxmlformats.org/markup-compatibility/2006" xmlns:mv="urn:schemas-microsoft-com:mac:vml" xmlns:p="http://schemas.openxmlformats.org/presentationml/2006/main" xmlns:c="http://schemas.openxmlformats.org/drawingml/2006/chart" xmlns:dgm="http://schemas.openxmlformats.org/drawingml/2006/diagram" xmlns:o="urn:schemas-microsoft-com:office:office" xmlns:v="urn:schemas-microsoft-com:vml" xmlns:pvml="urn:schemas-microsoft-com:office:powerpoint" xmlns:com="http://schemas.openxmlformats.org/drawingml/2006/compatibility" xmlns:p14="http://schemas.microsoft.com/office/powerpoint/2010/main" xmlns:p15="http://schemas.microsoft.com/office/powerpoint/2012/main">
   <p:cSld>
     <p:spTree>
       <p:nvGrpSpPr>
-        <p:cNvPr id="91" name="Shape 91"/>
+        <p:cNvPr id="62" name="Shape 62"/>
         <p:cNvGrpSpPr/>
         <p:nvPr/>
       </p:nvGrpSpPr>
@@ -11079,13 +13748,13 @@
       </p:grpSpPr>
       <p:sp>
         <p:nvSpPr>
-          <p:cNvPr id="92" name="Google Shape;92;g7052a85339_0_0"/>
+          <p:cNvPr id="63" name="Google Shape;63;p2"/>
           <p:cNvSpPr/>
           <p:nvPr/>
         </p:nvSpPr>
         <p:spPr>
           <a:xfrm>
-            <a:off x="2852450" y="914400"/>
+            <a:off x="1458820" y="914400"/>
             <a:ext cx="183000" cy="182100"/>
           </a:xfrm>
           <a:prstGeom prst="ellipse">
@@ -11144,13 +13813,570 @@
       </p:sp>
       <p:sp>
         <p:nvSpPr>
-          <p:cNvPr id="93" name="Google Shape;93;g7052a85339_0_0"/>
+          <p:cNvPr id="64" name="Google Shape;64;p2"/>
+          <p:cNvSpPr txBox="1"/>
+          <p:nvPr/>
+        </p:nvSpPr>
+        <p:spPr>
+          <a:xfrm>
+            <a:off x="2175070" y="868350"/>
+            <a:ext cx="1097400" cy="274200"/>
+          </a:xfrm>
+          <a:prstGeom prst="rect">
+            <a:avLst/>
+          </a:prstGeom>
+          <a:noFill/>
+          <a:ln>
+            <a:noFill/>
+          </a:ln>
+        </p:spPr>
+        <p:txBody>
+          <a:bodyPr anchorCtr="0" anchor="t" bIns="0" lIns="0" spcFirstLastPara="1" rIns="0" wrap="square" tIns="0">
+            <a:noAutofit/>
+          </a:bodyPr>
+          <a:lstStyle/>
+          <a:p>
+            <a:pPr indent="0" lvl="0" marL="0" marR="0" rtl="0" algn="l">
+              <a:lnSpc>
+                <a:spcPct val="100000"/>
+              </a:lnSpc>
+              <a:spcBef>
+                <a:spcPts val="0"/>
+              </a:spcBef>
+              <a:spcAft>
+                <a:spcPts val="0"/>
+              </a:spcAft>
+              <a:buClr>
+                <a:srgbClr val="000000"/>
+              </a:buClr>
+              <a:buSzPts val="1400"/>
+              <a:buFont typeface="Arial"/>
+              <a:buNone/>
+            </a:pPr>
+            <a:r>
+              <a:rPr b="0" i="0" lang="en" sz="1400" u="none" cap="none" strike="noStrike">
+                <a:solidFill>
+                  <a:srgbClr val="000000"/>
+                </a:solidFill>
+                <a:latin typeface="Arial"/>
+                <a:ea typeface="Arial"/>
+                <a:cs typeface="Arial"/>
+                <a:sym typeface="Arial"/>
+              </a:rPr>
+              <a:t>Initial commit</a:t>
+            </a:r>
+            <a:endParaRPr b="0" i="0" sz="1400" u="none" cap="none" strike="noStrike">
+              <a:solidFill>
+                <a:srgbClr val="000000"/>
+              </a:solidFill>
+              <a:latin typeface="Arial"/>
+              <a:ea typeface="Arial"/>
+              <a:cs typeface="Arial"/>
+              <a:sym typeface="Arial"/>
+            </a:endParaRPr>
+          </a:p>
+        </p:txBody>
+      </p:sp>
+      <p:sp>
+        <p:nvSpPr>
+          <p:cNvPr id="65" name="Google Shape;65;p2"/>
+          <p:cNvSpPr txBox="1"/>
+          <p:nvPr/>
+        </p:nvSpPr>
+        <p:spPr>
+          <a:xfrm>
+            <a:off x="807720" y="914400"/>
+            <a:ext cx="479700" cy="182100"/>
+          </a:xfrm>
+          <a:prstGeom prst="rect">
+            <a:avLst/>
+          </a:prstGeom>
+          <a:solidFill>
+            <a:srgbClr val="DD7E6B"/>
+          </a:solidFill>
+          <a:ln>
+            <a:noFill/>
+          </a:ln>
+        </p:spPr>
+        <p:txBody>
+          <a:bodyPr anchorCtr="0" anchor="t" bIns="0" lIns="0" spcFirstLastPara="1" rIns="0" wrap="square" tIns="0">
+            <a:noAutofit/>
+          </a:bodyPr>
+          <a:lstStyle/>
+          <a:p>
+            <a:pPr indent="0" lvl="0" marL="0" marR="0" rtl="0" algn="ctr">
+              <a:lnSpc>
+                <a:spcPct val="100000"/>
+              </a:lnSpc>
+              <a:spcBef>
+                <a:spcPts val="0"/>
+              </a:spcBef>
+              <a:spcAft>
+                <a:spcPts val="0"/>
+              </a:spcAft>
+              <a:buClr>
+                <a:srgbClr val="000000"/>
+              </a:buClr>
+              <a:buSzPts val="900"/>
+              <a:buFont typeface="Arial"/>
+              <a:buNone/>
+            </a:pPr>
+            <a:r>
+              <a:rPr b="1" i="0" lang="en" sz="900" u="none" cap="none" strike="noStrike">
+                <a:solidFill>
+                  <a:srgbClr val="000000"/>
+                </a:solidFill>
+                <a:latin typeface="Arial"/>
+                <a:ea typeface="Arial"/>
+                <a:cs typeface="Arial"/>
+                <a:sym typeface="Arial"/>
+              </a:rPr>
+              <a:t>master</a:t>
+            </a:r>
+            <a:endParaRPr b="1" i="0" sz="900" u="none" cap="none" strike="noStrike">
+              <a:solidFill>
+                <a:srgbClr val="000000"/>
+              </a:solidFill>
+              <a:latin typeface="Arial"/>
+              <a:ea typeface="Arial"/>
+              <a:cs typeface="Arial"/>
+              <a:sym typeface="Arial"/>
+            </a:endParaRPr>
+          </a:p>
+        </p:txBody>
+      </p:sp>
+      <p:sp>
+        <p:nvSpPr>
+          <p:cNvPr id="66" name="Google Shape;66;p2"/>
+          <p:cNvSpPr txBox="1"/>
+          <p:nvPr/>
+        </p:nvSpPr>
+        <p:spPr>
+          <a:xfrm>
+            <a:off x="274320" y="914400"/>
+            <a:ext cx="479700" cy="182100"/>
+          </a:xfrm>
+          <a:prstGeom prst="rect">
+            <a:avLst/>
+          </a:prstGeom>
+          <a:solidFill>
+            <a:srgbClr val="3D85C6"/>
+          </a:solidFill>
+          <a:ln>
+            <a:noFill/>
+          </a:ln>
+        </p:spPr>
+        <p:txBody>
+          <a:bodyPr anchorCtr="0" anchor="t" bIns="0" lIns="0" spcFirstLastPara="1" rIns="0" wrap="square" tIns="0">
+            <a:noAutofit/>
+          </a:bodyPr>
+          <a:lstStyle/>
+          <a:p>
+            <a:pPr indent="0" lvl="0" marL="0" marR="0" rtl="0" algn="ctr">
+              <a:lnSpc>
+                <a:spcPct val="100000"/>
+              </a:lnSpc>
+              <a:spcBef>
+                <a:spcPts val="0"/>
+              </a:spcBef>
+              <a:spcAft>
+                <a:spcPts val="0"/>
+              </a:spcAft>
+              <a:buClr>
+                <a:srgbClr val="000000"/>
+              </a:buClr>
+              <a:buSzPts val="900"/>
+              <a:buFont typeface="Arial"/>
+              <a:buNone/>
+            </a:pPr>
+            <a:r>
+              <a:rPr b="0" i="0" lang="en" sz="900" u="none" cap="none" strike="noStrike">
+                <a:solidFill>
+                  <a:srgbClr val="000000"/>
+                </a:solidFill>
+                <a:latin typeface="Arial"/>
+                <a:ea typeface="Arial"/>
+                <a:cs typeface="Arial"/>
+                <a:sym typeface="Arial"/>
+              </a:rPr>
+              <a:t>develop</a:t>
+            </a:r>
+            <a:endParaRPr b="0" i="0" sz="900" u="none" cap="none" strike="noStrike">
+              <a:solidFill>
+                <a:srgbClr val="000000"/>
+              </a:solidFill>
+              <a:latin typeface="Arial"/>
+              <a:ea typeface="Arial"/>
+              <a:cs typeface="Arial"/>
+              <a:sym typeface="Arial"/>
+            </a:endParaRPr>
+          </a:p>
+        </p:txBody>
+      </p:sp>
+      <p:sp>
+        <p:nvSpPr>
+          <p:cNvPr id="67" name="Google Shape;67;p2"/>
+          <p:cNvSpPr txBox="1"/>
+          <p:nvPr/>
+        </p:nvSpPr>
+        <p:spPr>
+          <a:xfrm>
+            <a:off x="3621025" y="740675"/>
+            <a:ext cx="5523000" cy="3348600"/>
+          </a:xfrm>
+          <a:prstGeom prst="rect">
+            <a:avLst/>
+          </a:prstGeom>
+          <a:noFill/>
+          <a:ln>
+            <a:noFill/>
+          </a:ln>
+        </p:spPr>
+        <p:txBody>
+          <a:bodyPr anchorCtr="0" anchor="t" bIns="91425" lIns="91425" spcFirstLastPara="1" rIns="91425" wrap="square" tIns="91425">
+            <a:noAutofit/>
+          </a:bodyPr>
+          <a:lstStyle/>
+          <a:p>
+            <a:pPr indent="-330200" lvl="0" marL="457200" rtl="0" algn="l">
+              <a:spcBef>
+                <a:spcPts val="0"/>
+              </a:spcBef>
+              <a:spcAft>
+                <a:spcPts val="0"/>
+              </a:spcAft>
+              <a:buSzPts val="1600"/>
+              <a:buChar char="●"/>
+            </a:pPr>
+            <a:r>
+              <a:rPr lang="en" sz="1600"/>
+              <a:t>maak initial commit</a:t>
+            </a:r>
+            <a:endParaRPr sz="1600"/>
+          </a:p>
+          <a:p>
+            <a:pPr indent="-330200" lvl="0" marL="457200" rtl="0" algn="l">
+              <a:spcBef>
+                <a:spcPts val="0"/>
+              </a:spcBef>
+              <a:spcAft>
+                <a:spcPts val="0"/>
+              </a:spcAft>
+              <a:buSzPts val="1600"/>
+              <a:buChar char="●"/>
+            </a:pPr>
+            <a:r>
+              <a:rPr lang="en" sz="1600"/>
+              <a:t>maak nieuwe branch develop</a:t>
+            </a:r>
+            <a:endParaRPr sz="1600"/>
+          </a:p>
+          <a:p>
+            <a:pPr indent="-330200" lvl="0" marL="457200" rtl="0" algn="l">
+              <a:spcBef>
+                <a:spcPts val="0"/>
+              </a:spcBef>
+              <a:spcAft>
+                <a:spcPts val="0"/>
+              </a:spcAft>
+              <a:buSzPts val="1600"/>
+              <a:buChar char="●"/>
+            </a:pPr>
+            <a:r>
+              <a:rPr lang="en" sz="1600"/>
+              <a:t>checkout develop</a:t>
+            </a:r>
+            <a:endParaRPr sz="1600"/>
+          </a:p>
+          <a:p>
+            <a:pPr indent="-330200" lvl="0" marL="457200" rtl="0" algn="l">
+              <a:spcBef>
+                <a:spcPts val="0"/>
+              </a:spcBef>
+              <a:spcAft>
+                <a:spcPts val="0"/>
+              </a:spcAft>
+              <a:buSzPts val="1600"/>
+              <a:buChar char="●"/>
+            </a:pPr>
+            <a:r>
+              <a:rPr lang="en" sz="1600"/>
+              <a:t>maak wijziging en commit</a:t>
+            </a:r>
+            <a:endParaRPr sz="1600"/>
+          </a:p>
+          <a:p>
+            <a:pPr indent="-330200" lvl="0" marL="457200" rtl="0" algn="l">
+              <a:spcBef>
+                <a:spcPts val="0"/>
+              </a:spcBef>
+              <a:spcAft>
+                <a:spcPts val="0"/>
+              </a:spcAft>
+              <a:buSzPts val="1600"/>
+              <a:buChar char="●"/>
+            </a:pPr>
+            <a:r>
+              <a:rPr lang="en" sz="1600"/>
+              <a:t>checkout master</a:t>
+            </a:r>
+            <a:endParaRPr sz="1600"/>
+          </a:p>
+          <a:p>
+            <a:pPr indent="-330200" lvl="0" marL="457200" rtl="0" algn="l">
+              <a:spcBef>
+                <a:spcPts val="0"/>
+              </a:spcBef>
+              <a:spcAft>
+                <a:spcPts val="0"/>
+              </a:spcAft>
+              <a:buClr>
+                <a:schemeClr val="dk1"/>
+              </a:buClr>
+              <a:buSzPts val="1600"/>
+              <a:buChar char="●"/>
+            </a:pPr>
+            <a:r>
+              <a:rPr lang="en" sz="1600">
+                <a:solidFill>
+                  <a:schemeClr val="dk1"/>
+                </a:solidFill>
+              </a:rPr>
+              <a:t>maak wijziging en commit</a:t>
+            </a:r>
+            <a:endParaRPr sz="1600">
+              <a:solidFill>
+                <a:schemeClr val="dk1"/>
+              </a:solidFill>
+            </a:endParaRPr>
+          </a:p>
+          <a:p>
+            <a:pPr indent="-330200" lvl="0" marL="457200" rtl="0" algn="l">
+              <a:spcBef>
+                <a:spcPts val="0"/>
+              </a:spcBef>
+              <a:spcAft>
+                <a:spcPts val="0"/>
+              </a:spcAft>
+              <a:buSzPts val="1600"/>
+              <a:buChar char="●"/>
+            </a:pPr>
+            <a:r>
+              <a:rPr lang="en" sz="1600"/>
+              <a:t>merge develop in master</a:t>
+            </a:r>
+            <a:endParaRPr sz="1600"/>
+          </a:p>
+          <a:p>
+            <a:pPr indent="-330200" lvl="0" marL="457200" rtl="0" algn="l">
+              <a:spcBef>
+                <a:spcPts val="0"/>
+              </a:spcBef>
+              <a:spcAft>
+                <a:spcPts val="0"/>
+              </a:spcAft>
+              <a:buSzPts val="1600"/>
+              <a:buChar char="●"/>
+            </a:pPr>
+            <a:r>
+              <a:rPr lang="en" sz="1600"/>
+              <a:t>los conflict op en commit</a:t>
+            </a:r>
+            <a:endParaRPr sz="1600"/>
+          </a:p>
+          <a:p>
+            <a:pPr indent="-330200" lvl="0" marL="457200" rtl="0" algn="l">
+              <a:spcBef>
+                <a:spcPts val="0"/>
+              </a:spcBef>
+              <a:spcAft>
+                <a:spcPts val="0"/>
+              </a:spcAft>
+              <a:buSzPts val="1600"/>
+              <a:buChar char="●"/>
+            </a:pPr>
+            <a:r>
+              <a:rPr lang="en" sz="1600"/>
+              <a:t>bekijk log</a:t>
+            </a:r>
+            <a:endParaRPr sz="1600"/>
+          </a:p>
+          <a:p>
+            <a:pPr indent="-330200" lvl="0" marL="457200" rtl="0" algn="l">
+              <a:spcBef>
+                <a:spcPts val="0"/>
+              </a:spcBef>
+              <a:spcAft>
+                <a:spcPts val="0"/>
+              </a:spcAft>
+              <a:buSzPts val="1600"/>
+              <a:buChar char="●"/>
+            </a:pPr>
+            <a:r>
+              <a:rPr lang="en" sz="1600"/>
+              <a:t>checkout develop</a:t>
+            </a:r>
+            <a:endParaRPr sz="1600"/>
+          </a:p>
+          <a:p>
+            <a:pPr indent="-330200" lvl="0" marL="457200" rtl="0" algn="l">
+              <a:spcBef>
+                <a:spcPts val="0"/>
+              </a:spcBef>
+              <a:spcAft>
+                <a:spcPts val="0"/>
+              </a:spcAft>
+              <a:buSzPts val="1600"/>
+              <a:buChar char="●"/>
+            </a:pPr>
+            <a:r>
+              <a:rPr lang="en" sz="1600"/>
+              <a:t>merge master in develop(fast-forward)</a:t>
+            </a:r>
+            <a:endParaRPr sz="1600"/>
+          </a:p>
+          <a:p>
+            <a:pPr indent="-330200" lvl="0" marL="457200" rtl="0" algn="l">
+              <a:spcBef>
+                <a:spcPts val="0"/>
+              </a:spcBef>
+              <a:spcAft>
+                <a:spcPts val="0"/>
+              </a:spcAft>
+              <a:buSzPts val="1600"/>
+              <a:buChar char="●"/>
+            </a:pPr>
+            <a:r>
+              <a:rPr lang="en" sz="1600"/>
+              <a:t>bekijk log</a:t>
+            </a:r>
+            <a:endParaRPr sz="1600"/>
+          </a:p>
+          <a:p>
+            <a:pPr indent="-330200" lvl="0" marL="457200" rtl="0" algn="l">
+              <a:spcBef>
+                <a:spcPts val="0"/>
+              </a:spcBef>
+              <a:spcAft>
+                <a:spcPts val="0"/>
+              </a:spcAft>
+              <a:buSzPts val="1600"/>
+              <a:buChar char="●"/>
+            </a:pPr>
+            <a:r>
+              <a:rPr lang="en" sz="1600"/>
+              <a:t>delete develop branch</a:t>
+            </a:r>
+            <a:endParaRPr sz="1600"/>
+          </a:p>
+        </p:txBody>
+      </p:sp>
+      <p:sp>
+        <p:nvSpPr>
+          <p:cNvPr id="68" name="Google Shape;68;p2"/>
+          <p:cNvSpPr txBox="1"/>
+          <p:nvPr/>
+        </p:nvSpPr>
+        <p:spPr>
+          <a:xfrm>
+            <a:off x="0" y="0"/>
+            <a:ext cx="9144000" cy="474000"/>
+          </a:xfrm>
+          <a:prstGeom prst="rect">
+            <a:avLst/>
+          </a:prstGeom>
+          <a:solidFill>
+            <a:srgbClr val="D9D9D9"/>
+          </a:solidFill>
+          <a:ln>
+            <a:noFill/>
+          </a:ln>
+        </p:spPr>
+        <p:txBody>
+          <a:bodyPr anchorCtr="0" anchor="t" bIns="91425" lIns="91425" spcFirstLastPara="1" rIns="91425" wrap="square" tIns="137150">
+            <a:noAutofit/>
+          </a:bodyPr>
+          <a:lstStyle/>
+          <a:p>
+            <a:pPr indent="0" lvl="0" marL="0" marR="0" rtl="0" algn="ctr">
+              <a:lnSpc>
+                <a:spcPct val="100000"/>
+              </a:lnSpc>
+              <a:spcBef>
+                <a:spcPts val="0"/>
+              </a:spcBef>
+              <a:spcAft>
+                <a:spcPts val="0"/>
+              </a:spcAft>
+              <a:buClr>
+                <a:srgbClr val="000000"/>
+              </a:buClr>
+              <a:buSzPts val="1400"/>
+              <a:buFont typeface="Arial"/>
+              <a:buNone/>
+            </a:pPr>
+            <a:r>
+              <a:rPr lang="en"/>
+              <a:t>4. Opdracht </a:t>
+            </a:r>
+            <a:r>
+              <a:rPr b="0" i="0" lang="en" sz="1400" u="none" cap="none" strike="noStrike">
+                <a:solidFill>
+                  <a:srgbClr val="000000"/>
+                </a:solidFill>
+                <a:latin typeface="Arial"/>
+                <a:ea typeface="Arial"/>
+                <a:cs typeface="Arial"/>
+                <a:sym typeface="Arial"/>
+              </a:rPr>
+              <a:t>MERGE</a:t>
+            </a:r>
+            <a:endParaRPr b="0" i="0" sz="1400" u="none" cap="none" strike="noStrike">
+              <a:solidFill>
+                <a:srgbClr val="000000"/>
+              </a:solidFill>
+              <a:latin typeface="Arial"/>
+              <a:ea typeface="Arial"/>
+              <a:cs typeface="Arial"/>
+              <a:sym typeface="Arial"/>
+            </a:endParaRPr>
+          </a:p>
+        </p:txBody>
+      </p:sp>
+    </p:spTree>
+  </p:cSld>
+  <p:clrMapOvr>
+    <a:masterClrMapping/>
+  </p:clrMapOvr>
+</p:sld>
+</file>
+
+<file path=ppt/slides/slide3.xml><?xml version="1.0" encoding="utf-8"?>
+<p:sld xmlns:a="http://schemas.openxmlformats.org/drawingml/2006/main" xmlns:r="http://schemas.openxmlformats.org/officeDocument/2006/relationships" xmlns:mc="http://schemas.openxmlformats.org/markup-compatibility/2006" xmlns:mv="urn:schemas-microsoft-com:mac:vml" xmlns:p="http://schemas.openxmlformats.org/presentationml/2006/main" xmlns:c="http://schemas.openxmlformats.org/drawingml/2006/chart" xmlns:dgm="http://schemas.openxmlformats.org/drawingml/2006/diagram" xmlns:o="urn:schemas-microsoft-com:office:office" xmlns:v="urn:schemas-microsoft-com:vml" xmlns:pvml="urn:schemas-microsoft-com:office:powerpoint" xmlns:com="http://schemas.openxmlformats.org/drawingml/2006/compatibility" xmlns:p14="http://schemas.microsoft.com/office/powerpoint/2010/main" xmlns:p15="http://schemas.microsoft.com/office/powerpoint/2012/main">
+  <p:cSld>
+    <p:spTree>
+      <p:nvGrpSpPr>
+        <p:cNvPr id="72" name="Shape 72"/>
+        <p:cNvGrpSpPr/>
+        <p:nvPr/>
+      </p:nvGrpSpPr>
+      <p:grpSpPr>
+        <a:xfrm>
+          <a:off x="0" y="0"/>
+          <a:ext cx="0" cy="0"/>
+          <a:chOff x="0" y="0"/>
+          <a:chExt cx="0" cy="0"/>
+        </a:xfrm>
+      </p:grpSpPr>
+      <p:sp>
+        <p:nvSpPr>
+          <p:cNvPr id="73" name="Google Shape;73;p3"/>
           <p:cNvSpPr/>
           <p:nvPr/>
         </p:nvSpPr>
         <p:spPr>
           <a:xfrm>
-            <a:off x="3233450" y="1371600"/>
+            <a:off x="1458820" y="914400"/>
             <a:ext cx="183000" cy="182100"/>
           </a:xfrm>
           <a:prstGeom prst="ellipse">
@@ -11207,44 +14433,15 @@
           </a:p>
         </p:txBody>
       </p:sp>
-      <p:cxnSp>
-        <p:nvCxnSpPr>
-          <p:cNvPr id="94" name="Google Shape;94;g7052a85339_0_0"/>
-          <p:cNvCxnSpPr>
-            <a:stCxn id="92" idx="5"/>
-            <a:endCxn id="93" idx="1"/>
-          </p:cNvCxnSpPr>
-          <p:nvPr/>
-        </p:nvCxnSpPr>
-        <p:spPr>
-          <a:xfrm>
-            <a:off x="3008650" y="1069832"/>
-            <a:ext cx="251700" cy="328500"/>
-          </a:xfrm>
-          <a:prstGeom prst="straightConnector1">
-            <a:avLst/>
-          </a:prstGeom>
-          <a:noFill/>
-          <a:ln cap="flat" cmpd="sng" w="9525">
-            <a:solidFill>
-              <a:schemeClr val="dk2"/>
-            </a:solidFill>
-            <a:prstDash val="solid"/>
-            <a:round/>
-            <a:headEnd len="sm" w="sm" type="none"/>
-            <a:tailEnd len="sm" w="sm" type="none"/>
-          </a:ln>
-        </p:spPr>
-      </p:cxnSp>
       <p:sp>
         <p:nvSpPr>
-          <p:cNvPr id="95" name="Google Shape;95;g7052a85339_0_0"/>
+          <p:cNvPr id="74" name="Google Shape;74;p3"/>
           <p:cNvSpPr txBox="1"/>
           <p:nvPr/>
         </p:nvSpPr>
         <p:spPr>
           <a:xfrm>
-            <a:off x="3568700" y="868350"/>
+            <a:off x="2175070" y="868350"/>
             <a:ext cx="1097400" cy="274200"/>
           </a:xfrm>
           <a:prstGeom prst="rect">
@@ -11304,79 +14501,13 @@
       </p:sp>
       <p:sp>
         <p:nvSpPr>
-          <p:cNvPr id="96" name="Google Shape;96;g7052a85339_0_0"/>
+          <p:cNvPr id="75" name="Google Shape;75;p3"/>
           <p:cNvSpPr txBox="1"/>
           <p:nvPr/>
         </p:nvSpPr>
         <p:spPr>
           <a:xfrm>
-            <a:off x="3568700" y="1325550"/>
-            <a:ext cx="1097400" cy="274200"/>
-          </a:xfrm>
-          <a:prstGeom prst="rect">
-            <a:avLst/>
-          </a:prstGeom>
-          <a:noFill/>
-          <a:ln>
-            <a:noFill/>
-          </a:ln>
-        </p:spPr>
-        <p:txBody>
-          <a:bodyPr anchorCtr="0" anchor="t" bIns="0" lIns="0" spcFirstLastPara="1" rIns="0" wrap="square" tIns="0">
-            <a:noAutofit/>
-          </a:bodyPr>
-          <a:lstStyle/>
-          <a:p>
-            <a:pPr indent="0" lvl="0" marL="0" marR="0" rtl="0" algn="l">
-              <a:lnSpc>
-                <a:spcPct val="100000"/>
-              </a:lnSpc>
-              <a:spcBef>
-                <a:spcPts val="0"/>
-              </a:spcBef>
-              <a:spcAft>
-                <a:spcPts val="0"/>
-              </a:spcAft>
-              <a:buClr>
-                <a:srgbClr val="000000"/>
-              </a:buClr>
-              <a:buSzPts val="1400"/>
-              <a:buFont typeface="Arial"/>
-              <a:buNone/>
-            </a:pPr>
-            <a:r>
-              <a:rPr b="0" i="0" lang="en" sz="1400" u="none" cap="none" strike="noStrike">
-                <a:solidFill>
-                  <a:srgbClr val="000000"/>
-                </a:solidFill>
-                <a:latin typeface="Arial"/>
-                <a:ea typeface="Arial"/>
-                <a:cs typeface="Arial"/>
-                <a:sym typeface="Arial"/>
-              </a:rPr>
-              <a:t>Wijziging 1</a:t>
-            </a:r>
-            <a:endParaRPr b="0" i="0" sz="1400" u="none" cap="none" strike="noStrike">
-              <a:solidFill>
-                <a:srgbClr val="000000"/>
-              </a:solidFill>
-              <a:latin typeface="Arial"/>
-              <a:ea typeface="Arial"/>
-              <a:cs typeface="Arial"/>
-              <a:sym typeface="Arial"/>
-            </a:endParaRPr>
-          </a:p>
-        </p:txBody>
-      </p:sp>
-      <p:sp>
-        <p:nvSpPr>
-          <p:cNvPr id="97" name="Google Shape;97;g7052a85339_0_0"/>
-          <p:cNvSpPr txBox="1"/>
-          <p:nvPr/>
-        </p:nvSpPr>
-        <p:spPr>
-          <a:xfrm>
-            <a:off x="2201350" y="914400"/>
+            <a:off x="807720" y="914400"/>
             <a:ext cx="479700" cy="182100"/>
           </a:xfrm>
           <a:prstGeom prst="rect">
@@ -11413,30 +14544,38 @@
               <a:buNone/>
             </a:pPr>
             <a:r>
-              <a:rPr b="1" i="0" lang="en" sz="900" u="none" cap="none" strike="noStrike">
+              <a:rPr b="0" i="0" lang="en" sz="900" u="none" cap="none" strike="noStrike">
                 <a:solidFill>
                   <a:srgbClr val="000000"/>
                 </a:solidFill>
+                <a:latin typeface="Arial"/>
+                <a:ea typeface="Arial"/>
+                <a:cs typeface="Arial"/>
+                <a:sym typeface="Arial"/>
               </a:rPr>
               <a:t>master</a:t>
             </a:r>
-            <a:endParaRPr b="1" i="0" sz="900" u="none" cap="none" strike="noStrike">
+            <a:endParaRPr b="0" i="0" sz="900" u="none" cap="none" strike="noStrike">
               <a:solidFill>
                 <a:srgbClr val="000000"/>
               </a:solidFill>
+              <a:latin typeface="Arial"/>
+              <a:ea typeface="Arial"/>
+              <a:cs typeface="Arial"/>
+              <a:sym typeface="Arial"/>
             </a:endParaRPr>
           </a:p>
         </p:txBody>
       </p:sp>
       <p:sp>
         <p:nvSpPr>
-          <p:cNvPr id="98" name="Google Shape;98;g7052a85339_0_0"/>
+          <p:cNvPr id="76" name="Google Shape;76;p3"/>
           <p:cNvSpPr txBox="1"/>
           <p:nvPr/>
         </p:nvSpPr>
         <p:spPr>
           <a:xfrm>
-            <a:off x="1667950" y="1371600"/>
+            <a:off x="274320" y="914400"/>
             <a:ext cx="479700" cy="182100"/>
           </a:xfrm>
           <a:prstGeom prst="rect">
@@ -11473,24 +14612,290 @@
               <a:buNone/>
             </a:pPr>
             <a:r>
-              <a:rPr i="0" lang="en" sz="900" u="none" cap="none" strike="noStrike">
+              <a:rPr b="1" i="0" lang="en" sz="900" u="none" cap="none" strike="noStrike">
                 <a:solidFill>
                   <a:srgbClr val="000000"/>
                 </a:solidFill>
+                <a:latin typeface="Arial"/>
+                <a:ea typeface="Arial"/>
+                <a:cs typeface="Arial"/>
+                <a:sym typeface="Arial"/>
               </a:rPr>
               <a:t>develop</a:t>
             </a:r>
-            <a:endParaRPr i="0" sz="900" u="none" cap="none" strike="noStrike">
+            <a:endParaRPr b="1" i="0" sz="900" u="none" cap="none" strike="noStrike">
               <a:solidFill>
                 <a:srgbClr val="000000"/>
               </a:solidFill>
+              <a:latin typeface="Arial"/>
+              <a:ea typeface="Arial"/>
+              <a:cs typeface="Arial"/>
+              <a:sym typeface="Arial"/>
             </a:endParaRPr>
           </a:p>
         </p:txBody>
       </p:sp>
       <p:sp>
         <p:nvSpPr>
-          <p:cNvPr id="99" name="Google Shape;99;g7052a85339_0_0"/>
+          <p:cNvPr id="77" name="Google Shape;77;p3"/>
+          <p:cNvSpPr txBox="1"/>
+          <p:nvPr/>
+        </p:nvSpPr>
+        <p:spPr>
+          <a:xfrm>
+            <a:off x="3621025" y="740675"/>
+            <a:ext cx="5523000" cy="3348600"/>
+          </a:xfrm>
+          <a:prstGeom prst="rect">
+            <a:avLst/>
+          </a:prstGeom>
+          <a:noFill/>
+          <a:ln>
+            <a:noFill/>
+          </a:ln>
+        </p:spPr>
+        <p:txBody>
+          <a:bodyPr anchorCtr="0" anchor="t" bIns="91425" lIns="91425" spcFirstLastPara="1" rIns="91425" wrap="square" tIns="91425">
+            <a:noAutofit/>
+          </a:bodyPr>
+          <a:lstStyle/>
+          <a:p>
+            <a:pPr indent="-330200" lvl="0" marL="457200" rtl="0" algn="l">
+              <a:spcBef>
+                <a:spcPts val="0"/>
+              </a:spcBef>
+              <a:spcAft>
+                <a:spcPts val="0"/>
+              </a:spcAft>
+              <a:buSzPts val="1600"/>
+              <a:buChar char="●"/>
+            </a:pPr>
+            <a:r>
+              <a:rPr lang="en" sz="1600"/>
+              <a:t>maak initial commit</a:t>
+            </a:r>
+            <a:endParaRPr sz="1600"/>
+          </a:p>
+          <a:p>
+            <a:pPr indent="-330200" lvl="0" marL="457200" rtl="0" algn="l">
+              <a:spcBef>
+                <a:spcPts val="0"/>
+              </a:spcBef>
+              <a:spcAft>
+                <a:spcPts val="0"/>
+              </a:spcAft>
+              <a:buSzPts val="1600"/>
+              <a:buChar char="●"/>
+            </a:pPr>
+            <a:r>
+              <a:rPr lang="en" sz="1600"/>
+              <a:t>maak nieuwe branch develop</a:t>
+            </a:r>
+            <a:endParaRPr sz="1600"/>
+          </a:p>
+          <a:p>
+            <a:pPr indent="-330200" lvl="0" marL="457200" rtl="0" algn="l">
+              <a:spcBef>
+                <a:spcPts val="0"/>
+              </a:spcBef>
+              <a:spcAft>
+                <a:spcPts val="0"/>
+              </a:spcAft>
+              <a:buSzPts val="1600"/>
+              <a:buChar char="●"/>
+            </a:pPr>
+            <a:r>
+              <a:rPr lang="en" sz="1600"/>
+              <a:t>checkout develop</a:t>
+            </a:r>
+            <a:endParaRPr sz="1600"/>
+          </a:p>
+          <a:p>
+            <a:pPr indent="-330200" lvl="0" marL="457200" rtl="0" algn="l">
+              <a:spcBef>
+                <a:spcPts val="0"/>
+              </a:spcBef>
+              <a:spcAft>
+                <a:spcPts val="0"/>
+              </a:spcAft>
+              <a:buSzPts val="1600"/>
+              <a:buChar char="●"/>
+            </a:pPr>
+            <a:r>
+              <a:rPr lang="en" sz="1600"/>
+              <a:t>maak wijziging en commit</a:t>
+            </a:r>
+            <a:endParaRPr sz="1600"/>
+          </a:p>
+          <a:p>
+            <a:pPr indent="-330200" lvl="0" marL="457200" rtl="0" algn="l">
+              <a:spcBef>
+                <a:spcPts val="0"/>
+              </a:spcBef>
+              <a:spcAft>
+                <a:spcPts val="0"/>
+              </a:spcAft>
+              <a:buSzPts val="1600"/>
+              <a:buChar char="●"/>
+            </a:pPr>
+            <a:r>
+              <a:rPr lang="en" sz="1600"/>
+              <a:t>checkout master</a:t>
+            </a:r>
+            <a:endParaRPr sz="1600"/>
+          </a:p>
+          <a:p>
+            <a:pPr indent="-330200" lvl="0" marL="457200" rtl="0" algn="l">
+              <a:spcBef>
+                <a:spcPts val="0"/>
+              </a:spcBef>
+              <a:spcAft>
+                <a:spcPts val="0"/>
+              </a:spcAft>
+              <a:buClr>
+                <a:schemeClr val="dk1"/>
+              </a:buClr>
+              <a:buSzPts val="1600"/>
+              <a:buChar char="●"/>
+            </a:pPr>
+            <a:r>
+              <a:rPr lang="en" sz="1600">
+                <a:solidFill>
+                  <a:schemeClr val="dk1"/>
+                </a:solidFill>
+              </a:rPr>
+              <a:t>maak wijziging en commit</a:t>
+            </a:r>
+            <a:endParaRPr sz="1600">
+              <a:solidFill>
+                <a:schemeClr val="dk1"/>
+              </a:solidFill>
+            </a:endParaRPr>
+          </a:p>
+          <a:p>
+            <a:pPr indent="-330200" lvl="0" marL="457200" rtl="0" algn="l">
+              <a:spcBef>
+                <a:spcPts val="0"/>
+              </a:spcBef>
+              <a:spcAft>
+                <a:spcPts val="0"/>
+              </a:spcAft>
+              <a:buSzPts val="1600"/>
+              <a:buChar char="●"/>
+            </a:pPr>
+            <a:r>
+              <a:rPr lang="en" sz="1600"/>
+              <a:t>merge develop in master</a:t>
+            </a:r>
+            <a:endParaRPr sz="1600"/>
+          </a:p>
+          <a:p>
+            <a:pPr indent="-330200" lvl="0" marL="457200" rtl="0" algn="l">
+              <a:spcBef>
+                <a:spcPts val="0"/>
+              </a:spcBef>
+              <a:spcAft>
+                <a:spcPts val="0"/>
+              </a:spcAft>
+              <a:buSzPts val="1600"/>
+              <a:buChar char="●"/>
+            </a:pPr>
+            <a:r>
+              <a:rPr lang="en" sz="1600"/>
+              <a:t>los conflict op en commit</a:t>
+            </a:r>
+            <a:endParaRPr sz="1600"/>
+          </a:p>
+          <a:p>
+            <a:pPr indent="-330200" lvl="0" marL="457200" rtl="0" algn="l">
+              <a:spcBef>
+                <a:spcPts val="0"/>
+              </a:spcBef>
+              <a:spcAft>
+                <a:spcPts val="0"/>
+              </a:spcAft>
+              <a:buSzPts val="1600"/>
+              <a:buChar char="●"/>
+            </a:pPr>
+            <a:r>
+              <a:rPr lang="en" sz="1600"/>
+              <a:t>bekijk log</a:t>
+            </a:r>
+            <a:endParaRPr sz="1600"/>
+          </a:p>
+          <a:p>
+            <a:pPr indent="-330200" lvl="0" marL="457200" rtl="0" algn="l">
+              <a:spcBef>
+                <a:spcPts val="0"/>
+              </a:spcBef>
+              <a:spcAft>
+                <a:spcPts val="0"/>
+              </a:spcAft>
+              <a:buSzPts val="1600"/>
+              <a:buChar char="●"/>
+            </a:pPr>
+            <a:r>
+              <a:rPr lang="en" sz="1600"/>
+              <a:t>checkout develop</a:t>
+            </a:r>
+            <a:endParaRPr sz="1600"/>
+          </a:p>
+          <a:p>
+            <a:pPr indent="-330200" lvl="0" marL="457200" rtl="0" algn="l">
+              <a:spcBef>
+                <a:spcPts val="0"/>
+              </a:spcBef>
+              <a:spcAft>
+                <a:spcPts val="0"/>
+              </a:spcAft>
+              <a:buSzPts val="1600"/>
+              <a:buChar char="●"/>
+            </a:pPr>
+            <a:r>
+              <a:rPr lang="en" sz="1600"/>
+              <a:t>merge master in develop(fast-forward)</a:t>
+            </a:r>
+            <a:endParaRPr sz="1600"/>
+          </a:p>
+          <a:p>
+            <a:pPr indent="-330200" lvl="0" marL="457200" rtl="0" algn="l">
+              <a:spcBef>
+                <a:spcPts val="0"/>
+              </a:spcBef>
+              <a:spcAft>
+                <a:spcPts val="0"/>
+              </a:spcAft>
+              <a:buSzPts val="1600"/>
+              <a:buChar char="●"/>
+            </a:pPr>
+            <a:r>
+              <a:rPr lang="en" sz="1600"/>
+              <a:t>bekijk log</a:t>
+            </a:r>
+            <a:endParaRPr sz="1600"/>
+          </a:p>
+          <a:p>
+            <a:pPr indent="-330200" lvl="0" marL="457200" rtl="0" algn="l">
+              <a:spcBef>
+                <a:spcPts val="0"/>
+              </a:spcBef>
+              <a:spcAft>
+                <a:spcPts val="0"/>
+              </a:spcAft>
+              <a:buSzPts val="1600"/>
+              <a:buChar char="●"/>
+            </a:pPr>
+            <a:r>
+              <a:rPr lang="en" sz="1600"/>
+              <a:t>delete develop branch</a:t>
+            </a:r>
+            <a:endParaRPr sz="1600"/>
+          </a:p>
+        </p:txBody>
+      </p:sp>
+      <p:sp>
+        <p:nvSpPr>
+          <p:cNvPr id="78" name="Google Shape;78;p3"/>
           <p:cNvSpPr txBox="1"/>
           <p:nvPr/>
         </p:nvSpPr>
@@ -11533,6 +14938,10 @@
               <a:buNone/>
             </a:pPr>
             <a:r>
+              <a:rPr lang="en"/>
+              <a:t>4. Opdracht </a:t>
+            </a:r>
+            <a:r>
               <a:rPr b="0" i="0" lang="en" sz="1400" u="none" cap="none" strike="noStrike">
                 <a:solidFill>
                   <a:srgbClr val="000000"/>
@@ -11564,12 +14973,12 @@
 </p:sld>
 </file>
 
-<file path=ppt/slides/slide6.xml><?xml version="1.0" encoding="utf-8"?>
+<file path=ppt/slides/slide4.xml><?xml version="1.0" encoding="utf-8"?>
 <p:sld xmlns:a="http://schemas.openxmlformats.org/drawingml/2006/main" xmlns:r="http://schemas.openxmlformats.org/officeDocument/2006/relationships" xmlns:mc="http://schemas.openxmlformats.org/markup-compatibility/2006" xmlns:mv="urn:schemas-microsoft-com:mac:vml" xmlns:p="http://schemas.openxmlformats.org/presentationml/2006/main" xmlns:c="http://schemas.openxmlformats.org/drawingml/2006/chart" xmlns:dgm="http://schemas.openxmlformats.org/drawingml/2006/diagram" xmlns:o="urn:schemas-microsoft-com:office:office" xmlns:v="urn:schemas-microsoft-com:vml" xmlns:pvml="urn:schemas-microsoft-com:office:powerpoint" xmlns:com="http://schemas.openxmlformats.org/drawingml/2006/compatibility" xmlns:p14="http://schemas.microsoft.com/office/powerpoint/2010/main" xmlns:p15="http://schemas.microsoft.com/office/powerpoint/2012/main">
   <p:cSld>
     <p:spTree>
       <p:nvGrpSpPr>
-        <p:cNvPr id="103" name="Shape 103"/>
+        <p:cNvPr id="82" name="Shape 82"/>
         <p:cNvGrpSpPr/>
         <p:nvPr/>
       </p:nvGrpSpPr>
@@ -11583,13 +14992,13 @@
       </p:grpSpPr>
       <p:sp>
         <p:nvSpPr>
-          <p:cNvPr id="104" name="Google Shape;104;p5"/>
+          <p:cNvPr id="83" name="Google Shape;83;p4"/>
           <p:cNvSpPr/>
           <p:nvPr/>
         </p:nvSpPr>
         <p:spPr>
           <a:xfrm>
-            <a:off x="2852450" y="914400"/>
+            <a:off x="1458820" y="914400"/>
             <a:ext cx="183000" cy="182100"/>
           </a:xfrm>
           <a:prstGeom prst="ellipse">
@@ -11648,13 +15057,13 @@
       </p:sp>
       <p:sp>
         <p:nvSpPr>
-          <p:cNvPr id="105" name="Google Shape;105;p5"/>
+          <p:cNvPr id="84" name="Google Shape;84;p4"/>
           <p:cNvSpPr/>
           <p:nvPr/>
         </p:nvSpPr>
         <p:spPr>
           <a:xfrm>
-            <a:off x="3233450" y="1371600"/>
+            <a:off x="1839820" y="1371600"/>
             <a:ext cx="183000" cy="182100"/>
           </a:xfrm>
           <a:prstGeom prst="ellipse">
@@ -11713,16 +15122,16 @@
       </p:sp>
       <p:cxnSp>
         <p:nvCxnSpPr>
-          <p:cNvPr id="106" name="Google Shape;106;p5"/>
+          <p:cNvPr id="85" name="Google Shape;85;p4"/>
           <p:cNvCxnSpPr>
-            <a:stCxn id="104" idx="5"/>
-            <a:endCxn id="105" idx="1"/>
+            <a:stCxn id="83" idx="5"/>
+            <a:endCxn id="84" idx="1"/>
           </p:cNvCxnSpPr>
           <p:nvPr/>
         </p:nvCxnSpPr>
         <p:spPr>
           <a:xfrm>
-            <a:off x="3008650" y="1069832"/>
+            <a:off x="1615020" y="1069832"/>
             <a:ext cx="251700" cy="328500"/>
           </a:xfrm>
           <a:prstGeom prst="straightConnector1">
@@ -11742,13 +15151,13 @@
       </p:cxnSp>
       <p:sp>
         <p:nvSpPr>
-          <p:cNvPr id="107" name="Google Shape;107;p5"/>
+          <p:cNvPr id="86" name="Google Shape;86;p4"/>
           <p:cNvSpPr txBox="1"/>
           <p:nvPr/>
         </p:nvSpPr>
         <p:spPr>
           <a:xfrm>
-            <a:off x="3568700" y="868350"/>
+            <a:off x="2175070" y="868350"/>
             <a:ext cx="1097400" cy="274200"/>
           </a:xfrm>
           <a:prstGeom prst="rect">
@@ -11808,13 +15217,570 @@
       </p:sp>
       <p:sp>
         <p:nvSpPr>
-          <p:cNvPr id="108" name="Google Shape;108;p5"/>
+          <p:cNvPr id="87" name="Google Shape;87;p4"/>
+          <p:cNvSpPr txBox="1"/>
+          <p:nvPr/>
+        </p:nvSpPr>
+        <p:spPr>
+          <a:xfrm>
+            <a:off x="2175070" y="1325550"/>
+            <a:ext cx="1097400" cy="274200"/>
+          </a:xfrm>
+          <a:prstGeom prst="rect">
+            <a:avLst/>
+          </a:prstGeom>
+          <a:noFill/>
+          <a:ln>
+            <a:noFill/>
+          </a:ln>
+        </p:spPr>
+        <p:txBody>
+          <a:bodyPr anchorCtr="0" anchor="t" bIns="0" lIns="0" spcFirstLastPara="1" rIns="0" wrap="square" tIns="0">
+            <a:noAutofit/>
+          </a:bodyPr>
+          <a:lstStyle/>
+          <a:p>
+            <a:pPr indent="0" lvl="0" marL="0" marR="0" rtl="0" algn="l">
+              <a:lnSpc>
+                <a:spcPct val="100000"/>
+              </a:lnSpc>
+              <a:spcBef>
+                <a:spcPts val="0"/>
+              </a:spcBef>
+              <a:spcAft>
+                <a:spcPts val="0"/>
+              </a:spcAft>
+              <a:buClr>
+                <a:srgbClr val="000000"/>
+              </a:buClr>
+              <a:buSzPts val="1400"/>
+              <a:buFont typeface="Arial"/>
+              <a:buNone/>
+            </a:pPr>
+            <a:r>
+              <a:rPr b="0" i="0" lang="en" sz="1400" u="none" cap="none" strike="noStrike">
+                <a:solidFill>
+                  <a:srgbClr val="000000"/>
+                </a:solidFill>
+                <a:latin typeface="Arial"/>
+                <a:ea typeface="Arial"/>
+                <a:cs typeface="Arial"/>
+                <a:sym typeface="Arial"/>
+              </a:rPr>
+              <a:t>Wijziging 1</a:t>
+            </a:r>
+            <a:endParaRPr b="0" i="0" sz="1400" u="none" cap="none" strike="noStrike">
+              <a:solidFill>
+                <a:srgbClr val="000000"/>
+              </a:solidFill>
+              <a:latin typeface="Arial"/>
+              <a:ea typeface="Arial"/>
+              <a:cs typeface="Arial"/>
+              <a:sym typeface="Arial"/>
+            </a:endParaRPr>
+          </a:p>
+        </p:txBody>
+      </p:sp>
+      <p:sp>
+        <p:nvSpPr>
+          <p:cNvPr id="88" name="Google Shape;88;p4"/>
+          <p:cNvSpPr txBox="1"/>
+          <p:nvPr/>
+        </p:nvSpPr>
+        <p:spPr>
+          <a:xfrm>
+            <a:off x="807720" y="914400"/>
+            <a:ext cx="479700" cy="182100"/>
+          </a:xfrm>
+          <a:prstGeom prst="rect">
+            <a:avLst/>
+          </a:prstGeom>
+          <a:solidFill>
+            <a:srgbClr val="DD7E6B"/>
+          </a:solidFill>
+          <a:ln>
+            <a:noFill/>
+          </a:ln>
+        </p:spPr>
+        <p:txBody>
+          <a:bodyPr anchorCtr="0" anchor="t" bIns="0" lIns="0" spcFirstLastPara="1" rIns="0" wrap="square" tIns="0">
+            <a:noAutofit/>
+          </a:bodyPr>
+          <a:lstStyle/>
+          <a:p>
+            <a:pPr indent="0" lvl="0" marL="0" marR="0" rtl="0" algn="ctr">
+              <a:lnSpc>
+                <a:spcPct val="100000"/>
+              </a:lnSpc>
+              <a:spcBef>
+                <a:spcPts val="0"/>
+              </a:spcBef>
+              <a:spcAft>
+                <a:spcPts val="0"/>
+              </a:spcAft>
+              <a:buClr>
+                <a:srgbClr val="000000"/>
+              </a:buClr>
+              <a:buSzPts val="900"/>
+              <a:buFont typeface="Arial"/>
+              <a:buNone/>
+            </a:pPr>
+            <a:r>
+              <a:rPr b="0" i="0" lang="en" sz="900" u="none" cap="none" strike="noStrike">
+                <a:solidFill>
+                  <a:srgbClr val="000000"/>
+                </a:solidFill>
+                <a:latin typeface="Arial"/>
+                <a:ea typeface="Arial"/>
+                <a:cs typeface="Arial"/>
+                <a:sym typeface="Arial"/>
+              </a:rPr>
+              <a:t>master</a:t>
+            </a:r>
+            <a:endParaRPr b="0" i="0" sz="900" u="none" cap="none" strike="noStrike">
+              <a:solidFill>
+                <a:srgbClr val="000000"/>
+              </a:solidFill>
+              <a:latin typeface="Arial"/>
+              <a:ea typeface="Arial"/>
+              <a:cs typeface="Arial"/>
+              <a:sym typeface="Arial"/>
+            </a:endParaRPr>
+          </a:p>
+        </p:txBody>
+      </p:sp>
+      <p:sp>
+        <p:nvSpPr>
+          <p:cNvPr id="89" name="Google Shape;89;p4"/>
+          <p:cNvSpPr txBox="1"/>
+          <p:nvPr/>
+        </p:nvSpPr>
+        <p:spPr>
+          <a:xfrm>
+            <a:off x="274320" y="1371600"/>
+            <a:ext cx="479700" cy="182100"/>
+          </a:xfrm>
+          <a:prstGeom prst="rect">
+            <a:avLst/>
+          </a:prstGeom>
+          <a:solidFill>
+            <a:srgbClr val="3D85C6"/>
+          </a:solidFill>
+          <a:ln>
+            <a:noFill/>
+          </a:ln>
+        </p:spPr>
+        <p:txBody>
+          <a:bodyPr anchorCtr="0" anchor="t" bIns="0" lIns="0" spcFirstLastPara="1" rIns="0" wrap="square" tIns="0">
+            <a:noAutofit/>
+          </a:bodyPr>
+          <a:lstStyle/>
+          <a:p>
+            <a:pPr indent="0" lvl="0" marL="0" marR="0" rtl="0" algn="ctr">
+              <a:lnSpc>
+                <a:spcPct val="100000"/>
+              </a:lnSpc>
+              <a:spcBef>
+                <a:spcPts val="0"/>
+              </a:spcBef>
+              <a:spcAft>
+                <a:spcPts val="0"/>
+              </a:spcAft>
+              <a:buClr>
+                <a:srgbClr val="000000"/>
+              </a:buClr>
+              <a:buSzPts val="900"/>
+              <a:buFont typeface="Arial"/>
+              <a:buNone/>
+            </a:pPr>
+            <a:r>
+              <a:rPr b="1" i="0" lang="en" sz="900" u="none" cap="none" strike="noStrike">
+                <a:solidFill>
+                  <a:srgbClr val="000000"/>
+                </a:solidFill>
+                <a:latin typeface="Arial"/>
+                <a:ea typeface="Arial"/>
+                <a:cs typeface="Arial"/>
+                <a:sym typeface="Arial"/>
+              </a:rPr>
+              <a:t>develop</a:t>
+            </a:r>
+            <a:endParaRPr b="1" i="0" sz="900" u="none" cap="none" strike="noStrike">
+              <a:solidFill>
+                <a:srgbClr val="000000"/>
+              </a:solidFill>
+              <a:latin typeface="Arial"/>
+              <a:ea typeface="Arial"/>
+              <a:cs typeface="Arial"/>
+              <a:sym typeface="Arial"/>
+            </a:endParaRPr>
+          </a:p>
+        </p:txBody>
+      </p:sp>
+      <p:sp>
+        <p:nvSpPr>
+          <p:cNvPr id="90" name="Google Shape;90;p4"/>
+          <p:cNvSpPr txBox="1"/>
+          <p:nvPr/>
+        </p:nvSpPr>
+        <p:spPr>
+          <a:xfrm>
+            <a:off x="3621025" y="740675"/>
+            <a:ext cx="5523000" cy="3348600"/>
+          </a:xfrm>
+          <a:prstGeom prst="rect">
+            <a:avLst/>
+          </a:prstGeom>
+          <a:noFill/>
+          <a:ln>
+            <a:noFill/>
+          </a:ln>
+        </p:spPr>
+        <p:txBody>
+          <a:bodyPr anchorCtr="0" anchor="t" bIns="91425" lIns="91425" spcFirstLastPara="1" rIns="91425" wrap="square" tIns="91425">
+            <a:noAutofit/>
+          </a:bodyPr>
+          <a:lstStyle/>
+          <a:p>
+            <a:pPr indent="-330200" lvl="0" marL="457200" rtl="0" algn="l">
+              <a:spcBef>
+                <a:spcPts val="0"/>
+              </a:spcBef>
+              <a:spcAft>
+                <a:spcPts val="0"/>
+              </a:spcAft>
+              <a:buSzPts val="1600"/>
+              <a:buChar char="●"/>
+            </a:pPr>
+            <a:r>
+              <a:rPr lang="en" sz="1600"/>
+              <a:t>maak initial commit</a:t>
+            </a:r>
+            <a:endParaRPr sz="1600"/>
+          </a:p>
+          <a:p>
+            <a:pPr indent="-330200" lvl="0" marL="457200" rtl="0" algn="l">
+              <a:spcBef>
+                <a:spcPts val="0"/>
+              </a:spcBef>
+              <a:spcAft>
+                <a:spcPts val="0"/>
+              </a:spcAft>
+              <a:buSzPts val="1600"/>
+              <a:buChar char="●"/>
+            </a:pPr>
+            <a:r>
+              <a:rPr lang="en" sz="1600"/>
+              <a:t>maak nieuwe branch develop</a:t>
+            </a:r>
+            <a:endParaRPr sz="1600"/>
+          </a:p>
+          <a:p>
+            <a:pPr indent="-330200" lvl="0" marL="457200" rtl="0" algn="l">
+              <a:spcBef>
+                <a:spcPts val="0"/>
+              </a:spcBef>
+              <a:spcAft>
+                <a:spcPts val="0"/>
+              </a:spcAft>
+              <a:buSzPts val="1600"/>
+              <a:buChar char="●"/>
+            </a:pPr>
+            <a:r>
+              <a:rPr lang="en" sz="1600"/>
+              <a:t>checkout develop</a:t>
+            </a:r>
+            <a:endParaRPr sz="1600"/>
+          </a:p>
+          <a:p>
+            <a:pPr indent="-330200" lvl="0" marL="457200" rtl="0" algn="l">
+              <a:spcBef>
+                <a:spcPts val="0"/>
+              </a:spcBef>
+              <a:spcAft>
+                <a:spcPts val="0"/>
+              </a:spcAft>
+              <a:buSzPts val="1600"/>
+              <a:buChar char="●"/>
+            </a:pPr>
+            <a:r>
+              <a:rPr lang="en" sz="1600"/>
+              <a:t>maak wijziging en commit</a:t>
+            </a:r>
+            <a:endParaRPr sz="1600"/>
+          </a:p>
+          <a:p>
+            <a:pPr indent="-330200" lvl="0" marL="457200" rtl="0" algn="l">
+              <a:spcBef>
+                <a:spcPts val="0"/>
+              </a:spcBef>
+              <a:spcAft>
+                <a:spcPts val="0"/>
+              </a:spcAft>
+              <a:buSzPts val="1600"/>
+              <a:buChar char="●"/>
+            </a:pPr>
+            <a:r>
+              <a:rPr lang="en" sz="1600"/>
+              <a:t>checkout master</a:t>
+            </a:r>
+            <a:endParaRPr sz="1600"/>
+          </a:p>
+          <a:p>
+            <a:pPr indent="-330200" lvl="0" marL="457200" rtl="0" algn="l">
+              <a:spcBef>
+                <a:spcPts val="0"/>
+              </a:spcBef>
+              <a:spcAft>
+                <a:spcPts val="0"/>
+              </a:spcAft>
+              <a:buClr>
+                <a:schemeClr val="dk1"/>
+              </a:buClr>
+              <a:buSzPts val="1600"/>
+              <a:buChar char="●"/>
+            </a:pPr>
+            <a:r>
+              <a:rPr lang="en" sz="1600">
+                <a:solidFill>
+                  <a:schemeClr val="dk1"/>
+                </a:solidFill>
+              </a:rPr>
+              <a:t>maak wijziging en commit</a:t>
+            </a:r>
+            <a:endParaRPr sz="1600">
+              <a:solidFill>
+                <a:schemeClr val="dk1"/>
+              </a:solidFill>
+            </a:endParaRPr>
+          </a:p>
+          <a:p>
+            <a:pPr indent="-330200" lvl="0" marL="457200" rtl="0" algn="l">
+              <a:spcBef>
+                <a:spcPts val="0"/>
+              </a:spcBef>
+              <a:spcAft>
+                <a:spcPts val="0"/>
+              </a:spcAft>
+              <a:buSzPts val="1600"/>
+              <a:buChar char="●"/>
+            </a:pPr>
+            <a:r>
+              <a:rPr lang="en" sz="1600"/>
+              <a:t>merge develop in master</a:t>
+            </a:r>
+            <a:endParaRPr sz="1600"/>
+          </a:p>
+          <a:p>
+            <a:pPr indent="-330200" lvl="0" marL="457200" rtl="0" algn="l">
+              <a:spcBef>
+                <a:spcPts val="0"/>
+              </a:spcBef>
+              <a:spcAft>
+                <a:spcPts val="0"/>
+              </a:spcAft>
+              <a:buSzPts val="1600"/>
+              <a:buChar char="●"/>
+            </a:pPr>
+            <a:r>
+              <a:rPr lang="en" sz="1600"/>
+              <a:t>los conflict op en commit</a:t>
+            </a:r>
+            <a:endParaRPr sz="1600"/>
+          </a:p>
+          <a:p>
+            <a:pPr indent="-330200" lvl="0" marL="457200" rtl="0" algn="l">
+              <a:spcBef>
+                <a:spcPts val="0"/>
+              </a:spcBef>
+              <a:spcAft>
+                <a:spcPts val="0"/>
+              </a:spcAft>
+              <a:buSzPts val="1600"/>
+              <a:buChar char="●"/>
+            </a:pPr>
+            <a:r>
+              <a:rPr lang="en" sz="1600"/>
+              <a:t>bekijk log</a:t>
+            </a:r>
+            <a:endParaRPr sz="1600"/>
+          </a:p>
+          <a:p>
+            <a:pPr indent="-330200" lvl="0" marL="457200" rtl="0" algn="l">
+              <a:spcBef>
+                <a:spcPts val="0"/>
+              </a:spcBef>
+              <a:spcAft>
+                <a:spcPts val="0"/>
+              </a:spcAft>
+              <a:buSzPts val="1600"/>
+              <a:buChar char="●"/>
+            </a:pPr>
+            <a:r>
+              <a:rPr lang="en" sz="1600"/>
+              <a:t>checkout develop</a:t>
+            </a:r>
+            <a:endParaRPr sz="1600"/>
+          </a:p>
+          <a:p>
+            <a:pPr indent="-330200" lvl="0" marL="457200" rtl="0" algn="l">
+              <a:spcBef>
+                <a:spcPts val="0"/>
+              </a:spcBef>
+              <a:spcAft>
+                <a:spcPts val="0"/>
+              </a:spcAft>
+              <a:buSzPts val="1600"/>
+              <a:buChar char="●"/>
+            </a:pPr>
+            <a:r>
+              <a:rPr lang="en" sz="1600"/>
+              <a:t>merge master in develop(fast-forward)</a:t>
+            </a:r>
+            <a:endParaRPr sz="1600"/>
+          </a:p>
+          <a:p>
+            <a:pPr indent="-330200" lvl="0" marL="457200" rtl="0" algn="l">
+              <a:spcBef>
+                <a:spcPts val="0"/>
+              </a:spcBef>
+              <a:spcAft>
+                <a:spcPts val="0"/>
+              </a:spcAft>
+              <a:buSzPts val="1600"/>
+              <a:buChar char="●"/>
+            </a:pPr>
+            <a:r>
+              <a:rPr lang="en" sz="1600"/>
+              <a:t>bekijk log</a:t>
+            </a:r>
+            <a:endParaRPr sz="1600"/>
+          </a:p>
+          <a:p>
+            <a:pPr indent="-330200" lvl="0" marL="457200" rtl="0" algn="l">
+              <a:spcBef>
+                <a:spcPts val="0"/>
+              </a:spcBef>
+              <a:spcAft>
+                <a:spcPts val="0"/>
+              </a:spcAft>
+              <a:buSzPts val="1600"/>
+              <a:buChar char="●"/>
+            </a:pPr>
+            <a:r>
+              <a:rPr lang="en" sz="1600"/>
+              <a:t>delete develop branch</a:t>
+            </a:r>
+            <a:endParaRPr sz="1600"/>
+          </a:p>
+        </p:txBody>
+      </p:sp>
+      <p:sp>
+        <p:nvSpPr>
+          <p:cNvPr id="91" name="Google Shape;91;p4"/>
+          <p:cNvSpPr txBox="1"/>
+          <p:nvPr/>
+        </p:nvSpPr>
+        <p:spPr>
+          <a:xfrm>
+            <a:off x="0" y="0"/>
+            <a:ext cx="9144000" cy="474000"/>
+          </a:xfrm>
+          <a:prstGeom prst="rect">
+            <a:avLst/>
+          </a:prstGeom>
+          <a:solidFill>
+            <a:srgbClr val="D9D9D9"/>
+          </a:solidFill>
+          <a:ln>
+            <a:noFill/>
+          </a:ln>
+        </p:spPr>
+        <p:txBody>
+          <a:bodyPr anchorCtr="0" anchor="t" bIns="91425" lIns="91425" spcFirstLastPara="1" rIns="91425" wrap="square" tIns="137150">
+            <a:noAutofit/>
+          </a:bodyPr>
+          <a:lstStyle/>
+          <a:p>
+            <a:pPr indent="0" lvl="0" marL="0" marR="0" rtl="0" algn="ctr">
+              <a:lnSpc>
+                <a:spcPct val="100000"/>
+              </a:lnSpc>
+              <a:spcBef>
+                <a:spcPts val="0"/>
+              </a:spcBef>
+              <a:spcAft>
+                <a:spcPts val="0"/>
+              </a:spcAft>
+              <a:buClr>
+                <a:srgbClr val="000000"/>
+              </a:buClr>
+              <a:buSzPts val="1400"/>
+              <a:buFont typeface="Arial"/>
+              <a:buNone/>
+            </a:pPr>
+            <a:r>
+              <a:rPr lang="en"/>
+              <a:t>4. Opdracht </a:t>
+            </a:r>
+            <a:r>
+              <a:rPr b="0" i="0" lang="en" sz="1400" u="none" cap="none" strike="noStrike">
+                <a:solidFill>
+                  <a:srgbClr val="000000"/>
+                </a:solidFill>
+                <a:latin typeface="Arial"/>
+                <a:ea typeface="Arial"/>
+                <a:cs typeface="Arial"/>
+                <a:sym typeface="Arial"/>
+              </a:rPr>
+              <a:t>MERGE</a:t>
+            </a:r>
+            <a:endParaRPr b="0" i="0" sz="1400" u="none" cap="none" strike="noStrike">
+              <a:solidFill>
+                <a:srgbClr val="000000"/>
+              </a:solidFill>
+              <a:latin typeface="Arial"/>
+              <a:ea typeface="Arial"/>
+              <a:cs typeface="Arial"/>
+              <a:sym typeface="Arial"/>
+            </a:endParaRPr>
+          </a:p>
+        </p:txBody>
+      </p:sp>
+    </p:spTree>
+  </p:cSld>
+  <p:clrMapOvr>
+    <a:masterClrMapping/>
+  </p:clrMapOvr>
+</p:sld>
+</file>
+
+<file path=ppt/slides/slide5.xml><?xml version="1.0" encoding="utf-8"?>
+<p:sld xmlns:a="http://schemas.openxmlformats.org/drawingml/2006/main" xmlns:r="http://schemas.openxmlformats.org/officeDocument/2006/relationships" xmlns:mc="http://schemas.openxmlformats.org/markup-compatibility/2006" xmlns:mv="urn:schemas-microsoft-com:mac:vml" xmlns:p="http://schemas.openxmlformats.org/presentationml/2006/main" xmlns:c="http://schemas.openxmlformats.org/drawingml/2006/chart" xmlns:dgm="http://schemas.openxmlformats.org/drawingml/2006/diagram" xmlns:o="urn:schemas-microsoft-com:office:office" xmlns:v="urn:schemas-microsoft-com:vml" xmlns:pvml="urn:schemas-microsoft-com:office:powerpoint" xmlns:com="http://schemas.openxmlformats.org/drawingml/2006/compatibility" xmlns:p14="http://schemas.microsoft.com/office/powerpoint/2010/main" xmlns:p15="http://schemas.microsoft.com/office/powerpoint/2012/main">
+  <p:cSld>
+    <p:spTree>
+      <p:nvGrpSpPr>
+        <p:cNvPr id="95" name="Shape 95"/>
+        <p:cNvGrpSpPr/>
+        <p:nvPr/>
+      </p:nvGrpSpPr>
+      <p:grpSpPr>
+        <a:xfrm>
+          <a:off x="0" y="0"/>
+          <a:ext cx="0" cy="0"/>
+          <a:chOff x="0" y="0"/>
+          <a:chExt cx="0" cy="0"/>
+        </a:xfrm>
+      </p:grpSpPr>
+      <p:sp>
+        <p:nvSpPr>
+          <p:cNvPr id="96" name="Google Shape;96;g7052a85339_0_0"/>
           <p:cNvSpPr/>
           <p:nvPr/>
         </p:nvSpPr>
         <p:spPr>
           <a:xfrm>
-            <a:off x="2852928" y="1828800"/>
+            <a:off x="1458820" y="914400"/>
             <a:ext cx="183000" cy="182100"/>
           </a:xfrm>
           <a:prstGeom prst="ellipse">
@@ -11873,25 +15839,33 @@
       </p:sp>
       <p:sp>
         <p:nvSpPr>
-          <p:cNvPr id="109" name="Google Shape;109;p5"/>
-          <p:cNvSpPr txBox="1"/>
+          <p:cNvPr id="97" name="Google Shape;97;g7052a85339_0_0"/>
+          <p:cNvSpPr/>
           <p:nvPr/>
         </p:nvSpPr>
         <p:spPr>
           <a:xfrm>
-            <a:off x="3568700" y="1325550"/>
-            <a:ext cx="1097400" cy="274200"/>
+            <a:off x="1839820" y="1371600"/>
+            <a:ext cx="183000" cy="182100"/>
           </a:xfrm>
-          <a:prstGeom prst="rect">
+          <a:prstGeom prst="ellipse">
             <a:avLst/>
           </a:prstGeom>
-          <a:noFill/>
-          <a:ln>
-            <a:noFill/>
+          <a:solidFill>
+            <a:schemeClr val="lt2"/>
+          </a:solidFill>
+          <a:ln cap="flat" cmpd="sng" w="9525">
+            <a:solidFill>
+              <a:schemeClr val="dk2"/>
+            </a:solidFill>
+            <a:prstDash val="solid"/>
+            <a:round/>
+            <a:headEnd len="sm" w="sm" type="none"/>
+            <a:tailEnd len="sm" w="sm" type="none"/>
           </a:ln>
         </p:spPr>
         <p:txBody>
-          <a:bodyPr anchorCtr="0" anchor="t" bIns="0" lIns="0" spcFirstLastPara="1" rIns="0" wrap="square" tIns="0">
+          <a:bodyPr anchorCtr="0" anchor="ctr" bIns="91425" lIns="91425" spcFirstLastPara="1" rIns="91425" wrap="square" tIns="91425">
             <a:noAutofit/>
           </a:bodyPr>
           <a:lstStyle/>
@@ -11914,16 +15888,7 @@
               <a:buNone/>
             </a:pPr>
             <a:r>
-              <a:rPr b="0" i="0" lang="en" sz="1400" u="none" cap="none" strike="noStrike">
-                <a:solidFill>
-                  <a:srgbClr val="000000"/>
-                </a:solidFill>
-                <a:latin typeface="Arial"/>
-                <a:ea typeface="Arial"/>
-                <a:cs typeface="Arial"/>
-                <a:sym typeface="Arial"/>
-              </a:rPr>
-              <a:t>Wijziging 1</a:t>
+              <a:t/>
             </a:r>
             <a:endParaRPr b="0" i="0" sz="1400" u="none" cap="none" strike="noStrike">
               <a:solidFill>
@@ -11937,145 +15902,19 @@
           </a:p>
         </p:txBody>
       </p:sp>
-      <p:sp>
-        <p:nvSpPr>
-          <p:cNvPr id="110" name="Google Shape;110;p5"/>
-          <p:cNvSpPr txBox="1"/>
-          <p:nvPr/>
-        </p:nvSpPr>
-        <p:spPr>
-          <a:xfrm>
-            <a:off x="3568700" y="1782750"/>
-            <a:ext cx="1097400" cy="274200"/>
-          </a:xfrm>
-          <a:prstGeom prst="rect">
-            <a:avLst/>
-          </a:prstGeom>
-          <a:noFill/>
-          <a:ln>
-            <a:noFill/>
-          </a:ln>
-        </p:spPr>
-        <p:txBody>
-          <a:bodyPr anchorCtr="0" anchor="t" bIns="0" lIns="0" spcFirstLastPara="1" rIns="0" wrap="square" tIns="0">
-            <a:noAutofit/>
-          </a:bodyPr>
-          <a:lstStyle/>
-          <a:p>
-            <a:pPr indent="0" lvl="0" marL="0" marR="0" rtl="0" algn="l">
-              <a:lnSpc>
-                <a:spcPct val="100000"/>
-              </a:lnSpc>
-              <a:spcBef>
-                <a:spcPts val="0"/>
-              </a:spcBef>
-              <a:spcAft>
-                <a:spcPts val="0"/>
-              </a:spcAft>
-              <a:buClr>
-                <a:srgbClr val="000000"/>
-              </a:buClr>
-              <a:buSzPts val="1400"/>
-              <a:buFont typeface="Arial"/>
-              <a:buNone/>
-            </a:pPr>
-            <a:r>
-              <a:rPr b="0" i="0" lang="en" sz="1400" u="none" cap="none" strike="noStrike">
-                <a:solidFill>
-                  <a:srgbClr val="000000"/>
-                </a:solidFill>
-                <a:latin typeface="Arial"/>
-                <a:ea typeface="Arial"/>
-                <a:cs typeface="Arial"/>
-                <a:sym typeface="Arial"/>
-              </a:rPr>
-              <a:t>Wijziging 2</a:t>
-            </a:r>
-            <a:endParaRPr b="0" i="0" sz="1400" u="none" cap="none" strike="noStrike">
-              <a:solidFill>
-                <a:srgbClr val="000000"/>
-              </a:solidFill>
-              <a:latin typeface="Arial"/>
-              <a:ea typeface="Arial"/>
-              <a:cs typeface="Arial"/>
-              <a:sym typeface="Arial"/>
-            </a:endParaRPr>
-          </a:p>
-        </p:txBody>
-      </p:sp>
-      <p:sp>
-        <p:nvSpPr>
-          <p:cNvPr id="111" name="Google Shape;111;p5"/>
-          <p:cNvSpPr txBox="1"/>
-          <p:nvPr/>
-        </p:nvSpPr>
-        <p:spPr>
-          <a:xfrm>
-            <a:off x="2201350" y="1828800"/>
-            <a:ext cx="479700" cy="182100"/>
-          </a:xfrm>
-          <a:prstGeom prst="rect">
-            <a:avLst/>
-          </a:prstGeom>
-          <a:solidFill>
-            <a:srgbClr val="DD7E6B"/>
-          </a:solidFill>
-          <a:ln>
-            <a:noFill/>
-          </a:ln>
-        </p:spPr>
-        <p:txBody>
-          <a:bodyPr anchorCtr="0" anchor="t" bIns="0" lIns="0" spcFirstLastPara="1" rIns="0" wrap="square" tIns="0">
-            <a:noAutofit/>
-          </a:bodyPr>
-          <a:lstStyle/>
-          <a:p>
-            <a:pPr indent="0" lvl="0" marL="0" marR="0" rtl="0" algn="ctr">
-              <a:lnSpc>
-                <a:spcPct val="100000"/>
-              </a:lnSpc>
-              <a:spcBef>
-                <a:spcPts val="0"/>
-              </a:spcBef>
-              <a:spcAft>
-                <a:spcPts val="0"/>
-              </a:spcAft>
-              <a:buClr>
-                <a:srgbClr val="000000"/>
-              </a:buClr>
-              <a:buSzPts val="900"/>
-              <a:buFont typeface="Arial"/>
-              <a:buNone/>
-            </a:pPr>
-            <a:r>
-              <a:rPr b="1" i="0" lang="en" sz="900" u="none" cap="none" strike="noStrike">
-                <a:solidFill>
-                  <a:srgbClr val="000000"/>
-                </a:solidFill>
-              </a:rPr>
-              <a:t>master</a:t>
-            </a:r>
-            <a:endParaRPr b="1" i="0" sz="900" u="none" cap="none" strike="noStrike">
-              <a:solidFill>
-                <a:srgbClr val="000000"/>
-              </a:solidFill>
-            </a:endParaRPr>
-          </a:p>
-        </p:txBody>
-      </p:sp>
       <p:cxnSp>
         <p:nvCxnSpPr>
-          <p:cNvPr id="112" name="Google Shape;112;p5"/>
+          <p:cNvPr id="98" name="Google Shape;98;g7052a85339_0_0"/>
           <p:cNvCxnSpPr>
-            <a:stCxn id="104" idx="4"/>
-            <a:endCxn id="108" idx="0"/>
+            <a:stCxn id="96" idx="5"/>
+            <a:endCxn id="97" idx="1"/>
           </p:cNvCxnSpPr>
           <p:nvPr/>
         </p:nvCxnSpPr>
         <p:spPr>
           <a:xfrm>
-            <a:off x="2943950" y="1096500"/>
-            <a:ext cx="600" cy="732300"/>
+            <a:off x="1615020" y="1069832"/>
+            <a:ext cx="251700" cy="328500"/>
           </a:xfrm>
           <a:prstGeom prst="straightConnector1">
             <a:avLst/>
@@ -12094,13 +15933,213 @@
       </p:cxnSp>
       <p:sp>
         <p:nvSpPr>
-          <p:cNvPr id="113" name="Google Shape;113;p5"/>
+          <p:cNvPr id="99" name="Google Shape;99;g7052a85339_0_0"/>
           <p:cNvSpPr txBox="1"/>
           <p:nvPr/>
         </p:nvSpPr>
         <p:spPr>
           <a:xfrm>
-            <a:off x="1667950" y="1371600"/>
+            <a:off x="2175070" y="868350"/>
+            <a:ext cx="1097400" cy="274200"/>
+          </a:xfrm>
+          <a:prstGeom prst="rect">
+            <a:avLst/>
+          </a:prstGeom>
+          <a:noFill/>
+          <a:ln>
+            <a:noFill/>
+          </a:ln>
+        </p:spPr>
+        <p:txBody>
+          <a:bodyPr anchorCtr="0" anchor="t" bIns="0" lIns="0" spcFirstLastPara="1" rIns="0" wrap="square" tIns="0">
+            <a:noAutofit/>
+          </a:bodyPr>
+          <a:lstStyle/>
+          <a:p>
+            <a:pPr indent="0" lvl="0" marL="0" marR="0" rtl="0" algn="l">
+              <a:lnSpc>
+                <a:spcPct val="100000"/>
+              </a:lnSpc>
+              <a:spcBef>
+                <a:spcPts val="0"/>
+              </a:spcBef>
+              <a:spcAft>
+                <a:spcPts val="0"/>
+              </a:spcAft>
+              <a:buClr>
+                <a:srgbClr val="000000"/>
+              </a:buClr>
+              <a:buSzPts val="1400"/>
+              <a:buFont typeface="Arial"/>
+              <a:buNone/>
+            </a:pPr>
+            <a:r>
+              <a:rPr b="0" i="0" lang="en" sz="1400" u="none" cap="none" strike="noStrike">
+                <a:solidFill>
+                  <a:srgbClr val="000000"/>
+                </a:solidFill>
+                <a:latin typeface="Arial"/>
+                <a:ea typeface="Arial"/>
+                <a:cs typeface="Arial"/>
+                <a:sym typeface="Arial"/>
+              </a:rPr>
+              <a:t>Initial commit</a:t>
+            </a:r>
+            <a:endParaRPr b="0" i="0" sz="1400" u="none" cap="none" strike="noStrike">
+              <a:solidFill>
+                <a:srgbClr val="000000"/>
+              </a:solidFill>
+              <a:latin typeface="Arial"/>
+              <a:ea typeface="Arial"/>
+              <a:cs typeface="Arial"/>
+              <a:sym typeface="Arial"/>
+            </a:endParaRPr>
+          </a:p>
+        </p:txBody>
+      </p:sp>
+      <p:sp>
+        <p:nvSpPr>
+          <p:cNvPr id="100" name="Google Shape;100;g7052a85339_0_0"/>
+          <p:cNvSpPr txBox="1"/>
+          <p:nvPr/>
+        </p:nvSpPr>
+        <p:spPr>
+          <a:xfrm>
+            <a:off x="2175070" y="1325550"/>
+            <a:ext cx="1097400" cy="274200"/>
+          </a:xfrm>
+          <a:prstGeom prst="rect">
+            <a:avLst/>
+          </a:prstGeom>
+          <a:noFill/>
+          <a:ln>
+            <a:noFill/>
+          </a:ln>
+        </p:spPr>
+        <p:txBody>
+          <a:bodyPr anchorCtr="0" anchor="t" bIns="0" lIns="0" spcFirstLastPara="1" rIns="0" wrap="square" tIns="0">
+            <a:noAutofit/>
+          </a:bodyPr>
+          <a:lstStyle/>
+          <a:p>
+            <a:pPr indent="0" lvl="0" marL="0" marR="0" rtl="0" algn="l">
+              <a:lnSpc>
+                <a:spcPct val="100000"/>
+              </a:lnSpc>
+              <a:spcBef>
+                <a:spcPts val="0"/>
+              </a:spcBef>
+              <a:spcAft>
+                <a:spcPts val="0"/>
+              </a:spcAft>
+              <a:buClr>
+                <a:srgbClr val="000000"/>
+              </a:buClr>
+              <a:buSzPts val="1400"/>
+              <a:buFont typeface="Arial"/>
+              <a:buNone/>
+            </a:pPr>
+            <a:r>
+              <a:rPr b="0" i="0" lang="en" sz="1400" u="none" cap="none" strike="noStrike">
+                <a:solidFill>
+                  <a:srgbClr val="000000"/>
+                </a:solidFill>
+                <a:latin typeface="Arial"/>
+                <a:ea typeface="Arial"/>
+                <a:cs typeface="Arial"/>
+                <a:sym typeface="Arial"/>
+              </a:rPr>
+              <a:t>Wijziging 1</a:t>
+            </a:r>
+            <a:endParaRPr b="0" i="0" sz="1400" u="none" cap="none" strike="noStrike">
+              <a:solidFill>
+                <a:srgbClr val="000000"/>
+              </a:solidFill>
+              <a:latin typeface="Arial"/>
+              <a:ea typeface="Arial"/>
+              <a:cs typeface="Arial"/>
+              <a:sym typeface="Arial"/>
+            </a:endParaRPr>
+          </a:p>
+        </p:txBody>
+      </p:sp>
+      <p:sp>
+        <p:nvSpPr>
+          <p:cNvPr id="101" name="Google Shape;101;g7052a85339_0_0"/>
+          <p:cNvSpPr txBox="1"/>
+          <p:nvPr/>
+        </p:nvSpPr>
+        <p:spPr>
+          <a:xfrm>
+            <a:off x="807720" y="914400"/>
+            <a:ext cx="479700" cy="182100"/>
+          </a:xfrm>
+          <a:prstGeom prst="rect">
+            <a:avLst/>
+          </a:prstGeom>
+          <a:solidFill>
+            <a:srgbClr val="DD7E6B"/>
+          </a:solidFill>
+          <a:ln>
+            <a:noFill/>
+          </a:ln>
+        </p:spPr>
+        <p:txBody>
+          <a:bodyPr anchorCtr="0" anchor="t" bIns="0" lIns="0" spcFirstLastPara="1" rIns="0" wrap="square" tIns="0">
+            <a:noAutofit/>
+          </a:bodyPr>
+          <a:lstStyle/>
+          <a:p>
+            <a:pPr indent="0" lvl="0" marL="0" marR="0" rtl="0" algn="ctr">
+              <a:lnSpc>
+                <a:spcPct val="100000"/>
+              </a:lnSpc>
+              <a:spcBef>
+                <a:spcPts val="0"/>
+              </a:spcBef>
+              <a:spcAft>
+                <a:spcPts val="0"/>
+              </a:spcAft>
+              <a:buClr>
+                <a:srgbClr val="000000"/>
+              </a:buClr>
+              <a:buSzPts val="900"/>
+              <a:buFont typeface="Arial"/>
+              <a:buNone/>
+            </a:pPr>
+            <a:r>
+              <a:rPr b="1" i="0" lang="en" sz="900" u="none" cap="none" strike="noStrike">
+                <a:solidFill>
+                  <a:srgbClr val="000000"/>
+                </a:solidFill>
+                <a:latin typeface="Arial"/>
+                <a:ea typeface="Arial"/>
+                <a:cs typeface="Arial"/>
+                <a:sym typeface="Arial"/>
+              </a:rPr>
+              <a:t>master</a:t>
+            </a:r>
+            <a:endParaRPr b="1" i="0" sz="900" u="none" cap="none" strike="noStrike">
+              <a:solidFill>
+                <a:srgbClr val="000000"/>
+              </a:solidFill>
+              <a:latin typeface="Arial"/>
+              <a:ea typeface="Arial"/>
+              <a:cs typeface="Arial"/>
+              <a:sym typeface="Arial"/>
+            </a:endParaRPr>
+          </a:p>
+        </p:txBody>
+      </p:sp>
+      <p:sp>
+        <p:nvSpPr>
+          <p:cNvPr id="102" name="Google Shape;102;g7052a85339_0_0"/>
+          <p:cNvSpPr txBox="1"/>
+          <p:nvPr/>
+        </p:nvSpPr>
+        <p:spPr>
+          <a:xfrm>
+            <a:off x="274320" y="1371600"/>
             <a:ext cx="479700" cy="182100"/>
           </a:xfrm>
           <a:prstGeom prst="rect">
@@ -12137,24 +16176,290 @@
               <a:buNone/>
             </a:pPr>
             <a:r>
-              <a:rPr i="0" lang="en" sz="900" u="none" cap="none" strike="noStrike">
+              <a:rPr b="0" i="0" lang="en" sz="900" u="none" cap="none" strike="noStrike">
                 <a:solidFill>
                   <a:srgbClr val="000000"/>
                 </a:solidFill>
+                <a:latin typeface="Arial"/>
+                <a:ea typeface="Arial"/>
+                <a:cs typeface="Arial"/>
+                <a:sym typeface="Arial"/>
               </a:rPr>
               <a:t>develop</a:t>
             </a:r>
-            <a:endParaRPr i="0" sz="900" u="none" cap="none" strike="noStrike">
+            <a:endParaRPr b="0" i="0" sz="900" u="none" cap="none" strike="noStrike">
               <a:solidFill>
                 <a:srgbClr val="000000"/>
               </a:solidFill>
+              <a:latin typeface="Arial"/>
+              <a:ea typeface="Arial"/>
+              <a:cs typeface="Arial"/>
+              <a:sym typeface="Arial"/>
             </a:endParaRPr>
           </a:p>
         </p:txBody>
       </p:sp>
       <p:sp>
         <p:nvSpPr>
-          <p:cNvPr id="114" name="Google Shape;114;p5"/>
+          <p:cNvPr id="103" name="Google Shape;103;g7052a85339_0_0"/>
+          <p:cNvSpPr txBox="1"/>
+          <p:nvPr/>
+        </p:nvSpPr>
+        <p:spPr>
+          <a:xfrm>
+            <a:off x="3621025" y="740675"/>
+            <a:ext cx="5523000" cy="3348600"/>
+          </a:xfrm>
+          <a:prstGeom prst="rect">
+            <a:avLst/>
+          </a:prstGeom>
+          <a:noFill/>
+          <a:ln>
+            <a:noFill/>
+          </a:ln>
+        </p:spPr>
+        <p:txBody>
+          <a:bodyPr anchorCtr="0" anchor="t" bIns="91425" lIns="91425" spcFirstLastPara="1" rIns="91425" wrap="square" tIns="91425">
+            <a:noAutofit/>
+          </a:bodyPr>
+          <a:lstStyle/>
+          <a:p>
+            <a:pPr indent="-330200" lvl="0" marL="457200" rtl="0" algn="l">
+              <a:spcBef>
+                <a:spcPts val="0"/>
+              </a:spcBef>
+              <a:spcAft>
+                <a:spcPts val="0"/>
+              </a:spcAft>
+              <a:buSzPts val="1600"/>
+              <a:buChar char="●"/>
+            </a:pPr>
+            <a:r>
+              <a:rPr lang="en" sz="1600"/>
+              <a:t>maak initial commit</a:t>
+            </a:r>
+            <a:endParaRPr sz="1600"/>
+          </a:p>
+          <a:p>
+            <a:pPr indent="-330200" lvl="0" marL="457200" rtl="0" algn="l">
+              <a:spcBef>
+                <a:spcPts val="0"/>
+              </a:spcBef>
+              <a:spcAft>
+                <a:spcPts val="0"/>
+              </a:spcAft>
+              <a:buSzPts val="1600"/>
+              <a:buChar char="●"/>
+            </a:pPr>
+            <a:r>
+              <a:rPr lang="en" sz="1600"/>
+              <a:t>maak nieuwe branch develop</a:t>
+            </a:r>
+            <a:endParaRPr sz="1600"/>
+          </a:p>
+          <a:p>
+            <a:pPr indent="-330200" lvl="0" marL="457200" rtl="0" algn="l">
+              <a:spcBef>
+                <a:spcPts val="0"/>
+              </a:spcBef>
+              <a:spcAft>
+                <a:spcPts val="0"/>
+              </a:spcAft>
+              <a:buSzPts val="1600"/>
+              <a:buChar char="●"/>
+            </a:pPr>
+            <a:r>
+              <a:rPr lang="en" sz="1600"/>
+              <a:t>checkout develop</a:t>
+            </a:r>
+            <a:endParaRPr sz="1600"/>
+          </a:p>
+          <a:p>
+            <a:pPr indent="-330200" lvl="0" marL="457200" rtl="0" algn="l">
+              <a:spcBef>
+                <a:spcPts val="0"/>
+              </a:spcBef>
+              <a:spcAft>
+                <a:spcPts val="0"/>
+              </a:spcAft>
+              <a:buSzPts val="1600"/>
+              <a:buChar char="●"/>
+            </a:pPr>
+            <a:r>
+              <a:rPr lang="en" sz="1600"/>
+              <a:t>maak wijziging en commit</a:t>
+            </a:r>
+            <a:endParaRPr sz="1600"/>
+          </a:p>
+          <a:p>
+            <a:pPr indent="-330200" lvl="0" marL="457200" rtl="0" algn="l">
+              <a:spcBef>
+                <a:spcPts val="0"/>
+              </a:spcBef>
+              <a:spcAft>
+                <a:spcPts val="0"/>
+              </a:spcAft>
+              <a:buSzPts val="1600"/>
+              <a:buChar char="●"/>
+            </a:pPr>
+            <a:r>
+              <a:rPr lang="en" sz="1600"/>
+              <a:t>checkout master</a:t>
+            </a:r>
+            <a:endParaRPr sz="1600"/>
+          </a:p>
+          <a:p>
+            <a:pPr indent="-330200" lvl="0" marL="457200" rtl="0" algn="l">
+              <a:spcBef>
+                <a:spcPts val="0"/>
+              </a:spcBef>
+              <a:spcAft>
+                <a:spcPts val="0"/>
+              </a:spcAft>
+              <a:buClr>
+                <a:schemeClr val="dk1"/>
+              </a:buClr>
+              <a:buSzPts val="1600"/>
+              <a:buChar char="●"/>
+            </a:pPr>
+            <a:r>
+              <a:rPr lang="en" sz="1600">
+                <a:solidFill>
+                  <a:schemeClr val="dk1"/>
+                </a:solidFill>
+              </a:rPr>
+              <a:t>maak wijziging en commit</a:t>
+            </a:r>
+            <a:endParaRPr sz="1600">
+              <a:solidFill>
+                <a:schemeClr val="dk1"/>
+              </a:solidFill>
+            </a:endParaRPr>
+          </a:p>
+          <a:p>
+            <a:pPr indent="-330200" lvl="0" marL="457200" rtl="0" algn="l">
+              <a:spcBef>
+                <a:spcPts val="0"/>
+              </a:spcBef>
+              <a:spcAft>
+                <a:spcPts val="0"/>
+              </a:spcAft>
+              <a:buSzPts val="1600"/>
+              <a:buChar char="●"/>
+            </a:pPr>
+            <a:r>
+              <a:rPr lang="en" sz="1600"/>
+              <a:t>merge develop in master</a:t>
+            </a:r>
+            <a:endParaRPr sz="1600"/>
+          </a:p>
+          <a:p>
+            <a:pPr indent="-330200" lvl="0" marL="457200" rtl="0" algn="l">
+              <a:spcBef>
+                <a:spcPts val="0"/>
+              </a:spcBef>
+              <a:spcAft>
+                <a:spcPts val="0"/>
+              </a:spcAft>
+              <a:buSzPts val="1600"/>
+              <a:buChar char="●"/>
+            </a:pPr>
+            <a:r>
+              <a:rPr lang="en" sz="1600"/>
+              <a:t>los conflict op en commit</a:t>
+            </a:r>
+            <a:endParaRPr sz="1600"/>
+          </a:p>
+          <a:p>
+            <a:pPr indent="-330200" lvl="0" marL="457200" rtl="0" algn="l">
+              <a:spcBef>
+                <a:spcPts val="0"/>
+              </a:spcBef>
+              <a:spcAft>
+                <a:spcPts val="0"/>
+              </a:spcAft>
+              <a:buSzPts val="1600"/>
+              <a:buChar char="●"/>
+            </a:pPr>
+            <a:r>
+              <a:rPr lang="en" sz="1600"/>
+              <a:t>bekijk log</a:t>
+            </a:r>
+            <a:endParaRPr sz="1600"/>
+          </a:p>
+          <a:p>
+            <a:pPr indent="-330200" lvl="0" marL="457200" rtl="0" algn="l">
+              <a:spcBef>
+                <a:spcPts val="0"/>
+              </a:spcBef>
+              <a:spcAft>
+                <a:spcPts val="0"/>
+              </a:spcAft>
+              <a:buSzPts val="1600"/>
+              <a:buChar char="●"/>
+            </a:pPr>
+            <a:r>
+              <a:rPr lang="en" sz="1600"/>
+              <a:t>checkout develop</a:t>
+            </a:r>
+            <a:endParaRPr sz="1600"/>
+          </a:p>
+          <a:p>
+            <a:pPr indent="-330200" lvl="0" marL="457200" rtl="0" algn="l">
+              <a:spcBef>
+                <a:spcPts val="0"/>
+              </a:spcBef>
+              <a:spcAft>
+                <a:spcPts val="0"/>
+              </a:spcAft>
+              <a:buSzPts val="1600"/>
+              <a:buChar char="●"/>
+            </a:pPr>
+            <a:r>
+              <a:rPr lang="en" sz="1600"/>
+              <a:t>merge master in develop(fast-forward)</a:t>
+            </a:r>
+            <a:endParaRPr sz="1600"/>
+          </a:p>
+          <a:p>
+            <a:pPr indent="-330200" lvl="0" marL="457200" rtl="0" algn="l">
+              <a:spcBef>
+                <a:spcPts val="0"/>
+              </a:spcBef>
+              <a:spcAft>
+                <a:spcPts val="0"/>
+              </a:spcAft>
+              <a:buSzPts val="1600"/>
+              <a:buChar char="●"/>
+            </a:pPr>
+            <a:r>
+              <a:rPr lang="en" sz="1600"/>
+              <a:t>bekijk log</a:t>
+            </a:r>
+            <a:endParaRPr sz="1600"/>
+          </a:p>
+          <a:p>
+            <a:pPr indent="-330200" lvl="0" marL="457200" rtl="0" algn="l">
+              <a:spcBef>
+                <a:spcPts val="0"/>
+              </a:spcBef>
+              <a:spcAft>
+                <a:spcPts val="0"/>
+              </a:spcAft>
+              <a:buSzPts val="1600"/>
+              <a:buChar char="●"/>
+            </a:pPr>
+            <a:r>
+              <a:rPr lang="en" sz="1600"/>
+              <a:t>delete develop branch</a:t>
+            </a:r>
+            <a:endParaRPr sz="1600"/>
+          </a:p>
+        </p:txBody>
+      </p:sp>
+      <p:sp>
+        <p:nvSpPr>
+          <p:cNvPr id="104" name="Google Shape;104;g7052a85339_0_0"/>
           <p:cNvSpPr txBox="1"/>
           <p:nvPr/>
         </p:nvSpPr>
@@ -12197,6 +16502,10 @@
               <a:buNone/>
             </a:pPr>
             <a:r>
+              <a:rPr lang="en"/>
+              <a:t>4. Opdracht </a:t>
+            </a:r>
+            <a:r>
               <a:rPr b="0" i="0" lang="en" sz="1400" u="none" cap="none" strike="noStrike">
                 <a:solidFill>
                   <a:srgbClr val="000000"/>
@@ -12228,12 +16537,12 @@
 </p:sld>
 </file>
 
-<file path=ppt/slides/slide7.xml><?xml version="1.0" encoding="utf-8"?>
+<file path=ppt/slides/slide6.xml><?xml version="1.0" encoding="utf-8"?>
 <p:sld xmlns:a="http://schemas.openxmlformats.org/drawingml/2006/main" xmlns:r="http://schemas.openxmlformats.org/officeDocument/2006/relationships" xmlns:mc="http://schemas.openxmlformats.org/markup-compatibility/2006" xmlns:mv="urn:schemas-microsoft-com:mac:vml" xmlns:p="http://schemas.openxmlformats.org/presentationml/2006/main" xmlns:c="http://schemas.openxmlformats.org/drawingml/2006/chart" xmlns:dgm="http://schemas.openxmlformats.org/drawingml/2006/diagram" xmlns:o="urn:schemas-microsoft-com:office:office" xmlns:v="urn:schemas-microsoft-com:vml" xmlns:pvml="urn:schemas-microsoft-com:office:powerpoint" xmlns:com="http://schemas.openxmlformats.org/drawingml/2006/compatibility" xmlns:p14="http://schemas.microsoft.com/office/powerpoint/2010/main" xmlns:p15="http://schemas.microsoft.com/office/powerpoint/2012/main">
   <p:cSld>
     <p:spTree>
       <p:nvGrpSpPr>
-        <p:cNvPr id="118" name="Shape 118"/>
+        <p:cNvPr id="108" name="Shape 108"/>
         <p:cNvGrpSpPr/>
         <p:nvPr/>
       </p:nvGrpSpPr>
@@ -12247,13 +16556,13 @@
       </p:grpSpPr>
       <p:sp>
         <p:nvSpPr>
-          <p:cNvPr id="119" name="Google Shape;119;g7052a85339_0_11"/>
+          <p:cNvPr id="109" name="Google Shape;109;p5"/>
           <p:cNvSpPr/>
           <p:nvPr/>
         </p:nvSpPr>
         <p:spPr>
           <a:xfrm>
-            <a:off x="2852450" y="914400"/>
+            <a:off x="1458820" y="914400"/>
             <a:ext cx="183000" cy="182100"/>
           </a:xfrm>
           <a:prstGeom prst="ellipse">
@@ -12312,13 +16621,13 @@
       </p:sp>
       <p:sp>
         <p:nvSpPr>
-          <p:cNvPr id="120" name="Google Shape;120;g7052a85339_0_11"/>
+          <p:cNvPr id="110" name="Google Shape;110;p5"/>
           <p:cNvSpPr/>
           <p:nvPr/>
         </p:nvSpPr>
         <p:spPr>
           <a:xfrm>
-            <a:off x="3233450" y="1371600"/>
+            <a:off x="1839820" y="1371600"/>
             <a:ext cx="183000" cy="182100"/>
           </a:xfrm>
           <a:prstGeom prst="ellipse">
@@ -12377,16 +16686,16 @@
       </p:sp>
       <p:cxnSp>
         <p:nvCxnSpPr>
-          <p:cNvPr id="121" name="Google Shape;121;g7052a85339_0_11"/>
+          <p:cNvPr id="111" name="Google Shape;111;p5"/>
           <p:cNvCxnSpPr>
-            <a:stCxn id="119" idx="5"/>
-            <a:endCxn id="120" idx="1"/>
+            <a:stCxn id="109" idx="5"/>
+            <a:endCxn id="110" idx="1"/>
           </p:cNvCxnSpPr>
           <p:nvPr/>
         </p:nvCxnSpPr>
         <p:spPr>
           <a:xfrm>
-            <a:off x="3008650" y="1069832"/>
+            <a:off x="1615020" y="1069832"/>
             <a:ext cx="251700" cy="328500"/>
           </a:xfrm>
           <a:prstGeom prst="straightConnector1">
@@ -12406,13 +16715,13 @@
       </p:cxnSp>
       <p:sp>
         <p:nvSpPr>
-          <p:cNvPr id="122" name="Google Shape;122;g7052a85339_0_11"/>
+          <p:cNvPr id="112" name="Google Shape;112;p5"/>
           <p:cNvSpPr txBox="1"/>
           <p:nvPr/>
         </p:nvSpPr>
         <p:spPr>
           <a:xfrm>
-            <a:off x="3568700" y="868350"/>
+            <a:off x="2175070" y="868350"/>
             <a:ext cx="1097400" cy="274200"/>
           </a:xfrm>
           <a:prstGeom prst="rect">
@@ -12472,13 +16781,13 @@
       </p:sp>
       <p:sp>
         <p:nvSpPr>
-          <p:cNvPr id="123" name="Google Shape;123;g7052a85339_0_11"/>
+          <p:cNvPr id="113" name="Google Shape;113;p5"/>
           <p:cNvSpPr/>
           <p:nvPr/>
         </p:nvSpPr>
         <p:spPr>
           <a:xfrm>
-            <a:off x="2852928" y="1828800"/>
+            <a:off x="1459298" y="1828800"/>
             <a:ext cx="183000" cy="182100"/>
           </a:xfrm>
           <a:prstGeom prst="ellipse">
@@ -12537,13 +16846,13 @@
       </p:sp>
       <p:sp>
         <p:nvSpPr>
-          <p:cNvPr id="124" name="Google Shape;124;g7052a85339_0_11"/>
+          <p:cNvPr id="114" name="Google Shape;114;p5"/>
           <p:cNvSpPr txBox="1"/>
           <p:nvPr/>
         </p:nvSpPr>
         <p:spPr>
           <a:xfrm>
-            <a:off x="3568700" y="1325550"/>
+            <a:off x="2175070" y="1325550"/>
             <a:ext cx="1097400" cy="274200"/>
           </a:xfrm>
           <a:prstGeom prst="rect">
@@ -12603,13 +16912,13 @@
       </p:sp>
       <p:sp>
         <p:nvSpPr>
-          <p:cNvPr id="125" name="Google Shape;125;g7052a85339_0_11"/>
+          <p:cNvPr id="115" name="Google Shape;115;p5"/>
           <p:cNvSpPr txBox="1"/>
           <p:nvPr/>
         </p:nvSpPr>
         <p:spPr>
           <a:xfrm>
-            <a:off x="3568700" y="1782750"/>
+            <a:off x="2175070" y="1782750"/>
             <a:ext cx="1097400" cy="274200"/>
           </a:xfrm>
           <a:prstGeom prst="rect">
@@ -12669,13 +16978,13 @@
       </p:sp>
       <p:sp>
         <p:nvSpPr>
-          <p:cNvPr id="126" name="Google Shape;126;g7052a85339_0_11"/>
+          <p:cNvPr id="116" name="Google Shape;116;p5"/>
           <p:cNvSpPr txBox="1"/>
           <p:nvPr/>
         </p:nvSpPr>
         <p:spPr>
           <a:xfrm>
-            <a:off x="2201350" y="2286000"/>
+            <a:off x="807720" y="1828800"/>
             <a:ext cx="479700" cy="182100"/>
           </a:xfrm>
           <a:prstGeom prst="rect">
@@ -12716,6 +17025,10 @@
                 <a:solidFill>
                   <a:srgbClr val="000000"/>
                 </a:solidFill>
+                <a:latin typeface="Arial"/>
+                <a:ea typeface="Arial"/>
+                <a:cs typeface="Arial"/>
+                <a:sym typeface="Arial"/>
               </a:rPr>
               <a:t>master</a:t>
             </a:r>
@@ -12723,6 +17036,592 @@
               <a:solidFill>
                 <a:srgbClr val="000000"/>
               </a:solidFill>
+              <a:latin typeface="Arial"/>
+              <a:ea typeface="Arial"/>
+              <a:cs typeface="Arial"/>
+              <a:sym typeface="Arial"/>
+            </a:endParaRPr>
+          </a:p>
+        </p:txBody>
+      </p:sp>
+      <p:cxnSp>
+        <p:nvCxnSpPr>
+          <p:cNvPr id="117" name="Google Shape;117;p5"/>
+          <p:cNvCxnSpPr>
+            <a:stCxn id="109" idx="4"/>
+            <a:endCxn id="113" idx="0"/>
+          </p:cNvCxnSpPr>
+          <p:nvPr/>
+        </p:nvCxnSpPr>
+        <p:spPr>
+          <a:xfrm>
+            <a:off x="1550320" y="1096500"/>
+            <a:ext cx="600" cy="732300"/>
+          </a:xfrm>
+          <a:prstGeom prst="straightConnector1">
+            <a:avLst/>
+          </a:prstGeom>
+          <a:noFill/>
+          <a:ln cap="flat" cmpd="sng" w="9525">
+            <a:solidFill>
+              <a:schemeClr val="dk2"/>
+            </a:solidFill>
+            <a:prstDash val="solid"/>
+            <a:round/>
+            <a:headEnd len="sm" w="sm" type="none"/>
+            <a:tailEnd len="sm" w="sm" type="none"/>
+          </a:ln>
+        </p:spPr>
+      </p:cxnSp>
+      <p:sp>
+        <p:nvSpPr>
+          <p:cNvPr id="118" name="Google Shape;118;p5"/>
+          <p:cNvSpPr txBox="1"/>
+          <p:nvPr/>
+        </p:nvSpPr>
+        <p:spPr>
+          <a:xfrm>
+            <a:off x="274320" y="1371600"/>
+            <a:ext cx="479700" cy="182100"/>
+          </a:xfrm>
+          <a:prstGeom prst="rect">
+            <a:avLst/>
+          </a:prstGeom>
+          <a:solidFill>
+            <a:srgbClr val="3D85C6"/>
+          </a:solidFill>
+          <a:ln>
+            <a:noFill/>
+          </a:ln>
+        </p:spPr>
+        <p:txBody>
+          <a:bodyPr anchorCtr="0" anchor="t" bIns="0" lIns="0" spcFirstLastPara="1" rIns="0" wrap="square" tIns="0">
+            <a:noAutofit/>
+          </a:bodyPr>
+          <a:lstStyle/>
+          <a:p>
+            <a:pPr indent="0" lvl="0" marL="0" marR="0" rtl="0" algn="ctr">
+              <a:lnSpc>
+                <a:spcPct val="100000"/>
+              </a:lnSpc>
+              <a:spcBef>
+                <a:spcPts val="0"/>
+              </a:spcBef>
+              <a:spcAft>
+                <a:spcPts val="0"/>
+              </a:spcAft>
+              <a:buClr>
+                <a:srgbClr val="000000"/>
+              </a:buClr>
+              <a:buSzPts val="900"/>
+              <a:buFont typeface="Arial"/>
+              <a:buNone/>
+            </a:pPr>
+            <a:r>
+              <a:rPr b="0" i="0" lang="en" sz="900" u="none" cap="none" strike="noStrike">
+                <a:solidFill>
+                  <a:srgbClr val="000000"/>
+                </a:solidFill>
+                <a:latin typeface="Arial"/>
+                <a:ea typeface="Arial"/>
+                <a:cs typeface="Arial"/>
+                <a:sym typeface="Arial"/>
+              </a:rPr>
+              <a:t>develop</a:t>
+            </a:r>
+            <a:endParaRPr b="0" i="0" sz="900" u="none" cap="none" strike="noStrike">
+              <a:solidFill>
+                <a:srgbClr val="000000"/>
+              </a:solidFill>
+              <a:latin typeface="Arial"/>
+              <a:ea typeface="Arial"/>
+              <a:cs typeface="Arial"/>
+              <a:sym typeface="Arial"/>
+            </a:endParaRPr>
+          </a:p>
+        </p:txBody>
+      </p:sp>
+      <p:sp>
+        <p:nvSpPr>
+          <p:cNvPr id="119" name="Google Shape;119;p5"/>
+          <p:cNvSpPr txBox="1"/>
+          <p:nvPr/>
+        </p:nvSpPr>
+        <p:spPr>
+          <a:xfrm>
+            <a:off x="3621025" y="740675"/>
+            <a:ext cx="5523000" cy="3348600"/>
+          </a:xfrm>
+          <a:prstGeom prst="rect">
+            <a:avLst/>
+          </a:prstGeom>
+          <a:noFill/>
+          <a:ln>
+            <a:noFill/>
+          </a:ln>
+        </p:spPr>
+        <p:txBody>
+          <a:bodyPr anchorCtr="0" anchor="t" bIns="91425" lIns="91425" spcFirstLastPara="1" rIns="91425" wrap="square" tIns="91425">
+            <a:noAutofit/>
+          </a:bodyPr>
+          <a:lstStyle/>
+          <a:p>
+            <a:pPr indent="-330200" lvl="0" marL="457200" rtl="0" algn="l">
+              <a:spcBef>
+                <a:spcPts val="0"/>
+              </a:spcBef>
+              <a:spcAft>
+                <a:spcPts val="0"/>
+              </a:spcAft>
+              <a:buSzPts val="1600"/>
+              <a:buChar char="●"/>
+            </a:pPr>
+            <a:r>
+              <a:rPr lang="en" sz="1600"/>
+              <a:t>maak initial commit</a:t>
+            </a:r>
+            <a:endParaRPr sz="1600"/>
+          </a:p>
+          <a:p>
+            <a:pPr indent="-330200" lvl="0" marL="457200" rtl="0" algn="l">
+              <a:spcBef>
+                <a:spcPts val="0"/>
+              </a:spcBef>
+              <a:spcAft>
+                <a:spcPts val="0"/>
+              </a:spcAft>
+              <a:buSzPts val="1600"/>
+              <a:buChar char="●"/>
+            </a:pPr>
+            <a:r>
+              <a:rPr lang="en" sz="1600"/>
+              <a:t>maak nieuwe branch develop</a:t>
+            </a:r>
+            <a:endParaRPr sz="1600"/>
+          </a:p>
+          <a:p>
+            <a:pPr indent="-330200" lvl="0" marL="457200" rtl="0" algn="l">
+              <a:spcBef>
+                <a:spcPts val="0"/>
+              </a:spcBef>
+              <a:spcAft>
+                <a:spcPts val="0"/>
+              </a:spcAft>
+              <a:buSzPts val="1600"/>
+              <a:buChar char="●"/>
+            </a:pPr>
+            <a:r>
+              <a:rPr lang="en" sz="1600"/>
+              <a:t>checkout develop</a:t>
+            </a:r>
+            <a:endParaRPr sz="1600"/>
+          </a:p>
+          <a:p>
+            <a:pPr indent="-330200" lvl="0" marL="457200" rtl="0" algn="l">
+              <a:spcBef>
+                <a:spcPts val="0"/>
+              </a:spcBef>
+              <a:spcAft>
+                <a:spcPts val="0"/>
+              </a:spcAft>
+              <a:buSzPts val="1600"/>
+              <a:buChar char="●"/>
+            </a:pPr>
+            <a:r>
+              <a:rPr lang="en" sz="1600"/>
+              <a:t>maak wijziging en commit</a:t>
+            </a:r>
+            <a:endParaRPr sz="1600"/>
+          </a:p>
+          <a:p>
+            <a:pPr indent="-330200" lvl="0" marL="457200" rtl="0" algn="l">
+              <a:spcBef>
+                <a:spcPts val="0"/>
+              </a:spcBef>
+              <a:spcAft>
+                <a:spcPts val="0"/>
+              </a:spcAft>
+              <a:buSzPts val="1600"/>
+              <a:buChar char="●"/>
+            </a:pPr>
+            <a:r>
+              <a:rPr lang="en" sz="1600"/>
+              <a:t>checkout master</a:t>
+            </a:r>
+            <a:endParaRPr sz="1600"/>
+          </a:p>
+          <a:p>
+            <a:pPr indent="-330200" lvl="0" marL="457200" rtl="0" algn="l">
+              <a:spcBef>
+                <a:spcPts val="0"/>
+              </a:spcBef>
+              <a:spcAft>
+                <a:spcPts val="0"/>
+              </a:spcAft>
+              <a:buClr>
+                <a:schemeClr val="dk1"/>
+              </a:buClr>
+              <a:buSzPts val="1600"/>
+              <a:buChar char="●"/>
+            </a:pPr>
+            <a:r>
+              <a:rPr lang="en" sz="1600">
+                <a:solidFill>
+                  <a:schemeClr val="dk1"/>
+                </a:solidFill>
+              </a:rPr>
+              <a:t>maak wijziging en commit</a:t>
+            </a:r>
+            <a:endParaRPr sz="1600">
+              <a:solidFill>
+                <a:schemeClr val="dk1"/>
+              </a:solidFill>
+            </a:endParaRPr>
+          </a:p>
+          <a:p>
+            <a:pPr indent="-330200" lvl="0" marL="457200" rtl="0" algn="l">
+              <a:spcBef>
+                <a:spcPts val="0"/>
+              </a:spcBef>
+              <a:spcAft>
+                <a:spcPts val="0"/>
+              </a:spcAft>
+              <a:buSzPts val="1600"/>
+              <a:buChar char="●"/>
+            </a:pPr>
+            <a:r>
+              <a:rPr lang="en" sz="1600"/>
+              <a:t>merge develop in master</a:t>
+            </a:r>
+            <a:endParaRPr sz="1600"/>
+          </a:p>
+          <a:p>
+            <a:pPr indent="-330200" lvl="0" marL="457200" rtl="0" algn="l">
+              <a:spcBef>
+                <a:spcPts val="0"/>
+              </a:spcBef>
+              <a:spcAft>
+                <a:spcPts val="0"/>
+              </a:spcAft>
+              <a:buSzPts val="1600"/>
+              <a:buChar char="●"/>
+            </a:pPr>
+            <a:r>
+              <a:rPr lang="en" sz="1600"/>
+              <a:t>los conflict op en commit</a:t>
+            </a:r>
+            <a:endParaRPr sz="1600"/>
+          </a:p>
+          <a:p>
+            <a:pPr indent="-330200" lvl="0" marL="457200" rtl="0" algn="l">
+              <a:spcBef>
+                <a:spcPts val="0"/>
+              </a:spcBef>
+              <a:spcAft>
+                <a:spcPts val="0"/>
+              </a:spcAft>
+              <a:buSzPts val="1600"/>
+              <a:buChar char="●"/>
+            </a:pPr>
+            <a:r>
+              <a:rPr lang="en" sz="1600"/>
+              <a:t>bekijk log</a:t>
+            </a:r>
+            <a:endParaRPr sz="1600"/>
+          </a:p>
+          <a:p>
+            <a:pPr indent="-330200" lvl="0" marL="457200" rtl="0" algn="l">
+              <a:spcBef>
+                <a:spcPts val="0"/>
+              </a:spcBef>
+              <a:spcAft>
+                <a:spcPts val="0"/>
+              </a:spcAft>
+              <a:buSzPts val="1600"/>
+              <a:buChar char="●"/>
+            </a:pPr>
+            <a:r>
+              <a:rPr lang="en" sz="1600"/>
+              <a:t>checkout develop</a:t>
+            </a:r>
+            <a:endParaRPr sz="1600"/>
+          </a:p>
+          <a:p>
+            <a:pPr indent="-330200" lvl="0" marL="457200" rtl="0" algn="l">
+              <a:spcBef>
+                <a:spcPts val="0"/>
+              </a:spcBef>
+              <a:spcAft>
+                <a:spcPts val="0"/>
+              </a:spcAft>
+              <a:buSzPts val="1600"/>
+              <a:buChar char="●"/>
+            </a:pPr>
+            <a:r>
+              <a:rPr lang="en" sz="1600"/>
+              <a:t>merge master in develop(fast-forward)</a:t>
+            </a:r>
+            <a:endParaRPr sz="1600"/>
+          </a:p>
+          <a:p>
+            <a:pPr indent="-330200" lvl="0" marL="457200" rtl="0" algn="l">
+              <a:spcBef>
+                <a:spcPts val="0"/>
+              </a:spcBef>
+              <a:spcAft>
+                <a:spcPts val="0"/>
+              </a:spcAft>
+              <a:buSzPts val="1600"/>
+              <a:buChar char="●"/>
+            </a:pPr>
+            <a:r>
+              <a:rPr lang="en" sz="1600"/>
+              <a:t>bekijk log</a:t>
+            </a:r>
+            <a:endParaRPr sz="1600"/>
+          </a:p>
+          <a:p>
+            <a:pPr indent="-330200" lvl="0" marL="457200" rtl="0" algn="l">
+              <a:spcBef>
+                <a:spcPts val="0"/>
+              </a:spcBef>
+              <a:spcAft>
+                <a:spcPts val="0"/>
+              </a:spcAft>
+              <a:buSzPts val="1600"/>
+              <a:buChar char="●"/>
+            </a:pPr>
+            <a:r>
+              <a:rPr lang="en" sz="1600"/>
+              <a:t>delete develop branch</a:t>
+            </a:r>
+            <a:endParaRPr sz="1600"/>
+          </a:p>
+        </p:txBody>
+      </p:sp>
+      <p:sp>
+        <p:nvSpPr>
+          <p:cNvPr id="120" name="Google Shape;120;p5"/>
+          <p:cNvSpPr txBox="1"/>
+          <p:nvPr/>
+        </p:nvSpPr>
+        <p:spPr>
+          <a:xfrm>
+            <a:off x="0" y="0"/>
+            <a:ext cx="9144000" cy="474000"/>
+          </a:xfrm>
+          <a:prstGeom prst="rect">
+            <a:avLst/>
+          </a:prstGeom>
+          <a:solidFill>
+            <a:srgbClr val="D9D9D9"/>
+          </a:solidFill>
+          <a:ln>
+            <a:noFill/>
+          </a:ln>
+        </p:spPr>
+        <p:txBody>
+          <a:bodyPr anchorCtr="0" anchor="t" bIns="91425" lIns="91425" spcFirstLastPara="1" rIns="91425" wrap="square" tIns="137150">
+            <a:noAutofit/>
+          </a:bodyPr>
+          <a:lstStyle/>
+          <a:p>
+            <a:pPr indent="0" lvl="0" marL="0" marR="0" rtl="0" algn="ctr">
+              <a:lnSpc>
+                <a:spcPct val="100000"/>
+              </a:lnSpc>
+              <a:spcBef>
+                <a:spcPts val="0"/>
+              </a:spcBef>
+              <a:spcAft>
+                <a:spcPts val="0"/>
+              </a:spcAft>
+              <a:buClr>
+                <a:srgbClr val="000000"/>
+              </a:buClr>
+              <a:buSzPts val="1400"/>
+              <a:buFont typeface="Arial"/>
+              <a:buNone/>
+            </a:pPr>
+            <a:r>
+              <a:rPr lang="en"/>
+              <a:t>4. Opdracht </a:t>
+            </a:r>
+            <a:r>
+              <a:rPr b="0" i="0" lang="en" sz="1400" u="none" cap="none" strike="noStrike">
+                <a:solidFill>
+                  <a:srgbClr val="000000"/>
+                </a:solidFill>
+                <a:latin typeface="Arial"/>
+                <a:ea typeface="Arial"/>
+                <a:cs typeface="Arial"/>
+                <a:sym typeface="Arial"/>
+              </a:rPr>
+              <a:t>MERGE</a:t>
+            </a:r>
+            <a:endParaRPr b="0" i="0" sz="1400" u="none" cap="none" strike="noStrike">
+              <a:solidFill>
+                <a:srgbClr val="000000"/>
+              </a:solidFill>
+              <a:latin typeface="Arial"/>
+              <a:ea typeface="Arial"/>
+              <a:cs typeface="Arial"/>
+              <a:sym typeface="Arial"/>
+            </a:endParaRPr>
+          </a:p>
+        </p:txBody>
+      </p:sp>
+    </p:spTree>
+  </p:cSld>
+  <p:clrMapOvr>
+    <a:masterClrMapping/>
+  </p:clrMapOvr>
+</p:sld>
+</file>
+
+<file path=ppt/slides/slide7.xml><?xml version="1.0" encoding="utf-8"?>
+<p:sld xmlns:a="http://schemas.openxmlformats.org/drawingml/2006/main" xmlns:r="http://schemas.openxmlformats.org/officeDocument/2006/relationships" xmlns:mc="http://schemas.openxmlformats.org/markup-compatibility/2006" xmlns:mv="urn:schemas-microsoft-com:mac:vml" xmlns:p="http://schemas.openxmlformats.org/presentationml/2006/main" xmlns:c="http://schemas.openxmlformats.org/drawingml/2006/chart" xmlns:dgm="http://schemas.openxmlformats.org/drawingml/2006/diagram" xmlns:o="urn:schemas-microsoft-com:office:office" xmlns:v="urn:schemas-microsoft-com:vml" xmlns:pvml="urn:schemas-microsoft-com:office:powerpoint" xmlns:com="http://schemas.openxmlformats.org/drawingml/2006/compatibility" xmlns:p14="http://schemas.microsoft.com/office/powerpoint/2010/main" xmlns:p15="http://schemas.microsoft.com/office/powerpoint/2012/main">
+  <p:cSld>
+    <p:spTree>
+      <p:nvGrpSpPr>
+        <p:cNvPr id="124" name="Shape 124"/>
+        <p:cNvGrpSpPr/>
+        <p:nvPr/>
+      </p:nvGrpSpPr>
+      <p:grpSpPr>
+        <a:xfrm>
+          <a:off x="0" y="0"/>
+          <a:ext cx="0" cy="0"/>
+          <a:chOff x="0" y="0"/>
+          <a:chExt cx="0" cy="0"/>
+        </a:xfrm>
+      </p:grpSpPr>
+      <p:sp>
+        <p:nvSpPr>
+          <p:cNvPr id="125" name="Google Shape;125;g7052a85339_0_11"/>
+          <p:cNvSpPr/>
+          <p:nvPr/>
+        </p:nvSpPr>
+        <p:spPr>
+          <a:xfrm>
+            <a:off x="1458820" y="914400"/>
+            <a:ext cx="183000" cy="182100"/>
+          </a:xfrm>
+          <a:prstGeom prst="ellipse">
+            <a:avLst/>
+          </a:prstGeom>
+          <a:solidFill>
+            <a:schemeClr val="lt2"/>
+          </a:solidFill>
+          <a:ln cap="flat" cmpd="sng" w="9525">
+            <a:solidFill>
+              <a:schemeClr val="dk2"/>
+            </a:solidFill>
+            <a:prstDash val="solid"/>
+            <a:round/>
+            <a:headEnd len="sm" w="sm" type="none"/>
+            <a:tailEnd len="sm" w="sm" type="none"/>
+          </a:ln>
+        </p:spPr>
+        <p:txBody>
+          <a:bodyPr anchorCtr="0" anchor="ctr" bIns="91425" lIns="91425" spcFirstLastPara="1" rIns="91425" wrap="square" tIns="91425">
+            <a:noAutofit/>
+          </a:bodyPr>
+          <a:lstStyle/>
+          <a:p>
+            <a:pPr indent="0" lvl="0" marL="0" marR="0" rtl="0" algn="l">
+              <a:lnSpc>
+                <a:spcPct val="100000"/>
+              </a:lnSpc>
+              <a:spcBef>
+                <a:spcPts val="0"/>
+              </a:spcBef>
+              <a:spcAft>
+                <a:spcPts val="0"/>
+              </a:spcAft>
+              <a:buClr>
+                <a:srgbClr val="000000"/>
+              </a:buClr>
+              <a:buSzPts val="1400"/>
+              <a:buFont typeface="Arial"/>
+              <a:buNone/>
+            </a:pPr>
+            <a:r>
+              <a:t/>
+            </a:r>
+            <a:endParaRPr b="0" i="0" sz="1400" u="none" cap="none" strike="noStrike">
+              <a:solidFill>
+                <a:srgbClr val="000000"/>
+              </a:solidFill>
+              <a:latin typeface="Arial"/>
+              <a:ea typeface="Arial"/>
+              <a:cs typeface="Arial"/>
+              <a:sym typeface="Arial"/>
+            </a:endParaRPr>
+          </a:p>
+        </p:txBody>
+      </p:sp>
+      <p:sp>
+        <p:nvSpPr>
+          <p:cNvPr id="126" name="Google Shape;126;g7052a85339_0_11"/>
+          <p:cNvSpPr/>
+          <p:nvPr/>
+        </p:nvSpPr>
+        <p:spPr>
+          <a:xfrm>
+            <a:off x="1839820" y="1371600"/>
+            <a:ext cx="183000" cy="182100"/>
+          </a:xfrm>
+          <a:prstGeom prst="ellipse">
+            <a:avLst/>
+          </a:prstGeom>
+          <a:solidFill>
+            <a:schemeClr val="lt2"/>
+          </a:solidFill>
+          <a:ln cap="flat" cmpd="sng" w="9525">
+            <a:solidFill>
+              <a:schemeClr val="dk2"/>
+            </a:solidFill>
+            <a:prstDash val="solid"/>
+            <a:round/>
+            <a:headEnd len="sm" w="sm" type="none"/>
+            <a:tailEnd len="sm" w="sm" type="none"/>
+          </a:ln>
+        </p:spPr>
+        <p:txBody>
+          <a:bodyPr anchorCtr="0" anchor="ctr" bIns="91425" lIns="91425" spcFirstLastPara="1" rIns="91425" wrap="square" tIns="91425">
+            <a:noAutofit/>
+          </a:bodyPr>
+          <a:lstStyle/>
+          <a:p>
+            <a:pPr indent="0" lvl="0" marL="0" marR="0" rtl="0" algn="l">
+              <a:lnSpc>
+                <a:spcPct val="100000"/>
+              </a:lnSpc>
+              <a:spcBef>
+                <a:spcPts val="0"/>
+              </a:spcBef>
+              <a:spcAft>
+                <a:spcPts val="0"/>
+              </a:spcAft>
+              <a:buClr>
+                <a:srgbClr val="000000"/>
+              </a:buClr>
+              <a:buSzPts val="1400"/>
+              <a:buFont typeface="Arial"/>
+              <a:buNone/>
+            </a:pPr>
+            <a:r>
+              <a:t/>
+            </a:r>
+            <a:endParaRPr b="0" i="0" sz="1400" u="none" cap="none" strike="noStrike">
+              <a:solidFill>
+                <a:srgbClr val="000000"/>
+              </a:solidFill>
+              <a:latin typeface="Arial"/>
+              <a:ea typeface="Arial"/>
+              <a:cs typeface="Arial"/>
+              <a:sym typeface="Arial"/>
             </a:endParaRPr>
           </a:p>
         </p:txBody>
@@ -12731,15 +17630,15 @@
         <p:nvCxnSpPr>
           <p:cNvPr id="127" name="Google Shape;127;g7052a85339_0_11"/>
           <p:cNvCxnSpPr>
-            <a:stCxn id="119" idx="4"/>
-            <a:endCxn id="123" idx="0"/>
+            <a:stCxn id="125" idx="5"/>
+            <a:endCxn id="126" idx="1"/>
           </p:cNvCxnSpPr>
           <p:nvPr/>
         </p:nvCxnSpPr>
         <p:spPr>
           <a:xfrm>
-            <a:off x="2943950" y="1096500"/>
-            <a:ext cx="600" cy="732300"/>
+            <a:off x="1615020" y="1069832"/>
+            <a:ext cx="251700" cy="328500"/>
           </a:xfrm>
           <a:prstGeom prst="straightConnector1">
             <a:avLst/>
@@ -12764,7 +17663,367 @@
         </p:nvSpPr>
         <p:spPr>
           <a:xfrm>
-            <a:off x="1667950" y="1371600"/>
+            <a:off x="2175070" y="868350"/>
+            <a:ext cx="1097400" cy="274200"/>
+          </a:xfrm>
+          <a:prstGeom prst="rect">
+            <a:avLst/>
+          </a:prstGeom>
+          <a:noFill/>
+          <a:ln>
+            <a:noFill/>
+          </a:ln>
+        </p:spPr>
+        <p:txBody>
+          <a:bodyPr anchorCtr="0" anchor="t" bIns="0" lIns="0" spcFirstLastPara="1" rIns="0" wrap="square" tIns="0">
+            <a:noAutofit/>
+          </a:bodyPr>
+          <a:lstStyle/>
+          <a:p>
+            <a:pPr indent="0" lvl="0" marL="0" marR="0" rtl="0" algn="l">
+              <a:lnSpc>
+                <a:spcPct val="100000"/>
+              </a:lnSpc>
+              <a:spcBef>
+                <a:spcPts val="0"/>
+              </a:spcBef>
+              <a:spcAft>
+                <a:spcPts val="0"/>
+              </a:spcAft>
+              <a:buClr>
+                <a:srgbClr val="000000"/>
+              </a:buClr>
+              <a:buSzPts val="1400"/>
+              <a:buFont typeface="Arial"/>
+              <a:buNone/>
+            </a:pPr>
+            <a:r>
+              <a:rPr b="0" i="0" lang="en" sz="1400" u="none" cap="none" strike="noStrike">
+                <a:solidFill>
+                  <a:srgbClr val="000000"/>
+                </a:solidFill>
+                <a:latin typeface="Arial"/>
+                <a:ea typeface="Arial"/>
+                <a:cs typeface="Arial"/>
+                <a:sym typeface="Arial"/>
+              </a:rPr>
+              <a:t>Initial commit</a:t>
+            </a:r>
+            <a:endParaRPr b="0" i="0" sz="1400" u="none" cap="none" strike="noStrike">
+              <a:solidFill>
+                <a:srgbClr val="000000"/>
+              </a:solidFill>
+              <a:latin typeface="Arial"/>
+              <a:ea typeface="Arial"/>
+              <a:cs typeface="Arial"/>
+              <a:sym typeface="Arial"/>
+            </a:endParaRPr>
+          </a:p>
+        </p:txBody>
+      </p:sp>
+      <p:sp>
+        <p:nvSpPr>
+          <p:cNvPr id="129" name="Google Shape;129;g7052a85339_0_11"/>
+          <p:cNvSpPr/>
+          <p:nvPr/>
+        </p:nvSpPr>
+        <p:spPr>
+          <a:xfrm>
+            <a:off x="1459298" y="1828800"/>
+            <a:ext cx="183000" cy="182100"/>
+          </a:xfrm>
+          <a:prstGeom prst="ellipse">
+            <a:avLst/>
+          </a:prstGeom>
+          <a:solidFill>
+            <a:schemeClr val="lt2"/>
+          </a:solidFill>
+          <a:ln cap="flat" cmpd="sng" w="9525">
+            <a:solidFill>
+              <a:schemeClr val="dk2"/>
+            </a:solidFill>
+            <a:prstDash val="solid"/>
+            <a:round/>
+            <a:headEnd len="sm" w="sm" type="none"/>
+            <a:tailEnd len="sm" w="sm" type="none"/>
+          </a:ln>
+        </p:spPr>
+        <p:txBody>
+          <a:bodyPr anchorCtr="0" anchor="ctr" bIns="91425" lIns="91425" spcFirstLastPara="1" rIns="91425" wrap="square" tIns="91425">
+            <a:noAutofit/>
+          </a:bodyPr>
+          <a:lstStyle/>
+          <a:p>
+            <a:pPr indent="0" lvl="0" marL="0" marR="0" rtl="0" algn="l">
+              <a:lnSpc>
+                <a:spcPct val="100000"/>
+              </a:lnSpc>
+              <a:spcBef>
+                <a:spcPts val="0"/>
+              </a:spcBef>
+              <a:spcAft>
+                <a:spcPts val="0"/>
+              </a:spcAft>
+              <a:buClr>
+                <a:srgbClr val="000000"/>
+              </a:buClr>
+              <a:buSzPts val="1400"/>
+              <a:buFont typeface="Arial"/>
+              <a:buNone/>
+            </a:pPr>
+            <a:r>
+              <a:t/>
+            </a:r>
+            <a:endParaRPr b="0" i="0" sz="1400" u="none" cap="none" strike="noStrike">
+              <a:solidFill>
+                <a:srgbClr val="000000"/>
+              </a:solidFill>
+              <a:latin typeface="Arial"/>
+              <a:ea typeface="Arial"/>
+              <a:cs typeface="Arial"/>
+              <a:sym typeface="Arial"/>
+            </a:endParaRPr>
+          </a:p>
+        </p:txBody>
+      </p:sp>
+      <p:sp>
+        <p:nvSpPr>
+          <p:cNvPr id="130" name="Google Shape;130;g7052a85339_0_11"/>
+          <p:cNvSpPr txBox="1"/>
+          <p:nvPr/>
+        </p:nvSpPr>
+        <p:spPr>
+          <a:xfrm>
+            <a:off x="2175070" y="1325550"/>
+            <a:ext cx="1097400" cy="274200"/>
+          </a:xfrm>
+          <a:prstGeom prst="rect">
+            <a:avLst/>
+          </a:prstGeom>
+          <a:noFill/>
+          <a:ln>
+            <a:noFill/>
+          </a:ln>
+        </p:spPr>
+        <p:txBody>
+          <a:bodyPr anchorCtr="0" anchor="t" bIns="0" lIns="0" spcFirstLastPara="1" rIns="0" wrap="square" tIns="0">
+            <a:noAutofit/>
+          </a:bodyPr>
+          <a:lstStyle/>
+          <a:p>
+            <a:pPr indent="0" lvl="0" marL="0" marR="0" rtl="0" algn="l">
+              <a:lnSpc>
+                <a:spcPct val="100000"/>
+              </a:lnSpc>
+              <a:spcBef>
+                <a:spcPts val="0"/>
+              </a:spcBef>
+              <a:spcAft>
+                <a:spcPts val="0"/>
+              </a:spcAft>
+              <a:buClr>
+                <a:srgbClr val="000000"/>
+              </a:buClr>
+              <a:buSzPts val="1400"/>
+              <a:buFont typeface="Arial"/>
+              <a:buNone/>
+            </a:pPr>
+            <a:r>
+              <a:rPr b="0" i="0" lang="en" sz="1400" u="none" cap="none" strike="noStrike">
+                <a:solidFill>
+                  <a:srgbClr val="000000"/>
+                </a:solidFill>
+                <a:latin typeface="Arial"/>
+                <a:ea typeface="Arial"/>
+                <a:cs typeface="Arial"/>
+                <a:sym typeface="Arial"/>
+              </a:rPr>
+              <a:t>Wijziging 1</a:t>
+            </a:r>
+            <a:endParaRPr b="0" i="0" sz="1400" u="none" cap="none" strike="noStrike">
+              <a:solidFill>
+                <a:srgbClr val="000000"/>
+              </a:solidFill>
+              <a:latin typeface="Arial"/>
+              <a:ea typeface="Arial"/>
+              <a:cs typeface="Arial"/>
+              <a:sym typeface="Arial"/>
+            </a:endParaRPr>
+          </a:p>
+        </p:txBody>
+      </p:sp>
+      <p:sp>
+        <p:nvSpPr>
+          <p:cNvPr id="131" name="Google Shape;131;g7052a85339_0_11"/>
+          <p:cNvSpPr txBox="1"/>
+          <p:nvPr/>
+        </p:nvSpPr>
+        <p:spPr>
+          <a:xfrm>
+            <a:off x="2175070" y="1782750"/>
+            <a:ext cx="1097400" cy="274200"/>
+          </a:xfrm>
+          <a:prstGeom prst="rect">
+            <a:avLst/>
+          </a:prstGeom>
+          <a:noFill/>
+          <a:ln>
+            <a:noFill/>
+          </a:ln>
+        </p:spPr>
+        <p:txBody>
+          <a:bodyPr anchorCtr="0" anchor="t" bIns="0" lIns="0" spcFirstLastPara="1" rIns="0" wrap="square" tIns="0">
+            <a:noAutofit/>
+          </a:bodyPr>
+          <a:lstStyle/>
+          <a:p>
+            <a:pPr indent="0" lvl="0" marL="0" marR="0" rtl="0" algn="l">
+              <a:lnSpc>
+                <a:spcPct val="100000"/>
+              </a:lnSpc>
+              <a:spcBef>
+                <a:spcPts val="0"/>
+              </a:spcBef>
+              <a:spcAft>
+                <a:spcPts val="0"/>
+              </a:spcAft>
+              <a:buClr>
+                <a:srgbClr val="000000"/>
+              </a:buClr>
+              <a:buSzPts val="1400"/>
+              <a:buFont typeface="Arial"/>
+              <a:buNone/>
+            </a:pPr>
+            <a:r>
+              <a:rPr b="0" i="0" lang="en" sz="1400" u="none" cap="none" strike="noStrike">
+                <a:solidFill>
+                  <a:srgbClr val="000000"/>
+                </a:solidFill>
+                <a:latin typeface="Arial"/>
+                <a:ea typeface="Arial"/>
+                <a:cs typeface="Arial"/>
+                <a:sym typeface="Arial"/>
+              </a:rPr>
+              <a:t>Wijziging 2</a:t>
+            </a:r>
+            <a:endParaRPr b="0" i="0" sz="1400" u="none" cap="none" strike="noStrike">
+              <a:solidFill>
+                <a:srgbClr val="000000"/>
+              </a:solidFill>
+              <a:latin typeface="Arial"/>
+              <a:ea typeface="Arial"/>
+              <a:cs typeface="Arial"/>
+              <a:sym typeface="Arial"/>
+            </a:endParaRPr>
+          </a:p>
+        </p:txBody>
+      </p:sp>
+      <p:sp>
+        <p:nvSpPr>
+          <p:cNvPr id="132" name="Google Shape;132;g7052a85339_0_11"/>
+          <p:cNvSpPr txBox="1"/>
+          <p:nvPr/>
+        </p:nvSpPr>
+        <p:spPr>
+          <a:xfrm>
+            <a:off x="807720" y="2286000"/>
+            <a:ext cx="479700" cy="182100"/>
+          </a:xfrm>
+          <a:prstGeom prst="rect">
+            <a:avLst/>
+          </a:prstGeom>
+          <a:solidFill>
+            <a:srgbClr val="DD7E6B"/>
+          </a:solidFill>
+          <a:ln>
+            <a:noFill/>
+          </a:ln>
+        </p:spPr>
+        <p:txBody>
+          <a:bodyPr anchorCtr="0" anchor="t" bIns="0" lIns="0" spcFirstLastPara="1" rIns="0" wrap="square" tIns="0">
+            <a:noAutofit/>
+          </a:bodyPr>
+          <a:lstStyle/>
+          <a:p>
+            <a:pPr indent="0" lvl="0" marL="0" marR="0" rtl="0" algn="ctr">
+              <a:lnSpc>
+                <a:spcPct val="100000"/>
+              </a:lnSpc>
+              <a:spcBef>
+                <a:spcPts val="0"/>
+              </a:spcBef>
+              <a:spcAft>
+                <a:spcPts val="0"/>
+              </a:spcAft>
+              <a:buClr>
+                <a:srgbClr val="000000"/>
+              </a:buClr>
+              <a:buSzPts val="900"/>
+              <a:buFont typeface="Arial"/>
+              <a:buNone/>
+            </a:pPr>
+            <a:r>
+              <a:rPr b="1" i="0" lang="en" sz="900" u="none" cap="none" strike="noStrike">
+                <a:solidFill>
+                  <a:srgbClr val="000000"/>
+                </a:solidFill>
+                <a:latin typeface="Arial"/>
+                <a:ea typeface="Arial"/>
+                <a:cs typeface="Arial"/>
+                <a:sym typeface="Arial"/>
+              </a:rPr>
+              <a:t>master</a:t>
+            </a:r>
+            <a:endParaRPr b="1" i="0" sz="900" u="none" cap="none" strike="noStrike">
+              <a:solidFill>
+                <a:srgbClr val="000000"/>
+              </a:solidFill>
+              <a:latin typeface="Arial"/>
+              <a:ea typeface="Arial"/>
+              <a:cs typeface="Arial"/>
+              <a:sym typeface="Arial"/>
+            </a:endParaRPr>
+          </a:p>
+        </p:txBody>
+      </p:sp>
+      <p:cxnSp>
+        <p:nvCxnSpPr>
+          <p:cNvPr id="133" name="Google Shape;133;g7052a85339_0_11"/>
+          <p:cNvCxnSpPr>
+            <a:stCxn id="125" idx="4"/>
+            <a:endCxn id="129" idx="0"/>
+          </p:cNvCxnSpPr>
+          <p:nvPr/>
+        </p:nvCxnSpPr>
+        <p:spPr>
+          <a:xfrm>
+            <a:off x="1550320" y="1096500"/>
+            <a:ext cx="600" cy="732300"/>
+          </a:xfrm>
+          <a:prstGeom prst="straightConnector1">
+            <a:avLst/>
+          </a:prstGeom>
+          <a:noFill/>
+          <a:ln cap="flat" cmpd="sng" w="9525">
+            <a:solidFill>
+              <a:schemeClr val="dk2"/>
+            </a:solidFill>
+            <a:prstDash val="solid"/>
+            <a:round/>
+            <a:headEnd len="sm" w="sm" type="none"/>
+            <a:tailEnd len="sm" w="sm" type="none"/>
+          </a:ln>
+        </p:spPr>
+      </p:cxnSp>
+      <p:sp>
+        <p:nvSpPr>
+          <p:cNvPr id="134" name="Google Shape;134;g7052a85339_0_11"/>
+          <p:cNvSpPr txBox="1"/>
+          <p:nvPr/>
+        </p:nvSpPr>
+        <p:spPr>
+          <a:xfrm>
+            <a:off x="274320" y="1371600"/>
             <a:ext cx="479700" cy="182100"/>
           </a:xfrm>
           <a:prstGeom prst="rect">
@@ -12801,24 +18060,413 @@
               <a:buNone/>
             </a:pPr>
             <a:r>
-              <a:rPr i="0" lang="en" sz="900" u="none" cap="none" strike="noStrike">
+              <a:rPr b="0" i="0" lang="en" sz="900" u="none" cap="none" strike="noStrike">
                 <a:solidFill>
                   <a:srgbClr val="000000"/>
                 </a:solidFill>
+                <a:latin typeface="Arial"/>
+                <a:ea typeface="Arial"/>
+                <a:cs typeface="Arial"/>
+                <a:sym typeface="Arial"/>
               </a:rPr>
               <a:t>develop</a:t>
             </a:r>
-            <a:endParaRPr i="0" sz="900" u="none" cap="none" strike="noStrike">
+            <a:endParaRPr b="0" i="0" sz="900" u="none" cap="none" strike="noStrike">
               <a:solidFill>
                 <a:srgbClr val="000000"/>
               </a:solidFill>
+              <a:latin typeface="Arial"/>
+              <a:ea typeface="Arial"/>
+              <a:cs typeface="Arial"/>
+              <a:sym typeface="Arial"/>
             </a:endParaRPr>
           </a:p>
         </p:txBody>
       </p:sp>
       <p:sp>
         <p:nvSpPr>
-          <p:cNvPr id="129" name="Google Shape;129;g7052a85339_0_11"/>
+          <p:cNvPr id="135" name="Google Shape;135;g7052a85339_0_11"/>
+          <p:cNvSpPr/>
+          <p:nvPr/>
+        </p:nvSpPr>
+        <p:spPr>
+          <a:xfrm>
+            <a:off x="1459298" y="2286000"/>
+            <a:ext cx="183000" cy="182100"/>
+          </a:xfrm>
+          <a:prstGeom prst="ellipse">
+            <a:avLst/>
+          </a:prstGeom>
+          <a:solidFill>
+            <a:srgbClr val="FF0000"/>
+          </a:solidFill>
+          <a:ln cap="flat" cmpd="sng" w="9525">
+            <a:solidFill>
+              <a:schemeClr val="dk2"/>
+            </a:solidFill>
+            <a:prstDash val="solid"/>
+            <a:round/>
+            <a:headEnd len="sm" w="sm" type="none"/>
+            <a:tailEnd len="sm" w="sm" type="none"/>
+          </a:ln>
+        </p:spPr>
+        <p:txBody>
+          <a:bodyPr anchorCtr="0" anchor="ctr" bIns="91425" lIns="91425" spcFirstLastPara="1" rIns="91425" wrap="square" tIns="91425">
+            <a:noAutofit/>
+          </a:bodyPr>
+          <a:lstStyle/>
+          <a:p>
+            <a:pPr indent="0" lvl="0" marL="0" marR="0" rtl="0" algn="l">
+              <a:lnSpc>
+                <a:spcPct val="100000"/>
+              </a:lnSpc>
+              <a:spcBef>
+                <a:spcPts val="0"/>
+              </a:spcBef>
+              <a:spcAft>
+                <a:spcPts val="0"/>
+              </a:spcAft>
+              <a:buClr>
+                <a:srgbClr val="000000"/>
+              </a:buClr>
+              <a:buSzPts val="1400"/>
+              <a:buFont typeface="Arial"/>
+              <a:buNone/>
+            </a:pPr>
+            <a:r>
+              <a:t/>
+            </a:r>
+            <a:endParaRPr b="0" i="0" sz="1400" u="none" cap="none" strike="noStrike">
+              <a:solidFill>
+                <a:srgbClr val="000000"/>
+              </a:solidFill>
+              <a:latin typeface="Arial"/>
+              <a:ea typeface="Arial"/>
+              <a:cs typeface="Arial"/>
+              <a:sym typeface="Arial"/>
+            </a:endParaRPr>
+          </a:p>
+        </p:txBody>
+      </p:sp>
+      <p:cxnSp>
+        <p:nvCxnSpPr>
+          <p:cNvPr id="136" name="Google Shape;136;g7052a85339_0_11"/>
+          <p:cNvCxnSpPr>
+            <a:stCxn id="129" idx="4"/>
+            <a:endCxn id="135" idx="0"/>
+          </p:cNvCxnSpPr>
+          <p:nvPr/>
+        </p:nvCxnSpPr>
+        <p:spPr>
+          <a:xfrm>
+            <a:off x="1550798" y="2010900"/>
+            <a:ext cx="0" cy="275100"/>
+          </a:xfrm>
+          <a:prstGeom prst="straightConnector1">
+            <a:avLst/>
+          </a:prstGeom>
+          <a:noFill/>
+          <a:ln cap="flat" cmpd="sng" w="9525">
+            <a:solidFill>
+              <a:schemeClr val="dk2"/>
+            </a:solidFill>
+            <a:prstDash val="solid"/>
+            <a:round/>
+            <a:headEnd len="sm" w="sm" type="none"/>
+            <a:tailEnd len="sm" w="sm" type="none"/>
+          </a:ln>
+        </p:spPr>
+      </p:cxnSp>
+      <p:cxnSp>
+        <p:nvCxnSpPr>
+          <p:cNvPr id="137" name="Google Shape;137;g7052a85339_0_11"/>
+          <p:cNvCxnSpPr>
+            <a:stCxn id="126" idx="4"/>
+            <a:endCxn id="135" idx="7"/>
+          </p:cNvCxnSpPr>
+          <p:nvPr/>
+        </p:nvCxnSpPr>
+        <p:spPr>
+          <a:xfrm flipH="1">
+            <a:off x="1615420" y="1553700"/>
+            <a:ext cx="315900" cy="759000"/>
+          </a:xfrm>
+          <a:prstGeom prst="straightConnector1">
+            <a:avLst/>
+          </a:prstGeom>
+          <a:noFill/>
+          <a:ln cap="flat" cmpd="sng" w="9525">
+            <a:solidFill>
+              <a:schemeClr val="dk2"/>
+            </a:solidFill>
+            <a:prstDash val="solid"/>
+            <a:round/>
+            <a:headEnd len="sm" w="sm" type="none"/>
+            <a:tailEnd len="sm" w="sm" type="none"/>
+          </a:ln>
+        </p:spPr>
+      </p:cxnSp>
+      <p:sp>
+        <p:nvSpPr>
+          <p:cNvPr id="138" name="Google Shape;138;g7052a85339_0_11"/>
+          <p:cNvSpPr txBox="1"/>
+          <p:nvPr/>
+        </p:nvSpPr>
+        <p:spPr>
+          <a:xfrm>
+            <a:off x="3621025" y="740675"/>
+            <a:ext cx="5523000" cy="3348600"/>
+          </a:xfrm>
+          <a:prstGeom prst="rect">
+            <a:avLst/>
+          </a:prstGeom>
+          <a:noFill/>
+          <a:ln>
+            <a:noFill/>
+          </a:ln>
+        </p:spPr>
+        <p:txBody>
+          <a:bodyPr anchorCtr="0" anchor="t" bIns="91425" lIns="91425" spcFirstLastPara="1" rIns="91425" wrap="square" tIns="91425">
+            <a:noAutofit/>
+          </a:bodyPr>
+          <a:lstStyle/>
+          <a:p>
+            <a:pPr indent="-330200" lvl="0" marL="457200" rtl="0" algn="l">
+              <a:spcBef>
+                <a:spcPts val="0"/>
+              </a:spcBef>
+              <a:spcAft>
+                <a:spcPts val="0"/>
+              </a:spcAft>
+              <a:buSzPts val="1600"/>
+              <a:buChar char="●"/>
+            </a:pPr>
+            <a:r>
+              <a:rPr lang="en" sz="1600"/>
+              <a:t>maak initial commit</a:t>
+            </a:r>
+            <a:endParaRPr sz="1600"/>
+          </a:p>
+          <a:p>
+            <a:pPr indent="-330200" lvl="0" marL="457200" rtl="0" algn="l">
+              <a:spcBef>
+                <a:spcPts val="0"/>
+              </a:spcBef>
+              <a:spcAft>
+                <a:spcPts val="0"/>
+              </a:spcAft>
+              <a:buSzPts val="1600"/>
+              <a:buChar char="●"/>
+            </a:pPr>
+            <a:r>
+              <a:rPr lang="en" sz="1600"/>
+              <a:t>maak nieuwe branch develop</a:t>
+            </a:r>
+            <a:endParaRPr sz="1600"/>
+          </a:p>
+          <a:p>
+            <a:pPr indent="-330200" lvl="0" marL="457200" rtl="0" algn="l">
+              <a:spcBef>
+                <a:spcPts val="0"/>
+              </a:spcBef>
+              <a:spcAft>
+                <a:spcPts val="0"/>
+              </a:spcAft>
+              <a:buSzPts val="1600"/>
+              <a:buChar char="●"/>
+            </a:pPr>
+            <a:r>
+              <a:rPr lang="en" sz="1600"/>
+              <a:t>checkout develop</a:t>
+            </a:r>
+            <a:endParaRPr sz="1600"/>
+          </a:p>
+          <a:p>
+            <a:pPr indent="-330200" lvl="0" marL="457200" rtl="0" algn="l">
+              <a:spcBef>
+                <a:spcPts val="0"/>
+              </a:spcBef>
+              <a:spcAft>
+                <a:spcPts val="0"/>
+              </a:spcAft>
+              <a:buSzPts val="1600"/>
+              <a:buChar char="●"/>
+            </a:pPr>
+            <a:r>
+              <a:rPr lang="en" sz="1600"/>
+              <a:t>maak wijziging en commit</a:t>
+            </a:r>
+            <a:endParaRPr sz="1600"/>
+          </a:p>
+          <a:p>
+            <a:pPr indent="-330200" lvl="0" marL="457200" rtl="0" algn="l">
+              <a:spcBef>
+                <a:spcPts val="0"/>
+              </a:spcBef>
+              <a:spcAft>
+                <a:spcPts val="0"/>
+              </a:spcAft>
+              <a:buSzPts val="1600"/>
+              <a:buChar char="●"/>
+            </a:pPr>
+            <a:r>
+              <a:rPr lang="en" sz="1600"/>
+              <a:t>checkout master</a:t>
+            </a:r>
+            <a:endParaRPr sz="1600"/>
+          </a:p>
+          <a:p>
+            <a:pPr indent="-330200" lvl="0" marL="457200" rtl="0" algn="l">
+              <a:spcBef>
+                <a:spcPts val="0"/>
+              </a:spcBef>
+              <a:spcAft>
+                <a:spcPts val="0"/>
+              </a:spcAft>
+              <a:buClr>
+                <a:schemeClr val="dk1"/>
+              </a:buClr>
+              <a:buSzPts val="1600"/>
+              <a:buChar char="●"/>
+            </a:pPr>
+            <a:r>
+              <a:rPr lang="en" sz="1600">
+                <a:solidFill>
+                  <a:schemeClr val="dk1"/>
+                </a:solidFill>
+              </a:rPr>
+              <a:t>maak wijziging en commit</a:t>
+            </a:r>
+            <a:endParaRPr sz="1600">
+              <a:solidFill>
+                <a:schemeClr val="dk1"/>
+              </a:solidFill>
+            </a:endParaRPr>
+          </a:p>
+          <a:p>
+            <a:pPr indent="-330200" lvl="0" marL="457200" rtl="0" algn="l">
+              <a:spcBef>
+                <a:spcPts val="0"/>
+              </a:spcBef>
+              <a:spcAft>
+                <a:spcPts val="0"/>
+              </a:spcAft>
+              <a:buSzPts val="1600"/>
+              <a:buChar char="●"/>
+            </a:pPr>
+            <a:r>
+              <a:rPr lang="en" sz="1600"/>
+              <a:t>merge develop in master</a:t>
+            </a:r>
+            <a:endParaRPr sz="1600"/>
+          </a:p>
+          <a:p>
+            <a:pPr indent="-330200" lvl="0" marL="457200" rtl="0" algn="l">
+              <a:spcBef>
+                <a:spcPts val="0"/>
+              </a:spcBef>
+              <a:spcAft>
+                <a:spcPts val="0"/>
+              </a:spcAft>
+              <a:buSzPts val="1600"/>
+              <a:buChar char="●"/>
+            </a:pPr>
+            <a:r>
+              <a:rPr lang="en" sz="1600"/>
+              <a:t>los conflict op en commit</a:t>
+            </a:r>
+            <a:endParaRPr sz="1600"/>
+          </a:p>
+          <a:p>
+            <a:pPr indent="-330200" lvl="0" marL="457200" rtl="0" algn="l">
+              <a:spcBef>
+                <a:spcPts val="0"/>
+              </a:spcBef>
+              <a:spcAft>
+                <a:spcPts val="0"/>
+              </a:spcAft>
+              <a:buSzPts val="1600"/>
+              <a:buChar char="●"/>
+            </a:pPr>
+            <a:r>
+              <a:rPr lang="en" sz="1600"/>
+              <a:t>bekijk log</a:t>
+            </a:r>
+            <a:endParaRPr sz="1600"/>
+          </a:p>
+          <a:p>
+            <a:pPr indent="-330200" lvl="0" marL="457200" rtl="0" algn="l">
+              <a:spcBef>
+                <a:spcPts val="0"/>
+              </a:spcBef>
+              <a:spcAft>
+                <a:spcPts val="0"/>
+              </a:spcAft>
+              <a:buSzPts val="1600"/>
+              <a:buChar char="●"/>
+            </a:pPr>
+            <a:r>
+              <a:rPr lang="en" sz="1600"/>
+              <a:t>checkout develop</a:t>
+            </a:r>
+            <a:endParaRPr sz="1600"/>
+          </a:p>
+          <a:p>
+            <a:pPr indent="-330200" lvl="0" marL="457200" rtl="0" algn="l">
+              <a:spcBef>
+                <a:spcPts val="0"/>
+              </a:spcBef>
+              <a:spcAft>
+                <a:spcPts val="0"/>
+              </a:spcAft>
+              <a:buSzPts val="1600"/>
+              <a:buChar char="●"/>
+            </a:pPr>
+            <a:r>
+              <a:rPr lang="en" sz="1600"/>
+              <a:t>merge master in develop(fast-forward)</a:t>
+            </a:r>
+            <a:endParaRPr sz="1600"/>
+          </a:p>
+          <a:p>
+            <a:pPr indent="-330200" lvl="0" marL="457200" rtl="0" algn="l">
+              <a:spcBef>
+                <a:spcPts val="0"/>
+              </a:spcBef>
+              <a:spcAft>
+                <a:spcPts val="0"/>
+              </a:spcAft>
+              <a:buSzPts val="1600"/>
+              <a:buChar char="●"/>
+            </a:pPr>
+            <a:r>
+              <a:rPr lang="en" sz="1600"/>
+              <a:t>bekijk log</a:t>
+            </a:r>
+            <a:endParaRPr sz="1600"/>
+          </a:p>
+          <a:p>
+            <a:pPr indent="-330200" lvl="0" marL="457200" rtl="0" algn="l">
+              <a:spcBef>
+                <a:spcPts val="0"/>
+              </a:spcBef>
+              <a:spcAft>
+                <a:spcPts val="0"/>
+              </a:spcAft>
+              <a:buSzPts val="1600"/>
+              <a:buChar char="●"/>
+            </a:pPr>
+            <a:r>
+              <a:rPr lang="en" sz="1600"/>
+              <a:t>delete develop branch</a:t>
+            </a:r>
+            <a:endParaRPr sz="1600"/>
+          </a:p>
+        </p:txBody>
+      </p:sp>
+      <p:sp>
+        <p:nvSpPr>
+          <p:cNvPr id="139" name="Google Shape;139;g7052a85339_0_11"/>
           <p:cNvSpPr txBox="1"/>
           <p:nvPr/>
         </p:nvSpPr>
@@ -12861,6 +18509,10 @@
               <a:buNone/>
             </a:pPr>
             <a:r>
+              <a:rPr lang="en"/>
+              <a:t>4. Opdracht </a:t>
+            </a:r>
+            <a:r>
               <a:rPr b="0" i="0" lang="en" sz="1400" u="none" cap="none" strike="noStrike">
                 <a:solidFill>
                   <a:srgbClr val="000000"/>
@@ -12884,129 +18536,6 @@
           </a:p>
         </p:txBody>
       </p:sp>
-      <p:sp>
-        <p:nvSpPr>
-          <p:cNvPr id="130" name="Google Shape;130;g7052a85339_0_11"/>
-          <p:cNvSpPr/>
-          <p:nvPr/>
-        </p:nvSpPr>
-        <p:spPr>
-          <a:xfrm>
-            <a:off x="2852928" y="2286000"/>
-            <a:ext cx="183000" cy="182100"/>
-          </a:xfrm>
-          <a:prstGeom prst="ellipse">
-            <a:avLst/>
-          </a:prstGeom>
-          <a:solidFill>
-            <a:srgbClr val="FF0000"/>
-          </a:solidFill>
-          <a:ln cap="flat" cmpd="sng" w="9525">
-            <a:solidFill>
-              <a:schemeClr val="dk2"/>
-            </a:solidFill>
-            <a:prstDash val="solid"/>
-            <a:round/>
-            <a:headEnd len="sm" w="sm" type="none"/>
-            <a:tailEnd len="sm" w="sm" type="none"/>
-          </a:ln>
-        </p:spPr>
-        <p:txBody>
-          <a:bodyPr anchorCtr="0" anchor="ctr" bIns="91425" lIns="91425" spcFirstLastPara="1" rIns="91425" wrap="square" tIns="91425">
-            <a:noAutofit/>
-          </a:bodyPr>
-          <a:lstStyle/>
-          <a:p>
-            <a:pPr indent="0" lvl="0" marL="0" marR="0" rtl="0" algn="l">
-              <a:lnSpc>
-                <a:spcPct val="100000"/>
-              </a:lnSpc>
-              <a:spcBef>
-                <a:spcPts val="0"/>
-              </a:spcBef>
-              <a:spcAft>
-                <a:spcPts val="0"/>
-              </a:spcAft>
-              <a:buClr>
-                <a:srgbClr val="000000"/>
-              </a:buClr>
-              <a:buSzPts val="1400"/>
-              <a:buFont typeface="Arial"/>
-              <a:buNone/>
-            </a:pPr>
-            <a:r>
-              <a:t/>
-            </a:r>
-            <a:endParaRPr b="0" i="0" sz="1400" u="none" cap="none" strike="noStrike">
-              <a:solidFill>
-                <a:srgbClr val="000000"/>
-              </a:solidFill>
-              <a:latin typeface="Arial"/>
-              <a:ea typeface="Arial"/>
-              <a:cs typeface="Arial"/>
-              <a:sym typeface="Arial"/>
-            </a:endParaRPr>
-          </a:p>
-        </p:txBody>
-      </p:sp>
-      <p:cxnSp>
-        <p:nvCxnSpPr>
-          <p:cNvPr id="131" name="Google Shape;131;g7052a85339_0_11"/>
-          <p:cNvCxnSpPr>
-            <a:stCxn id="123" idx="4"/>
-            <a:endCxn id="130" idx="0"/>
-          </p:cNvCxnSpPr>
-          <p:nvPr/>
-        </p:nvCxnSpPr>
-        <p:spPr>
-          <a:xfrm>
-            <a:off x="2944428" y="2010900"/>
-            <a:ext cx="0" cy="275100"/>
-          </a:xfrm>
-          <a:prstGeom prst="straightConnector1">
-            <a:avLst/>
-          </a:prstGeom>
-          <a:noFill/>
-          <a:ln cap="flat" cmpd="sng" w="9525">
-            <a:solidFill>
-              <a:schemeClr val="dk2"/>
-            </a:solidFill>
-            <a:prstDash val="solid"/>
-            <a:round/>
-            <a:headEnd len="med" w="med" type="none"/>
-            <a:tailEnd len="med" w="med" type="none"/>
-          </a:ln>
-        </p:spPr>
-      </p:cxnSp>
-      <p:cxnSp>
-        <p:nvCxnSpPr>
-          <p:cNvPr id="132" name="Google Shape;132;g7052a85339_0_11"/>
-          <p:cNvCxnSpPr>
-            <a:stCxn id="120" idx="4"/>
-            <a:endCxn id="130" idx="7"/>
-          </p:cNvCxnSpPr>
-          <p:nvPr/>
-        </p:nvCxnSpPr>
-        <p:spPr>
-          <a:xfrm flipH="1">
-            <a:off x="3009050" y="1553700"/>
-            <a:ext cx="315900" cy="759000"/>
-          </a:xfrm>
-          <a:prstGeom prst="straightConnector1">
-            <a:avLst/>
-          </a:prstGeom>
-          <a:noFill/>
-          <a:ln cap="flat" cmpd="sng" w="9525">
-            <a:solidFill>
-              <a:schemeClr val="dk2"/>
-            </a:solidFill>
-            <a:prstDash val="solid"/>
-            <a:round/>
-            <a:headEnd len="med" w="med" type="none"/>
-            <a:tailEnd len="med" w="med" type="none"/>
-          </a:ln>
-        </p:spPr>
-      </p:cxnSp>
     </p:spTree>
   </p:cSld>
   <p:clrMapOvr>
@@ -13020,7 +18549,7 @@
   <p:cSld>
     <p:spTree>
       <p:nvGrpSpPr>
-        <p:cNvPr id="136" name="Shape 136"/>
+        <p:cNvPr id="143" name="Shape 143"/>
         <p:cNvGrpSpPr/>
         <p:nvPr/>
       </p:nvGrpSpPr>
@@ -13034,13 +18563,13 @@
       </p:grpSpPr>
       <p:sp>
         <p:nvSpPr>
-          <p:cNvPr id="137" name="Google Shape;137;g7052a85339_0_28"/>
+          <p:cNvPr id="144" name="Google Shape;144;g7052a85339_0_28"/>
           <p:cNvSpPr/>
           <p:nvPr/>
         </p:nvSpPr>
         <p:spPr>
           <a:xfrm>
-            <a:off x="2852450" y="914400"/>
+            <a:off x="1458820" y="914400"/>
             <a:ext cx="183000" cy="182100"/>
           </a:xfrm>
           <a:prstGeom prst="ellipse">
@@ -13099,13 +18628,13 @@
       </p:sp>
       <p:sp>
         <p:nvSpPr>
-          <p:cNvPr id="138" name="Google Shape;138;g7052a85339_0_28"/>
+          <p:cNvPr id="145" name="Google Shape;145;g7052a85339_0_28"/>
           <p:cNvSpPr/>
           <p:nvPr/>
         </p:nvSpPr>
         <p:spPr>
           <a:xfrm>
-            <a:off x="3233450" y="1371600"/>
+            <a:off x="1839820" y="1371600"/>
             <a:ext cx="183000" cy="182100"/>
           </a:xfrm>
           <a:prstGeom prst="ellipse">
@@ -13164,16 +18693,16 @@
       </p:sp>
       <p:cxnSp>
         <p:nvCxnSpPr>
-          <p:cNvPr id="139" name="Google Shape;139;g7052a85339_0_28"/>
+          <p:cNvPr id="146" name="Google Shape;146;g7052a85339_0_28"/>
           <p:cNvCxnSpPr>
-            <a:stCxn id="137" idx="5"/>
-            <a:endCxn id="138" idx="1"/>
+            <a:stCxn id="144" idx="5"/>
+            <a:endCxn id="145" idx="1"/>
           </p:cNvCxnSpPr>
           <p:nvPr/>
         </p:nvCxnSpPr>
         <p:spPr>
           <a:xfrm>
-            <a:off x="3008650" y="1069832"/>
+            <a:off x="1615020" y="1069832"/>
             <a:ext cx="251700" cy="328500"/>
           </a:xfrm>
           <a:prstGeom prst="straightConnector1">
@@ -13193,13 +18722,13 @@
       </p:cxnSp>
       <p:sp>
         <p:nvSpPr>
-          <p:cNvPr id="140" name="Google Shape;140;g7052a85339_0_28"/>
+          <p:cNvPr id="147" name="Google Shape;147;g7052a85339_0_28"/>
           <p:cNvSpPr txBox="1"/>
           <p:nvPr/>
         </p:nvSpPr>
         <p:spPr>
           <a:xfrm>
-            <a:off x="3568700" y="868350"/>
+            <a:off x="2175070" y="868350"/>
             <a:ext cx="1097400" cy="274200"/>
           </a:xfrm>
           <a:prstGeom prst="rect">
@@ -13259,13 +18788,13 @@
       </p:sp>
       <p:sp>
         <p:nvSpPr>
-          <p:cNvPr id="141" name="Google Shape;141;g7052a85339_0_28"/>
+          <p:cNvPr id="148" name="Google Shape;148;g7052a85339_0_28"/>
           <p:cNvSpPr/>
           <p:nvPr/>
         </p:nvSpPr>
         <p:spPr>
           <a:xfrm>
-            <a:off x="2852928" y="1828800"/>
+            <a:off x="1459298" y="1828800"/>
             <a:ext cx="183000" cy="182100"/>
           </a:xfrm>
           <a:prstGeom prst="ellipse">
@@ -13324,13 +18853,13 @@
       </p:sp>
       <p:sp>
         <p:nvSpPr>
-          <p:cNvPr id="142" name="Google Shape;142;g7052a85339_0_28"/>
+          <p:cNvPr id="149" name="Google Shape;149;g7052a85339_0_28"/>
           <p:cNvSpPr txBox="1"/>
           <p:nvPr/>
         </p:nvSpPr>
         <p:spPr>
           <a:xfrm>
-            <a:off x="3568700" y="1325550"/>
+            <a:off x="2175070" y="1325550"/>
             <a:ext cx="1097400" cy="274200"/>
           </a:xfrm>
           <a:prstGeom prst="rect">
@@ -13390,13 +18919,13 @@
       </p:sp>
       <p:sp>
         <p:nvSpPr>
-          <p:cNvPr id="143" name="Google Shape;143;g7052a85339_0_28"/>
+          <p:cNvPr id="150" name="Google Shape;150;g7052a85339_0_28"/>
           <p:cNvSpPr txBox="1"/>
           <p:nvPr/>
         </p:nvSpPr>
         <p:spPr>
           <a:xfrm>
-            <a:off x="3568700" y="1782750"/>
+            <a:off x="2175070" y="1782750"/>
             <a:ext cx="1097400" cy="274200"/>
           </a:xfrm>
           <a:prstGeom prst="rect">
@@ -13456,13 +18985,13 @@
       </p:sp>
       <p:sp>
         <p:nvSpPr>
-          <p:cNvPr id="144" name="Google Shape;144;g7052a85339_0_28"/>
+          <p:cNvPr id="151" name="Google Shape;151;g7052a85339_0_28"/>
           <p:cNvSpPr txBox="1"/>
           <p:nvPr/>
         </p:nvSpPr>
         <p:spPr>
           <a:xfrm>
-            <a:off x="2201350" y="2286000"/>
+            <a:off x="807720" y="2286000"/>
             <a:ext cx="479700" cy="182100"/>
           </a:xfrm>
           <a:prstGeom prst="rect">
@@ -13503,6 +19032,10 @@
                 <a:solidFill>
                   <a:srgbClr val="000000"/>
                 </a:solidFill>
+                <a:latin typeface="Arial"/>
+                <a:ea typeface="Arial"/>
+                <a:cs typeface="Arial"/>
+                <a:sym typeface="Arial"/>
               </a:rPr>
               <a:t>master</a:t>
             </a:r>
@@ -13510,22 +19043,26 @@
               <a:solidFill>
                 <a:srgbClr val="000000"/>
               </a:solidFill>
+              <a:latin typeface="Arial"/>
+              <a:ea typeface="Arial"/>
+              <a:cs typeface="Arial"/>
+              <a:sym typeface="Arial"/>
             </a:endParaRPr>
           </a:p>
         </p:txBody>
       </p:sp>
       <p:cxnSp>
         <p:nvCxnSpPr>
-          <p:cNvPr id="145" name="Google Shape;145;g7052a85339_0_28"/>
+          <p:cNvPr id="152" name="Google Shape;152;g7052a85339_0_28"/>
           <p:cNvCxnSpPr>
-            <a:stCxn id="137" idx="4"/>
-            <a:endCxn id="141" idx="0"/>
+            <a:stCxn id="144" idx="4"/>
+            <a:endCxn id="148" idx="0"/>
           </p:cNvCxnSpPr>
           <p:nvPr/>
         </p:nvCxnSpPr>
         <p:spPr>
           <a:xfrm>
-            <a:off x="2943950" y="1096500"/>
+            <a:off x="1550320" y="1096500"/>
             <a:ext cx="600" cy="732300"/>
           </a:xfrm>
           <a:prstGeom prst="straightConnector1">
@@ -13545,13 +19082,13 @@
       </p:cxnSp>
       <p:sp>
         <p:nvSpPr>
-          <p:cNvPr id="146" name="Google Shape;146;g7052a85339_0_28"/>
+          <p:cNvPr id="153" name="Google Shape;153;g7052a85339_0_28"/>
           <p:cNvSpPr txBox="1"/>
           <p:nvPr/>
         </p:nvSpPr>
         <p:spPr>
           <a:xfrm>
-            <a:off x="1667950" y="1371600"/>
+            <a:off x="274320" y="1371600"/>
             <a:ext cx="479700" cy="182100"/>
           </a:xfrm>
           <a:prstGeom prst="rect">
@@ -13588,24 +19125,221 @@
               <a:buNone/>
             </a:pPr>
             <a:r>
-              <a:rPr i="0" lang="en" sz="900" u="none" cap="none" strike="noStrike">
+              <a:rPr b="0" i="0" lang="en" sz="900" u="none" cap="none" strike="noStrike">
                 <a:solidFill>
                   <a:srgbClr val="000000"/>
                 </a:solidFill>
+                <a:latin typeface="Arial"/>
+                <a:ea typeface="Arial"/>
+                <a:cs typeface="Arial"/>
+                <a:sym typeface="Arial"/>
               </a:rPr>
               <a:t>develop</a:t>
             </a:r>
-            <a:endParaRPr i="0" sz="900" u="none" cap="none" strike="noStrike">
+            <a:endParaRPr b="0" i="0" sz="900" u="none" cap="none" strike="noStrike">
               <a:solidFill>
                 <a:srgbClr val="000000"/>
               </a:solidFill>
+              <a:latin typeface="Arial"/>
+              <a:ea typeface="Arial"/>
+              <a:cs typeface="Arial"/>
+              <a:sym typeface="Arial"/>
+            </a:endParaRPr>
+          </a:p>
+        </p:txBody>
+      </p:sp>
+      <p:cxnSp>
+        <p:nvCxnSpPr>
+          <p:cNvPr id="154" name="Google Shape;154;g7052a85339_0_28"/>
+          <p:cNvCxnSpPr>
+            <a:stCxn id="148" idx="4"/>
+            <a:endCxn id="155" idx="0"/>
+          </p:cNvCxnSpPr>
+          <p:nvPr/>
+        </p:nvCxnSpPr>
+        <p:spPr>
+          <a:xfrm>
+            <a:off x="1550798" y="2010900"/>
+            <a:ext cx="0" cy="275100"/>
+          </a:xfrm>
+          <a:prstGeom prst="straightConnector1">
+            <a:avLst/>
+          </a:prstGeom>
+          <a:noFill/>
+          <a:ln cap="flat" cmpd="sng" w="9525">
+            <a:solidFill>
+              <a:schemeClr val="dk2"/>
+            </a:solidFill>
+            <a:prstDash val="solid"/>
+            <a:round/>
+            <a:headEnd len="sm" w="sm" type="none"/>
+            <a:tailEnd len="sm" w="sm" type="none"/>
+          </a:ln>
+        </p:spPr>
+      </p:cxnSp>
+      <p:cxnSp>
+        <p:nvCxnSpPr>
+          <p:cNvPr id="156" name="Google Shape;156;g7052a85339_0_28"/>
+          <p:cNvCxnSpPr>
+            <a:stCxn id="145" idx="4"/>
+            <a:endCxn id="155" idx="7"/>
+          </p:cNvCxnSpPr>
+          <p:nvPr/>
+        </p:nvCxnSpPr>
+        <p:spPr>
+          <a:xfrm flipH="1">
+            <a:off x="1615420" y="1553700"/>
+            <a:ext cx="315900" cy="759000"/>
+          </a:xfrm>
+          <a:prstGeom prst="straightConnector1">
+            <a:avLst/>
+          </a:prstGeom>
+          <a:noFill/>
+          <a:ln cap="flat" cmpd="sng" w="9525">
+            <a:solidFill>
+              <a:schemeClr val="dk2"/>
+            </a:solidFill>
+            <a:prstDash val="solid"/>
+            <a:round/>
+            <a:headEnd len="sm" w="sm" type="none"/>
+            <a:tailEnd len="sm" w="sm" type="none"/>
+          </a:ln>
+        </p:spPr>
+      </p:cxnSp>
+      <p:sp>
+        <p:nvSpPr>
+          <p:cNvPr id="155" name="Google Shape;155;g7052a85339_0_28"/>
+          <p:cNvSpPr/>
+          <p:nvPr/>
+        </p:nvSpPr>
+        <p:spPr>
+          <a:xfrm>
+            <a:off x="1459298" y="2286000"/>
+            <a:ext cx="183000" cy="182100"/>
+          </a:xfrm>
+          <a:prstGeom prst="ellipse">
+            <a:avLst/>
+          </a:prstGeom>
+          <a:solidFill>
+            <a:schemeClr val="lt2"/>
+          </a:solidFill>
+          <a:ln cap="flat" cmpd="sng" w="9525">
+            <a:solidFill>
+              <a:schemeClr val="dk2"/>
+            </a:solidFill>
+            <a:prstDash val="solid"/>
+            <a:round/>
+            <a:headEnd len="sm" w="sm" type="none"/>
+            <a:tailEnd len="sm" w="sm" type="none"/>
+          </a:ln>
+        </p:spPr>
+        <p:txBody>
+          <a:bodyPr anchorCtr="0" anchor="ctr" bIns="91425" lIns="91425" spcFirstLastPara="1" rIns="91425" wrap="square" tIns="91425">
+            <a:noAutofit/>
+          </a:bodyPr>
+          <a:lstStyle/>
+          <a:p>
+            <a:pPr indent="0" lvl="0" marL="0" marR="0" rtl="0" algn="l">
+              <a:lnSpc>
+                <a:spcPct val="100000"/>
+              </a:lnSpc>
+              <a:spcBef>
+                <a:spcPts val="0"/>
+              </a:spcBef>
+              <a:spcAft>
+                <a:spcPts val="0"/>
+              </a:spcAft>
+              <a:buClr>
+                <a:srgbClr val="000000"/>
+              </a:buClr>
+              <a:buSzPts val="1400"/>
+              <a:buFont typeface="Arial"/>
+              <a:buNone/>
+            </a:pPr>
+            <a:r>
+              <a:t/>
+            </a:r>
+            <a:endParaRPr b="0" i="0" sz="1400" u="none" cap="none" strike="noStrike">
+              <a:solidFill>
+                <a:srgbClr val="000000"/>
+              </a:solidFill>
+              <a:latin typeface="Arial"/>
+              <a:ea typeface="Arial"/>
+              <a:cs typeface="Arial"/>
+              <a:sym typeface="Arial"/>
             </a:endParaRPr>
           </a:p>
         </p:txBody>
       </p:sp>
       <p:sp>
         <p:nvSpPr>
-          <p:cNvPr id="147" name="Google Shape;147;g7052a85339_0_28"/>
+          <p:cNvPr id="157" name="Google Shape;157;g7052a85339_0_28"/>
+          <p:cNvSpPr txBox="1"/>
+          <p:nvPr/>
+        </p:nvSpPr>
+        <p:spPr>
+          <a:xfrm>
+            <a:off x="2175070" y="2240280"/>
+            <a:ext cx="1097400" cy="274200"/>
+          </a:xfrm>
+          <a:prstGeom prst="rect">
+            <a:avLst/>
+          </a:prstGeom>
+          <a:noFill/>
+          <a:ln>
+            <a:noFill/>
+          </a:ln>
+        </p:spPr>
+        <p:txBody>
+          <a:bodyPr anchorCtr="0" anchor="t" bIns="0" lIns="0" spcFirstLastPara="1" rIns="0" wrap="square" tIns="0">
+            <a:noAutofit/>
+          </a:bodyPr>
+          <a:lstStyle/>
+          <a:p>
+            <a:pPr indent="0" lvl="0" marL="0" marR="0" rtl="0" algn="l">
+              <a:lnSpc>
+                <a:spcPct val="100000"/>
+              </a:lnSpc>
+              <a:spcBef>
+                <a:spcPts val="0"/>
+              </a:spcBef>
+              <a:spcAft>
+                <a:spcPts val="0"/>
+              </a:spcAft>
+              <a:buClr>
+                <a:srgbClr val="000000"/>
+              </a:buClr>
+              <a:buSzPts val="1400"/>
+              <a:buFont typeface="Arial"/>
+              <a:buNone/>
+            </a:pPr>
+            <a:r>
+              <a:rPr b="0" i="0" lang="en" sz="1400" u="none" cap="none" strike="noStrike">
+                <a:solidFill>
+                  <a:srgbClr val="000000"/>
+                </a:solidFill>
+                <a:latin typeface="Arial"/>
+                <a:ea typeface="Arial"/>
+                <a:cs typeface="Arial"/>
+                <a:sym typeface="Arial"/>
+              </a:rPr>
+              <a:t>merge</a:t>
+            </a:r>
+            <a:endParaRPr b="0" i="0" sz="1400" u="none" cap="none" strike="noStrike">
+              <a:solidFill>
+                <a:srgbClr val="000000"/>
+              </a:solidFill>
+              <a:latin typeface="Arial"/>
+              <a:ea typeface="Arial"/>
+              <a:cs typeface="Arial"/>
+              <a:sym typeface="Arial"/>
+            </a:endParaRPr>
+          </a:p>
+        </p:txBody>
+      </p:sp>
+      <p:sp>
+        <p:nvSpPr>
+          <p:cNvPr id="158" name="Google Shape;158;g7052a85339_0_28"/>
           <p:cNvSpPr txBox="1"/>
           <p:nvPr/>
         </p:nvSpPr>
@@ -13648,6 +19382,14 @@
               <a:buNone/>
             </a:pPr>
             <a:r>
+              <a:rPr lang="en"/>
+              <a:t>4</a:t>
+            </a:r>
+            <a:r>
+              <a:rPr lang="en"/>
+              <a:t>. Opdracht </a:t>
+            </a:r>
+            <a:r>
               <a:rPr b="0" i="0" lang="en" sz="1400" u="none" cap="none" strike="noStrike">
                 <a:solidFill>
                   <a:srgbClr val="000000"/>
@@ -13671,73 +19413,306 @@
           </a:p>
         </p:txBody>
       </p:sp>
-      <p:cxnSp>
-        <p:nvCxnSpPr>
-          <p:cNvPr id="148" name="Google Shape;148;g7052a85339_0_28"/>
-          <p:cNvCxnSpPr>
-            <a:stCxn id="141" idx="4"/>
-            <a:endCxn id="149" idx="0"/>
-          </p:cNvCxnSpPr>
+      <p:sp>
+        <p:nvSpPr>
+          <p:cNvPr id="159" name="Google Shape;159;g7052a85339_0_28"/>
+          <p:cNvSpPr txBox="1"/>
           <p:nvPr/>
-        </p:nvCxnSpPr>
+        </p:nvSpPr>
         <p:spPr>
           <a:xfrm>
-            <a:off x="2944428" y="2010900"/>
-            <a:ext cx="0" cy="275100"/>
+            <a:off x="3621025" y="740675"/>
+            <a:ext cx="5523000" cy="3348600"/>
           </a:xfrm>
-          <a:prstGeom prst="straightConnector1">
+          <a:prstGeom prst="rect">
             <a:avLst/>
           </a:prstGeom>
           <a:noFill/>
-          <a:ln cap="flat" cmpd="sng" w="9525">
-            <a:solidFill>
-              <a:schemeClr val="dk2"/>
-            </a:solidFill>
-            <a:prstDash val="solid"/>
-            <a:round/>
-            <a:headEnd len="med" w="med" type="none"/>
-            <a:tailEnd len="med" w="med" type="none"/>
+          <a:ln>
+            <a:noFill/>
           </a:ln>
         </p:spPr>
-      </p:cxnSp>
-      <p:cxnSp>
-        <p:nvCxnSpPr>
-          <p:cNvPr id="150" name="Google Shape;150;g7052a85339_0_28"/>
-          <p:cNvCxnSpPr>
-            <a:stCxn id="138" idx="4"/>
-            <a:endCxn id="149" idx="7"/>
-          </p:cNvCxnSpPr>
-          <p:nvPr/>
-        </p:nvCxnSpPr>
-        <p:spPr>
-          <a:xfrm flipH="1">
-            <a:off x="3009050" y="1553700"/>
-            <a:ext cx="315900" cy="759000"/>
-          </a:xfrm>
-          <a:prstGeom prst="straightConnector1">
-            <a:avLst/>
-          </a:prstGeom>
-          <a:noFill/>
-          <a:ln cap="flat" cmpd="sng" w="9525">
-            <a:solidFill>
-              <a:schemeClr val="dk2"/>
-            </a:solidFill>
-            <a:prstDash val="solid"/>
-            <a:round/>
-            <a:headEnd len="med" w="med" type="none"/>
-            <a:tailEnd len="med" w="med" type="none"/>
-          </a:ln>
-        </p:spPr>
-      </p:cxnSp>
+        <p:txBody>
+          <a:bodyPr anchorCtr="0" anchor="t" bIns="91425" lIns="91425" spcFirstLastPara="1" rIns="91425" wrap="square" tIns="91425">
+            <a:noAutofit/>
+          </a:bodyPr>
+          <a:lstStyle/>
+          <a:p>
+            <a:pPr indent="-330200" lvl="0" marL="457200" rtl="0" algn="l">
+              <a:spcBef>
+                <a:spcPts val="0"/>
+              </a:spcBef>
+              <a:spcAft>
+                <a:spcPts val="0"/>
+              </a:spcAft>
+              <a:buSzPts val="1600"/>
+              <a:buChar char="●"/>
+            </a:pPr>
+            <a:r>
+              <a:rPr lang="en" sz="1600"/>
+              <a:t>maak initial commit</a:t>
+            </a:r>
+            <a:endParaRPr sz="1600"/>
+          </a:p>
+          <a:p>
+            <a:pPr indent="-330200" lvl="0" marL="457200" rtl="0" algn="l">
+              <a:spcBef>
+                <a:spcPts val="0"/>
+              </a:spcBef>
+              <a:spcAft>
+                <a:spcPts val="0"/>
+              </a:spcAft>
+              <a:buSzPts val="1600"/>
+              <a:buChar char="●"/>
+            </a:pPr>
+            <a:r>
+              <a:rPr lang="en" sz="1600"/>
+              <a:t>maak nieuwe branch develop</a:t>
+            </a:r>
+            <a:endParaRPr sz="1600"/>
+          </a:p>
+          <a:p>
+            <a:pPr indent="-330200" lvl="0" marL="457200" rtl="0" algn="l">
+              <a:spcBef>
+                <a:spcPts val="0"/>
+              </a:spcBef>
+              <a:spcAft>
+                <a:spcPts val="0"/>
+              </a:spcAft>
+              <a:buSzPts val="1600"/>
+              <a:buChar char="●"/>
+            </a:pPr>
+            <a:r>
+              <a:rPr lang="en" sz="1600"/>
+              <a:t>checkout develop</a:t>
+            </a:r>
+            <a:endParaRPr sz="1600"/>
+          </a:p>
+          <a:p>
+            <a:pPr indent="-330200" lvl="0" marL="457200" rtl="0" algn="l">
+              <a:spcBef>
+                <a:spcPts val="0"/>
+              </a:spcBef>
+              <a:spcAft>
+                <a:spcPts val="0"/>
+              </a:spcAft>
+              <a:buSzPts val="1600"/>
+              <a:buChar char="●"/>
+            </a:pPr>
+            <a:r>
+              <a:rPr lang="en" sz="1600"/>
+              <a:t>maak wijziging en commit</a:t>
+            </a:r>
+            <a:endParaRPr sz="1600"/>
+          </a:p>
+          <a:p>
+            <a:pPr indent="-330200" lvl="0" marL="457200" rtl="0" algn="l">
+              <a:spcBef>
+                <a:spcPts val="0"/>
+              </a:spcBef>
+              <a:spcAft>
+                <a:spcPts val="0"/>
+              </a:spcAft>
+              <a:buSzPts val="1600"/>
+              <a:buChar char="●"/>
+            </a:pPr>
+            <a:r>
+              <a:rPr lang="en" sz="1600"/>
+              <a:t>checkout master</a:t>
+            </a:r>
+            <a:endParaRPr sz="1600"/>
+          </a:p>
+          <a:p>
+            <a:pPr indent="-330200" lvl="0" marL="457200" rtl="0" algn="l">
+              <a:spcBef>
+                <a:spcPts val="0"/>
+              </a:spcBef>
+              <a:spcAft>
+                <a:spcPts val="0"/>
+              </a:spcAft>
+              <a:buClr>
+                <a:schemeClr val="dk1"/>
+              </a:buClr>
+              <a:buSzPts val="1600"/>
+              <a:buChar char="●"/>
+            </a:pPr>
+            <a:r>
+              <a:rPr lang="en" sz="1600">
+                <a:solidFill>
+                  <a:schemeClr val="dk1"/>
+                </a:solidFill>
+              </a:rPr>
+              <a:t>maak wijziging en commit</a:t>
+            </a:r>
+            <a:endParaRPr sz="1600">
+              <a:solidFill>
+                <a:schemeClr val="dk1"/>
+              </a:solidFill>
+            </a:endParaRPr>
+          </a:p>
+          <a:p>
+            <a:pPr indent="-330200" lvl="0" marL="457200" rtl="0" algn="l">
+              <a:spcBef>
+                <a:spcPts val="0"/>
+              </a:spcBef>
+              <a:spcAft>
+                <a:spcPts val="0"/>
+              </a:spcAft>
+              <a:buSzPts val="1600"/>
+              <a:buChar char="●"/>
+            </a:pPr>
+            <a:r>
+              <a:rPr lang="en" sz="1600"/>
+              <a:t>merge develop in master</a:t>
+            </a:r>
+            <a:endParaRPr sz="1600"/>
+          </a:p>
+          <a:p>
+            <a:pPr indent="-330200" lvl="0" marL="457200" rtl="0" algn="l">
+              <a:spcBef>
+                <a:spcPts val="0"/>
+              </a:spcBef>
+              <a:spcAft>
+                <a:spcPts val="0"/>
+              </a:spcAft>
+              <a:buSzPts val="1600"/>
+              <a:buChar char="●"/>
+            </a:pPr>
+            <a:r>
+              <a:rPr lang="en" sz="1600"/>
+              <a:t>l</a:t>
+            </a:r>
+            <a:r>
+              <a:rPr lang="en" sz="1600"/>
+              <a:t>os conflict op en commit</a:t>
+            </a:r>
+            <a:endParaRPr sz="1600"/>
+          </a:p>
+          <a:p>
+            <a:pPr indent="-330200" lvl="0" marL="457200" rtl="0" algn="l">
+              <a:spcBef>
+                <a:spcPts val="0"/>
+              </a:spcBef>
+              <a:spcAft>
+                <a:spcPts val="0"/>
+              </a:spcAft>
+              <a:buSzPts val="1600"/>
+              <a:buChar char="●"/>
+            </a:pPr>
+            <a:r>
+              <a:rPr lang="en" sz="1600"/>
+              <a:t>b</a:t>
+            </a:r>
+            <a:r>
+              <a:rPr lang="en" sz="1600"/>
+              <a:t>ekijk log</a:t>
+            </a:r>
+            <a:endParaRPr sz="1600"/>
+          </a:p>
+          <a:p>
+            <a:pPr indent="-330200" lvl="0" marL="457200" rtl="0" algn="l">
+              <a:spcBef>
+                <a:spcPts val="0"/>
+              </a:spcBef>
+              <a:spcAft>
+                <a:spcPts val="0"/>
+              </a:spcAft>
+              <a:buSzPts val="1600"/>
+              <a:buChar char="●"/>
+            </a:pPr>
+            <a:r>
+              <a:rPr lang="en" sz="1600"/>
+              <a:t>checkout develop</a:t>
+            </a:r>
+            <a:endParaRPr sz="1600"/>
+          </a:p>
+          <a:p>
+            <a:pPr indent="-330200" lvl="0" marL="457200" rtl="0" algn="l">
+              <a:spcBef>
+                <a:spcPts val="0"/>
+              </a:spcBef>
+              <a:spcAft>
+                <a:spcPts val="0"/>
+              </a:spcAft>
+              <a:buSzPts val="1600"/>
+              <a:buChar char="●"/>
+            </a:pPr>
+            <a:r>
+              <a:rPr lang="en" sz="1600"/>
+              <a:t>merge master in develop(fast-forward)</a:t>
+            </a:r>
+            <a:endParaRPr sz="1600"/>
+          </a:p>
+          <a:p>
+            <a:pPr indent="-330200" lvl="0" marL="457200" rtl="0" algn="l">
+              <a:spcBef>
+                <a:spcPts val="0"/>
+              </a:spcBef>
+              <a:spcAft>
+                <a:spcPts val="0"/>
+              </a:spcAft>
+              <a:buSzPts val="1600"/>
+              <a:buChar char="●"/>
+            </a:pPr>
+            <a:r>
+              <a:rPr lang="en" sz="1600"/>
+              <a:t>bekijk log</a:t>
+            </a:r>
+            <a:endParaRPr sz="1600"/>
+          </a:p>
+          <a:p>
+            <a:pPr indent="-330200" lvl="0" marL="457200" rtl="0" algn="l">
+              <a:spcBef>
+                <a:spcPts val="0"/>
+              </a:spcBef>
+              <a:spcAft>
+                <a:spcPts val="0"/>
+              </a:spcAft>
+              <a:buSzPts val="1600"/>
+              <a:buChar char="●"/>
+            </a:pPr>
+            <a:r>
+              <a:rPr lang="en" sz="1600"/>
+              <a:t>delete develop branch</a:t>
+            </a:r>
+            <a:endParaRPr sz="1600"/>
+          </a:p>
+        </p:txBody>
+      </p:sp>
+    </p:spTree>
+  </p:cSld>
+  <p:clrMapOvr>
+    <a:masterClrMapping/>
+  </p:clrMapOvr>
+</p:sld>
+</file>
+
+<file path=ppt/slides/slide9.xml><?xml version="1.0" encoding="utf-8"?>
+<p:sld xmlns:a="http://schemas.openxmlformats.org/drawingml/2006/main" xmlns:r="http://schemas.openxmlformats.org/officeDocument/2006/relationships" xmlns:mc="http://schemas.openxmlformats.org/markup-compatibility/2006" xmlns:mv="urn:schemas-microsoft-com:mac:vml" xmlns:p="http://schemas.openxmlformats.org/presentationml/2006/main" xmlns:c="http://schemas.openxmlformats.org/drawingml/2006/chart" xmlns:dgm="http://schemas.openxmlformats.org/drawingml/2006/diagram" xmlns:o="urn:schemas-microsoft-com:office:office" xmlns:v="urn:schemas-microsoft-com:vml" xmlns:pvml="urn:schemas-microsoft-com:office:powerpoint" xmlns:com="http://schemas.openxmlformats.org/drawingml/2006/compatibility" xmlns:p14="http://schemas.microsoft.com/office/powerpoint/2010/main" xmlns:p15="http://schemas.microsoft.com/office/powerpoint/2012/main">
+  <p:cSld>
+    <p:spTree>
+      <p:nvGrpSpPr>
+        <p:cNvPr id="163" name="Shape 163"/>
+        <p:cNvGrpSpPr/>
+        <p:nvPr/>
+      </p:nvGrpSpPr>
+      <p:grpSpPr>
+        <a:xfrm>
+          <a:off x="0" y="0"/>
+          <a:ext cx="0" cy="0"/>
+          <a:chOff x="0" y="0"/>
+          <a:chExt cx="0" cy="0"/>
+        </a:xfrm>
+      </p:grpSpPr>
       <p:sp>
         <p:nvSpPr>
-          <p:cNvPr id="149" name="Google Shape;149;g7052a85339_0_28"/>
+          <p:cNvPr id="164" name="Google Shape;164;g705546a133_0_2"/>
           <p:cNvSpPr/>
           <p:nvPr/>
         </p:nvSpPr>
         <p:spPr>
           <a:xfrm>
-            <a:off x="2852928" y="2286000"/>
+            <a:off x="1458820" y="914400"/>
             <a:ext cx="183000" cy="182100"/>
           </a:xfrm>
           <a:prstGeom prst="ellipse">
@@ -13796,96 +19771,13 @@
       </p:sp>
       <p:sp>
         <p:nvSpPr>
-          <p:cNvPr id="151" name="Google Shape;151;g7052a85339_0_28"/>
-          <p:cNvSpPr txBox="1"/>
-          <p:nvPr/>
-        </p:nvSpPr>
-        <p:spPr>
-          <a:xfrm>
-            <a:off x="3568700" y="2240280"/>
-            <a:ext cx="1097400" cy="274200"/>
-          </a:xfrm>
-          <a:prstGeom prst="rect">
-            <a:avLst/>
-          </a:prstGeom>
-          <a:noFill/>
-          <a:ln>
-            <a:noFill/>
-          </a:ln>
-        </p:spPr>
-        <p:txBody>
-          <a:bodyPr anchorCtr="0" anchor="t" bIns="0" lIns="0" spcFirstLastPara="1" rIns="0" wrap="square" tIns="0">
-            <a:noAutofit/>
-          </a:bodyPr>
-          <a:lstStyle/>
-          <a:p>
-            <a:pPr indent="0" lvl="0" marL="0" marR="0" rtl="0" algn="l">
-              <a:lnSpc>
-                <a:spcPct val="100000"/>
-              </a:lnSpc>
-              <a:spcBef>
-                <a:spcPts val="0"/>
-              </a:spcBef>
-              <a:spcAft>
-                <a:spcPts val="0"/>
-              </a:spcAft>
-              <a:buClr>
-                <a:srgbClr val="000000"/>
-              </a:buClr>
-              <a:buSzPts val="1400"/>
-              <a:buFont typeface="Arial"/>
-              <a:buNone/>
-            </a:pPr>
-            <a:r>
-              <a:rPr lang="en"/>
-              <a:t>merge</a:t>
-            </a:r>
-            <a:endParaRPr b="0" i="0" sz="1400" u="none" cap="none" strike="noStrike">
-              <a:solidFill>
-                <a:srgbClr val="000000"/>
-              </a:solidFill>
-              <a:latin typeface="Arial"/>
-              <a:ea typeface="Arial"/>
-              <a:cs typeface="Arial"/>
-              <a:sym typeface="Arial"/>
-            </a:endParaRPr>
-          </a:p>
-        </p:txBody>
-      </p:sp>
-    </p:spTree>
-  </p:cSld>
-  <p:clrMapOvr>
-    <a:masterClrMapping/>
-  </p:clrMapOvr>
-</p:sld>
-</file>
-
-<file path=ppt/slides/slide9.xml><?xml version="1.0" encoding="utf-8"?>
-<p:sld xmlns:a="http://schemas.openxmlformats.org/drawingml/2006/main" xmlns:r="http://schemas.openxmlformats.org/officeDocument/2006/relationships" xmlns:mc="http://schemas.openxmlformats.org/markup-compatibility/2006" xmlns:mv="urn:schemas-microsoft-com:mac:vml" xmlns:p="http://schemas.openxmlformats.org/presentationml/2006/main" xmlns:c="http://schemas.openxmlformats.org/drawingml/2006/chart" xmlns:dgm="http://schemas.openxmlformats.org/drawingml/2006/diagram" xmlns:o="urn:schemas-microsoft-com:office:office" xmlns:v="urn:schemas-microsoft-com:vml" xmlns:pvml="urn:schemas-microsoft-com:office:powerpoint" xmlns:com="http://schemas.openxmlformats.org/drawingml/2006/compatibility" xmlns:p14="http://schemas.microsoft.com/office/powerpoint/2010/main" xmlns:p15="http://schemas.microsoft.com/office/powerpoint/2012/main">
-  <p:cSld>
-    <p:spTree>
-      <p:nvGrpSpPr>
-        <p:cNvPr id="155" name="Shape 155"/>
-        <p:cNvGrpSpPr/>
-        <p:nvPr/>
-      </p:nvGrpSpPr>
-      <p:grpSpPr>
-        <a:xfrm>
-          <a:off x="0" y="0"/>
-          <a:ext cx="0" cy="0"/>
-          <a:chOff x="0" y="0"/>
-          <a:chExt cx="0" cy="0"/>
-        </a:xfrm>
-      </p:grpSpPr>
-      <p:sp>
-        <p:nvSpPr>
-          <p:cNvPr id="156" name="Google Shape;156;g7052a85339_0_47"/>
+          <p:cNvPr id="165" name="Google Shape;165;g705546a133_0_2"/>
           <p:cNvSpPr/>
           <p:nvPr/>
         </p:nvSpPr>
         <p:spPr>
           <a:xfrm>
-            <a:off x="2852450" y="914400"/>
+            <a:off x="1839820" y="1371600"/>
             <a:ext cx="183000" cy="182100"/>
           </a:xfrm>
           <a:prstGeom prst="ellipse">
@@ -13942,15 +19834,110 @@
           </a:p>
         </p:txBody>
       </p:sp>
+      <p:cxnSp>
+        <p:nvCxnSpPr>
+          <p:cNvPr id="166" name="Google Shape;166;g705546a133_0_2"/>
+          <p:cNvCxnSpPr>
+            <a:stCxn id="164" idx="5"/>
+            <a:endCxn id="165" idx="1"/>
+          </p:cNvCxnSpPr>
+          <p:nvPr/>
+        </p:nvCxnSpPr>
+        <p:spPr>
+          <a:xfrm>
+            <a:off x="1615020" y="1069832"/>
+            <a:ext cx="251700" cy="328500"/>
+          </a:xfrm>
+          <a:prstGeom prst="straightConnector1">
+            <a:avLst/>
+          </a:prstGeom>
+          <a:noFill/>
+          <a:ln cap="flat" cmpd="sng" w="9525">
+            <a:solidFill>
+              <a:schemeClr val="dk2"/>
+            </a:solidFill>
+            <a:prstDash val="solid"/>
+            <a:round/>
+            <a:headEnd len="sm" w="sm" type="none"/>
+            <a:tailEnd len="sm" w="sm" type="none"/>
+          </a:ln>
+        </p:spPr>
+      </p:cxnSp>
       <p:sp>
         <p:nvSpPr>
-          <p:cNvPr id="157" name="Google Shape;157;g7052a85339_0_47"/>
+          <p:cNvPr id="167" name="Google Shape;167;g705546a133_0_2"/>
+          <p:cNvSpPr txBox="1"/>
+          <p:nvPr/>
+        </p:nvSpPr>
+        <p:spPr>
+          <a:xfrm>
+            <a:off x="2175070" y="868350"/>
+            <a:ext cx="1097400" cy="274200"/>
+          </a:xfrm>
+          <a:prstGeom prst="rect">
+            <a:avLst/>
+          </a:prstGeom>
+          <a:noFill/>
+          <a:ln>
+            <a:noFill/>
+          </a:ln>
+        </p:spPr>
+        <p:txBody>
+          <a:bodyPr anchorCtr="0" anchor="t" bIns="0" lIns="0" spcFirstLastPara="1" rIns="0" wrap="square" tIns="0">
+            <a:noAutofit/>
+          </a:bodyPr>
+          <a:lstStyle/>
+          <a:p>
+            <a:pPr indent="0" lvl="0" marL="0" marR="0" rtl="0" algn="l">
+              <a:lnSpc>
+                <a:spcPct val="100000"/>
+              </a:lnSpc>
+              <a:spcBef>
+                <a:spcPts val="0"/>
+              </a:spcBef>
+              <a:spcAft>
+                <a:spcPts val="0"/>
+              </a:spcAft>
+              <a:buClr>
+                <a:srgbClr val="000000"/>
+              </a:buClr>
+              <a:buSzPts val="1400"/>
+              <a:buFont typeface="Arial"/>
+              <a:buNone/>
+            </a:pPr>
+            <a:r>
+              <a:rPr b="0" i="0" lang="en" sz="1400" u="none" cap="none" strike="noStrike">
+                <a:solidFill>
+                  <a:srgbClr val="000000"/>
+                </a:solidFill>
+                <a:latin typeface="Arial"/>
+                <a:ea typeface="Arial"/>
+                <a:cs typeface="Arial"/>
+                <a:sym typeface="Arial"/>
+              </a:rPr>
+              <a:t>Initial commit</a:t>
+            </a:r>
+            <a:endParaRPr b="0" i="0" sz="1400" u="none" cap="none" strike="noStrike">
+              <a:solidFill>
+                <a:srgbClr val="000000"/>
+              </a:solidFill>
+              <a:latin typeface="Arial"/>
+              <a:ea typeface="Arial"/>
+              <a:cs typeface="Arial"/>
+              <a:sym typeface="Arial"/>
+            </a:endParaRPr>
+          </a:p>
+        </p:txBody>
+      </p:sp>
+      <p:sp>
+        <p:nvSpPr>
+          <p:cNvPr id="168" name="Google Shape;168;g705546a133_0_2"/>
           <p:cNvSpPr/>
           <p:nvPr/>
         </p:nvSpPr>
         <p:spPr>
           <a:xfrm>
-            <a:off x="3233450" y="1371600"/>
+            <a:off x="1459298" y="1828800"/>
             <a:ext cx="183000" cy="182100"/>
           </a:xfrm>
           <a:prstGeom prst="ellipse">
@@ -14007,19 +19994,211 @@
           </a:p>
         </p:txBody>
       </p:sp>
+      <p:sp>
+        <p:nvSpPr>
+          <p:cNvPr id="169" name="Google Shape;169;g705546a133_0_2"/>
+          <p:cNvSpPr txBox="1"/>
+          <p:nvPr/>
+        </p:nvSpPr>
+        <p:spPr>
+          <a:xfrm>
+            <a:off x="2175070" y="1325550"/>
+            <a:ext cx="1097400" cy="274200"/>
+          </a:xfrm>
+          <a:prstGeom prst="rect">
+            <a:avLst/>
+          </a:prstGeom>
+          <a:noFill/>
+          <a:ln>
+            <a:noFill/>
+          </a:ln>
+        </p:spPr>
+        <p:txBody>
+          <a:bodyPr anchorCtr="0" anchor="t" bIns="0" lIns="0" spcFirstLastPara="1" rIns="0" wrap="square" tIns="0">
+            <a:noAutofit/>
+          </a:bodyPr>
+          <a:lstStyle/>
+          <a:p>
+            <a:pPr indent="0" lvl="0" marL="0" marR="0" rtl="0" algn="l">
+              <a:lnSpc>
+                <a:spcPct val="100000"/>
+              </a:lnSpc>
+              <a:spcBef>
+                <a:spcPts val="0"/>
+              </a:spcBef>
+              <a:spcAft>
+                <a:spcPts val="0"/>
+              </a:spcAft>
+              <a:buClr>
+                <a:srgbClr val="000000"/>
+              </a:buClr>
+              <a:buSzPts val="1400"/>
+              <a:buFont typeface="Arial"/>
+              <a:buNone/>
+            </a:pPr>
+            <a:r>
+              <a:rPr b="0" i="0" lang="en" sz="1400" u="none" cap="none" strike="noStrike">
+                <a:solidFill>
+                  <a:srgbClr val="000000"/>
+                </a:solidFill>
+                <a:latin typeface="Arial"/>
+                <a:ea typeface="Arial"/>
+                <a:cs typeface="Arial"/>
+                <a:sym typeface="Arial"/>
+              </a:rPr>
+              <a:t>Wijziging 1</a:t>
+            </a:r>
+            <a:endParaRPr b="0" i="0" sz="1400" u="none" cap="none" strike="noStrike">
+              <a:solidFill>
+                <a:srgbClr val="000000"/>
+              </a:solidFill>
+              <a:latin typeface="Arial"/>
+              <a:ea typeface="Arial"/>
+              <a:cs typeface="Arial"/>
+              <a:sym typeface="Arial"/>
+            </a:endParaRPr>
+          </a:p>
+        </p:txBody>
+      </p:sp>
+      <p:sp>
+        <p:nvSpPr>
+          <p:cNvPr id="170" name="Google Shape;170;g705546a133_0_2"/>
+          <p:cNvSpPr txBox="1"/>
+          <p:nvPr/>
+        </p:nvSpPr>
+        <p:spPr>
+          <a:xfrm>
+            <a:off x="2175070" y="1782750"/>
+            <a:ext cx="1097400" cy="274200"/>
+          </a:xfrm>
+          <a:prstGeom prst="rect">
+            <a:avLst/>
+          </a:prstGeom>
+          <a:noFill/>
+          <a:ln>
+            <a:noFill/>
+          </a:ln>
+        </p:spPr>
+        <p:txBody>
+          <a:bodyPr anchorCtr="0" anchor="t" bIns="0" lIns="0" spcFirstLastPara="1" rIns="0" wrap="square" tIns="0">
+            <a:noAutofit/>
+          </a:bodyPr>
+          <a:lstStyle/>
+          <a:p>
+            <a:pPr indent="0" lvl="0" marL="0" marR="0" rtl="0" algn="l">
+              <a:lnSpc>
+                <a:spcPct val="100000"/>
+              </a:lnSpc>
+              <a:spcBef>
+                <a:spcPts val="0"/>
+              </a:spcBef>
+              <a:spcAft>
+                <a:spcPts val="0"/>
+              </a:spcAft>
+              <a:buClr>
+                <a:srgbClr val="000000"/>
+              </a:buClr>
+              <a:buSzPts val="1400"/>
+              <a:buFont typeface="Arial"/>
+              <a:buNone/>
+            </a:pPr>
+            <a:r>
+              <a:rPr b="0" i="0" lang="en" sz="1400" u="none" cap="none" strike="noStrike">
+                <a:solidFill>
+                  <a:srgbClr val="000000"/>
+                </a:solidFill>
+                <a:latin typeface="Arial"/>
+                <a:ea typeface="Arial"/>
+                <a:cs typeface="Arial"/>
+                <a:sym typeface="Arial"/>
+              </a:rPr>
+              <a:t>Wijziging 2</a:t>
+            </a:r>
+            <a:endParaRPr b="0" i="0" sz="1400" u="none" cap="none" strike="noStrike">
+              <a:solidFill>
+                <a:srgbClr val="000000"/>
+              </a:solidFill>
+              <a:latin typeface="Arial"/>
+              <a:ea typeface="Arial"/>
+              <a:cs typeface="Arial"/>
+              <a:sym typeface="Arial"/>
+            </a:endParaRPr>
+          </a:p>
+        </p:txBody>
+      </p:sp>
+      <p:sp>
+        <p:nvSpPr>
+          <p:cNvPr id="171" name="Google Shape;171;g705546a133_0_2"/>
+          <p:cNvSpPr txBox="1"/>
+          <p:nvPr/>
+        </p:nvSpPr>
+        <p:spPr>
+          <a:xfrm>
+            <a:off x="807720" y="2286000"/>
+            <a:ext cx="479700" cy="182100"/>
+          </a:xfrm>
+          <a:prstGeom prst="rect">
+            <a:avLst/>
+          </a:prstGeom>
+          <a:solidFill>
+            <a:srgbClr val="DD7E6B"/>
+          </a:solidFill>
+          <a:ln>
+            <a:noFill/>
+          </a:ln>
+        </p:spPr>
+        <p:txBody>
+          <a:bodyPr anchorCtr="0" anchor="t" bIns="0" lIns="0" spcFirstLastPara="1" rIns="0" wrap="square" tIns="0">
+            <a:noAutofit/>
+          </a:bodyPr>
+          <a:lstStyle/>
+          <a:p>
+            <a:pPr indent="0" lvl="0" marL="0" marR="0" rtl="0" algn="ctr">
+              <a:lnSpc>
+                <a:spcPct val="100000"/>
+              </a:lnSpc>
+              <a:spcBef>
+                <a:spcPts val="0"/>
+              </a:spcBef>
+              <a:spcAft>
+                <a:spcPts val="0"/>
+              </a:spcAft>
+              <a:buClr>
+                <a:srgbClr val="000000"/>
+              </a:buClr>
+              <a:buSzPts val="900"/>
+              <a:buFont typeface="Arial"/>
+              <a:buNone/>
+            </a:pPr>
+            <a:r>
+              <a:rPr i="0" lang="en" sz="900" u="none" cap="none" strike="noStrike">
+                <a:solidFill>
+                  <a:srgbClr val="000000"/>
+                </a:solidFill>
+              </a:rPr>
+              <a:t>master</a:t>
+            </a:r>
+            <a:endParaRPr i="0" sz="900" u="none" cap="none" strike="noStrike">
+              <a:solidFill>
+                <a:srgbClr val="000000"/>
+              </a:solidFill>
+            </a:endParaRPr>
+          </a:p>
+        </p:txBody>
+      </p:sp>
       <p:cxnSp>
         <p:nvCxnSpPr>
-          <p:cNvPr id="158" name="Google Shape;158;g7052a85339_0_47"/>
+          <p:cNvPr id="172" name="Google Shape;172;g705546a133_0_2"/>
           <p:cNvCxnSpPr>
-            <a:stCxn id="156" idx="5"/>
-            <a:endCxn id="157" idx="1"/>
+            <a:stCxn id="164" idx="4"/>
+            <a:endCxn id="168" idx="0"/>
           </p:cNvCxnSpPr>
           <p:nvPr/>
         </p:nvCxnSpPr>
         <p:spPr>
           <a:xfrm>
-            <a:off x="3008650" y="1069832"/>
-            <a:ext cx="251700" cy="328500"/>
+            <a:off x="1550320" y="1096500"/>
+            <a:ext cx="600" cy="732300"/>
           </a:xfrm>
           <a:prstGeom prst="straightConnector1">
             <a:avLst/>
@@ -14038,19 +20217,21 @@
       </p:cxnSp>
       <p:sp>
         <p:nvSpPr>
-          <p:cNvPr id="159" name="Google Shape;159;g7052a85339_0_47"/>
+          <p:cNvPr id="173" name="Google Shape;173;g705546a133_0_2"/>
           <p:cNvSpPr txBox="1"/>
           <p:nvPr/>
         </p:nvSpPr>
         <p:spPr>
           <a:xfrm>
-            <a:off x="3568700" y="868350"/>
-            <a:ext cx="1097400" cy="274200"/>
+            <a:off x="274320" y="1371600"/>
+            <a:ext cx="479700" cy="182100"/>
           </a:xfrm>
           <a:prstGeom prst="rect">
             <a:avLst/>
           </a:prstGeom>
-          <a:noFill/>
+          <a:solidFill>
+            <a:srgbClr val="3D85C6"/>
+          </a:solidFill>
           <a:ln>
             <a:noFill/>
           </a:ln>
@@ -14061,56 +20242,106 @@
           </a:bodyPr>
           <a:lstStyle/>
           <a:p>
-            <a:pPr indent="0" lvl="0" marL="0" marR="0" rtl="0" algn="l">
-              <a:lnSpc>
-                <a:spcPct val="100000"/>
-              </a:lnSpc>
-              <a:spcBef>
-                <a:spcPts val="0"/>
-              </a:spcBef>
-              <a:spcAft>
-                <a:spcPts val="0"/>
-              </a:spcAft>
-              <a:buClr>
-                <a:srgbClr val="000000"/>
-              </a:buClr>
-              <a:buSzPts val="1400"/>
-              <a:buFont typeface="Arial"/>
-              <a:buNone/>
-            </a:pPr>
-            <a:r>
-              <a:rPr b="0" i="0" lang="en" sz="1400" u="none" cap="none" strike="noStrike">
+            <a:pPr indent="0" lvl="0" marL="0" marR="0" rtl="0" algn="ctr">
+              <a:lnSpc>
+                <a:spcPct val="100000"/>
+              </a:lnSpc>
+              <a:spcBef>
+                <a:spcPts val="0"/>
+              </a:spcBef>
+              <a:spcAft>
+                <a:spcPts val="0"/>
+              </a:spcAft>
+              <a:buClr>
+                <a:srgbClr val="000000"/>
+              </a:buClr>
+              <a:buSzPts val="900"/>
+              <a:buFont typeface="Arial"/>
+              <a:buNone/>
+            </a:pPr>
+            <a:r>
+              <a:rPr b="1" i="0" lang="en" sz="900" u="none" cap="none" strike="noStrike">
                 <a:solidFill>
                   <a:srgbClr val="000000"/>
                 </a:solidFill>
-                <a:latin typeface="Arial"/>
-                <a:ea typeface="Arial"/>
-                <a:cs typeface="Arial"/>
-                <a:sym typeface="Arial"/>
               </a:rPr>
-              <a:t>Initial commit</a:t>
-            </a:r>
-            <a:endParaRPr b="0" i="0" sz="1400" u="none" cap="none" strike="noStrike">
+              <a:t>develop</a:t>
+            </a:r>
+            <a:endParaRPr b="1" i="0" sz="900" u="none" cap="none" strike="noStrike">
               <a:solidFill>
                 <a:srgbClr val="000000"/>
               </a:solidFill>
-              <a:latin typeface="Arial"/>
-              <a:ea typeface="Arial"/>
-              <a:cs typeface="Arial"/>
-              <a:sym typeface="Arial"/>
             </a:endParaRPr>
           </a:p>
         </p:txBody>
       </p:sp>
+      <p:cxnSp>
+        <p:nvCxnSpPr>
+          <p:cNvPr id="174" name="Google Shape;174;g705546a133_0_2"/>
+          <p:cNvCxnSpPr>
+            <a:stCxn id="168" idx="4"/>
+            <a:endCxn id="175" idx="0"/>
+          </p:cNvCxnSpPr>
+          <p:nvPr/>
+        </p:nvCxnSpPr>
+        <p:spPr>
+          <a:xfrm>
+            <a:off x="1550798" y="2010900"/>
+            <a:ext cx="0" cy="275100"/>
+          </a:xfrm>
+          <a:prstGeom prst="straightConnector1">
+            <a:avLst/>
+          </a:prstGeom>
+          <a:noFill/>
+          <a:ln cap="flat" cmpd="sng" w="9525">
+            <a:solidFill>
+              <a:schemeClr val="dk2"/>
+            </a:solidFill>
+            <a:prstDash val="solid"/>
+            <a:round/>
+            <a:headEnd len="sm" w="sm" type="none"/>
+            <a:tailEnd len="sm" w="sm" type="none"/>
+          </a:ln>
+        </p:spPr>
+      </p:cxnSp>
+      <p:cxnSp>
+        <p:nvCxnSpPr>
+          <p:cNvPr id="176" name="Google Shape;176;g705546a133_0_2"/>
+          <p:cNvCxnSpPr>
+            <a:stCxn id="165" idx="4"/>
+            <a:endCxn id="175" idx="7"/>
+          </p:cNvCxnSpPr>
+          <p:nvPr/>
+        </p:nvCxnSpPr>
+        <p:spPr>
+          <a:xfrm flipH="1">
+            <a:off x="1615420" y="1553700"/>
+            <a:ext cx="315900" cy="759000"/>
+          </a:xfrm>
+          <a:prstGeom prst="straightConnector1">
+            <a:avLst/>
+          </a:prstGeom>
+          <a:noFill/>
+          <a:ln cap="flat" cmpd="sng" w="9525">
+            <a:solidFill>
+              <a:schemeClr val="dk2"/>
+            </a:solidFill>
+            <a:prstDash val="solid"/>
+            <a:round/>
+            <a:headEnd len="sm" w="sm" type="none"/>
+            <a:tailEnd len="sm" w="sm" type="none"/>
+          </a:ln>
+        </p:spPr>
+      </p:cxnSp>
       <p:sp>
         <p:nvSpPr>
-          <p:cNvPr id="160" name="Google Shape;160;g7052a85339_0_47"/>
+          <p:cNvPr id="175" name="Google Shape;175;g705546a133_0_2"/>
           <p:cNvSpPr/>
           <p:nvPr/>
         </p:nvSpPr>
         <p:spPr>
           <a:xfrm>
-            <a:off x="2852928" y="1828800"/>
+            <a:off x="1459298" y="2286000"/>
             <a:ext cx="183000" cy="182100"/>
           </a:xfrm>
           <a:prstGeom prst="ellipse">
@@ -14169,13 +20400,13 @@
       </p:sp>
       <p:sp>
         <p:nvSpPr>
-          <p:cNvPr id="161" name="Google Shape;161;g7052a85339_0_47"/>
+          <p:cNvPr id="177" name="Google Shape;177;g705546a133_0_2"/>
           <p:cNvSpPr txBox="1"/>
           <p:nvPr/>
         </p:nvSpPr>
         <p:spPr>
           <a:xfrm>
-            <a:off x="3568700" y="1325550"/>
+            <a:off x="2175070" y="2240280"/>
             <a:ext cx="1097400" cy="274200"/>
           </a:xfrm>
           <a:prstGeom prst="rect">
@@ -14219,7 +20450,7 @@
                 <a:cs typeface="Arial"/>
                 <a:sym typeface="Arial"/>
               </a:rPr>
-              <a:t>Wijziging 1</a:t>
+              <a:t>merge</a:t>
             </a:r>
             <a:endParaRPr b="0" i="0" sz="1400" u="none" cap="none" strike="noStrike">
               <a:solidFill>
@@ -14235,162 +20466,7 @@
       </p:sp>
       <p:sp>
         <p:nvSpPr>
-          <p:cNvPr id="162" name="Google Shape;162;g7052a85339_0_47"/>
-          <p:cNvSpPr txBox="1"/>
-          <p:nvPr/>
-        </p:nvSpPr>
-        <p:spPr>
-          <a:xfrm>
-            <a:off x="3568700" y="1782750"/>
-            <a:ext cx="1097400" cy="274200"/>
-          </a:xfrm>
-          <a:prstGeom prst="rect">
-            <a:avLst/>
-          </a:prstGeom>
-          <a:noFill/>
-          <a:ln>
-            <a:noFill/>
-          </a:ln>
-        </p:spPr>
-        <p:txBody>
-          <a:bodyPr anchorCtr="0" anchor="t" bIns="0" lIns="0" spcFirstLastPara="1" rIns="0" wrap="square" tIns="0">
-            <a:noAutofit/>
-          </a:bodyPr>
-          <a:lstStyle/>
-          <a:p>
-            <a:pPr indent="0" lvl="0" marL="0" marR="0" rtl="0" algn="l">
-              <a:lnSpc>
-                <a:spcPct val="100000"/>
-              </a:lnSpc>
-              <a:spcBef>
-                <a:spcPts val="0"/>
-              </a:spcBef>
-              <a:spcAft>
-                <a:spcPts val="0"/>
-              </a:spcAft>
-              <a:buClr>
-                <a:srgbClr val="000000"/>
-              </a:buClr>
-              <a:buSzPts val="1400"/>
-              <a:buFont typeface="Arial"/>
-              <a:buNone/>
-            </a:pPr>
-            <a:r>
-              <a:rPr b="0" i="0" lang="en" sz="1400" u="none" cap="none" strike="noStrike">
-                <a:solidFill>
-                  <a:srgbClr val="000000"/>
-                </a:solidFill>
-                <a:latin typeface="Arial"/>
-                <a:ea typeface="Arial"/>
-                <a:cs typeface="Arial"/>
-                <a:sym typeface="Arial"/>
-              </a:rPr>
-              <a:t>Wijziging 2</a:t>
-            </a:r>
-            <a:endParaRPr b="0" i="0" sz="1400" u="none" cap="none" strike="noStrike">
-              <a:solidFill>
-                <a:srgbClr val="000000"/>
-              </a:solidFill>
-              <a:latin typeface="Arial"/>
-              <a:ea typeface="Arial"/>
-              <a:cs typeface="Arial"/>
-              <a:sym typeface="Arial"/>
-            </a:endParaRPr>
-          </a:p>
-        </p:txBody>
-      </p:sp>
-      <p:sp>
-        <p:nvSpPr>
-          <p:cNvPr id="163" name="Google Shape;163;g7052a85339_0_47"/>
-          <p:cNvSpPr txBox="1"/>
-          <p:nvPr/>
-        </p:nvSpPr>
-        <p:spPr>
-          <a:xfrm>
-            <a:off x="2201350" y="2286000"/>
-            <a:ext cx="479700" cy="182100"/>
-          </a:xfrm>
-          <a:prstGeom prst="rect">
-            <a:avLst/>
-          </a:prstGeom>
-          <a:solidFill>
-            <a:srgbClr val="DD7E6B"/>
-          </a:solidFill>
-          <a:ln>
-            <a:noFill/>
-          </a:ln>
-        </p:spPr>
-        <p:txBody>
-          <a:bodyPr anchorCtr="0" anchor="t" bIns="0" lIns="0" spcFirstLastPara="1" rIns="0" wrap="square" tIns="0">
-            <a:noAutofit/>
-          </a:bodyPr>
-          <a:lstStyle/>
-          <a:p>
-            <a:pPr indent="0" lvl="0" marL="0" marR="0" rtl="0" algn="ctr">
-              <a:lnSpc>
-                <a:spcPct val="100000"/>
-              </a:lnSpc>
-              <a:spcBef>
-                <a:spcPts val="0"/>
-              </a:spcBef>
-              <a:spcAft>
-                <a:spcPts val="0"/>
-              </a:spcAft>
-              <a:buClr>
-                <a:srgbClr val="000000"/>
-              </a:buClr>
-              <a:buSzPts val="900"/>
-              <a:buFont typeface="Arial"/>
-              <a:buNone/>
-            </a:pPr>
-            <a:r>
-              <a:rPr b="1" i="0" lang="en" sz="900" u="none" cap="none" strike="noStrike">
-                <a:solidFill>
-                  <a:srgbClr val="000000"/>
-                </a:solidFill>
-              </a:rPr>
-              <a:t>master</a:t>
-            </a:r>
-            <a:endParaRPr b="1" i="0" sz="900" u="none" cap="none" strike="noStrike">
-              <a:solidFill>
-                <a:srgbClr val="000000"/>
-              </a:solidFill>
-            </a:endParaRPr>
-          </a:p>
-        </p:txBody>
-      </p:sp>
-      <p:cxnSp>
-        <p:nvCxnSpPr>
-          <p:cNvPr id="164" name="Google Shape;164;g7052a85339_0_47"/>
-          <p:cNvCxnSpPr>
-            <a:stCxn id="156" idx="4"/>
-            <a:endCxn id="160" idx="0"/>
-          </p:cNvCxnSpPr>
-          <p:nvPr/>
-        </p:nvCxnSpPr>
-        <p:spPr>
-          <a:xfrm>
-            <a:off x="2943950" y="1096500"/>
-            <a:ext cx="600" cy="732300"/>
-          </a:xfrm>
-          <a:prstGeom prst="straightConnector1">
-            <a:avLst/>
-          </a:prstGeom>
-          <a:noFill/>
-          <a:ln cap="flat" cmpd="sng" w="9525">
-            <a:solidFill>
-              <a:schemeClr val="dk2"/>
-            </a:solidFill>
-            <a:prstDash val="solid"/>
-            <a:round/>
-            <a:headEnd len="sm" w="sm" type="none"/>
-            <a:tailEnd len="sm" w="sm" type="none"/>
-          </a:ln>
-        </p:spPr>
-      </p:cxnSp>
-      <p:sp>
-        <p:nvSpPr>
-          <p:cNvPr id="165" name="Google Shape;165;g7052a85339_0_47"/>
+          <p:cNvPr id="178" name="Google Shape;178;g705546a133_0_2"/>
           <p:cNvSpPr txBox="1"/>
           <p:nvPr/>
         </p:nvSpPr>
@@ -14433,6 +20509,10 @@
               <a:buNone/>
             </a:pPr>
             <a:r>
+              <a:rPr lang="en"/>
+              <a:t>4. Opdracht </a:t>
+            </a:r>
+            <a:r>
               <a:rPr b="0" i="0" lang="en" sz="1400" u="none" cap="none" strike="noStrike">
                 <a:solidFill>
                   <a:srgbClr val="000000"/>
@@ -14456,139 +20536,16 @@
           </a:p>
         </p:txBody>
       </p:sp>
-      <p:cxnSp>
-        <p:nvCxnSpPr>
-          <p:cNvPr id="166" name="Google Shape;166;g7052a85339_0_47"/>
-          <p:cNvCxnSpPr>
-            <a:stCxn id="160" idx="4"/>
-            <a:endCxn id="167" idx="0"/>
-          </p:cNvCxnSpPr>
-          <p:nvPr/>
-        </p:nvCxnSpPr>
-        <p:spPr>
-          <a:xfrm>
-            <a:off x="2944428" y="2010900"/>
-            <a:ext cx="0" cy="275100"/>
-          </a:xfrm>
-          <a:prstGeom prst="straightConnector1">
-            <a:avLst/>
-          </a:prstGeom>
-          <a:noFill/>
-          <a:ln cap="flat" cmpd="sng" w="9525">
-            <a:solidFill>
-              <a:schemeClr val="dk2"/>
-            </a:solidFill>
-            <a:prstDash val="solid"/>
-            <a:round/>
-            <a:headEnd len="med" w="med" type="none"/>
-            <a:tailEnd len="med" w="med" type="none"/>
-          </a:ln>
-        </p:spPr>
-      </p:cxnSp>
-      <p:cxnSp>
-        <p:nvCxnSpPr>
-          <p:cNvPr id="168" name="Google Shape;168;g7052a85339_0_47"/>
-          <p:cNvCxnSpPr>
-            <a:stCxn id="157" idx="4"/>
-            <a:endCxn id="167" idx="7"/>
-          </p:cNvCxnSpPr>
-          <p:nvPr/>
-        </p:nvCxnSpPr>
-        <p:spPr>
-          <a:xfrm flipH="1">
-            <a:off x="3009050" y="1553700"/>
-            <a:ext cx="315900" cy="759000"/>
-          </a:xfrm>
-          <a:prstGeom prst="straightConnector1">
-            <a:avLst/>
-          </a:prstGeom>
-          <a:noFill/>
-          <a:ln cap="flat" cmpd="sng" w="9525">
-            <a:solidFill>
-              <a:schemeClr val="dk2"/>
-            </a:solidFill>
-            <a:prstDash val="solid"/>
-            <a:round/>
-            <a:headEnd len="med" w="med" type="none"/>
-            <a:tailEnd len="med" w="med" type="none"/>
-          </a:ln>
-        </p:spPr>
-      </p:cxnSp>
       <p:sp>
         <p:nvSpPr>
-          <p:cNvPr id="167" name="Google Shape;167;g7052a85339_0_47"/>
-          <p:cNvSpPr/>
-          <p:nvPr/>
-        </p:nvSpPr>
-        <p:spPr>
-          <a:xfrm>
-            <a:off x="2852928" y="2286000"/>
-            <a:ext cx="183000" cy="182100"/>
-          </a:xfrm>
-          <a:prstGeom prst="ellipse">
-            <a:avLst/>
-          </a:prstGeom>
-          <a:solidFill>
-            <a:schemeClr val="lt2"/>
-          </a:solidFill>
-          <a:ln cap="flat" cmpd="sng" w="9525">
-            <a:solidFill>
-              <a:schemeClr val="dk2"/>
-            </a:solidFill>
-            <a:prstDash val="solid"/>
-            <a:round/>
-            <a:headEnd len="sm" w="sm" type="none"/>
-            <a:tailEnd len="sm" w="sm" type="none"/>
-          </a:ln>
-        </p:spPr>
-        <p:txBody>
-          <a:bodyPr anchorCtr="0" anchor="ctr" bIns="91425" lIns="91425" spcFirstLastPara="1" rIns="91425" wrap="square" tIns="91425">
-            <a:noAutofit/>
-          </a:bodyPr>
-          <a:lstStyle/>
-          <a:p>
-            <a:pPr indent="0" lvl="0" marL="0" marR="0" rtl="0" algn="l">
-              <a:lnSpc>
-                <a:spcPct val="100000"/>
-              </a:lnSpc>
-              <a:spcBef>
-                <a:spcPts val="0"/>
-              </a:spcBef>
-              <a:spcAft>
-                <a:spcPts val="0"/>
-              </a:spcAft>
-              <a:buClr>
-                <a:srgbClr val="000000"/>
-              </a:buClr>
-              <a:buSzPts val="1400"/>
-              <a:buFont typeface="Arial"/>
-              <a:buNone/>
-            </a:pPr>
-            <a:r>
-              <a:t/>
-            </a:r>
-            <a:endParaRPr b="0" i="0" sz="1400" u="none" cap="none" strike="noStrike">
-              <a:solidFill>
-                <a:srgbClr val="000000"/>
-              </a:solidFill>
-              <a:latin typeface="Arial"/>
-              <a:ea typeface="Arial"/>
-              <a:cs typeface="Arial"/>
-              <a:sym typeface="Arial"/>
-            </a:endParaRPr>
-          </a:p>
-        </p:txBody>
-      </p:sp>
-      <p:sp>
-        <p:nvSpPr>
-          <p:cNvPr id="169" name="Google Shape;169;g7052a85339_0_47"/>
+          <p:cNvPr id="179" name="Google Shape;179;g705546a133_0_2"/>
           <p:cNvSpPr txBox="1"/>
           <p:nvPr/>
         </p:nvSpPr>
         <p:spPr>
           <a:xfrm>
-            <a:off x="3568700" y="2240280"/>
-            <a:ext cx="1097400" cy="274200"/>
+            <a:off x="3621025" y="740675"/>
+            <a:ext cx="5523000" cy="3348600"/>
           </a:xfrm>
           <a:prstGeom prst="rect">
             <a:avLst/>
@@ -14599,41 +20556,241 @@
           </a:ln>
         </p:spPr>
         <p:txBody>
-          <a:bodyPr anchorCtr="0" anchor="t" bIns="0" lIns="0" spcFirstLastPara="1" rIns="0" wrap="square" tIns="0">
+          <a:bodyPr anchorCtr="0" anchor="t" bIns="91425" lIns="91425" spcFirstLastPara="1" rIns="91425" wrap="square" tIns="91425">
             <a:noAutofit/>
           </a:bodyPr>
           <a:lstStyle/>
           <a:p>
-            <a:pPr indent="0" lvl="0" marL="0" marR="0" rtl="0" algn="l">
-              <a:lnSpc>
-                <a:spcPct val="100000"/>
-              </a:lnSpc>
-              <a:spcBef>
-                <a:spcPts val="0"/>
-              </a:spcBef>
-              <a:spcAft>
-                <a:spcPts val="0"/>
-              </a:spcAft>
-              <a:buClr>
-                <a:srgbClr val="000000"/>
-              </a:buClr>
-              <a:buSzPts val="1400"/>
-              <a:buFont typeface="Arial"/>
-              <a:buNone/>
-            </a:pPr>
-            <a:r>
-              <a:rPr lang="en"/>
-              <a:t>merge</a:t>
-            </a:r>
-            <a:endParaRPr b="0" i="0" sz="1400" u="none" cap="none" strike="noStrike">
+            <a:pPr indent="-330200" lvl="0" marL="457200" rtl="0" algn="l">
+              <a:spcBef>
+                <a:spcPts val="0"/>
+              </a:spcBef>
+              <a:spcAft>
+                <a:spcPts val="0"/>
+              </a:spcAft>
+              <a:buSzPts val="1600"/>
+              <a:buChar char="●"/>
+            </a:pPr>
+            <a:r>
+              <a:rPr lang="en" sz="1600"/>
+              <a:t>maak initial commit</a:t>
+            </a:r>
+            <a:endParaRPr sz="1600"/>
+          </a:p>
+          <a:p>
+            <a:pPr indent="-330200" lvl="0" marL="457200" rtl="0" algn="l">
+              <a:spcBef>
+                <a:spcPts val="0"/>
+              </a:spcBef>
+              <a:spcAft>
+                <a:spcPts val="0"/>
+              </a:spcAft>
+              <a:buSzPts val="1600"/>
+              <a:buChar char="●"/>
+            </a:pPr>
+            <a:r>
+              <a:rPr lang="en" sz="1600"/>
+              <a:t>maak nieuwe branch develop</a:t>
+            </a:r>
+            <a:endParaRPr sz="1600"/>
+          </a:p>
+          <a:p>
+            <a:pPr indent="-330200" lvl="0" marL="457200" rtl="0" algn="l">
+              <a:spcBef>
+                <a:spcPts val="0"/>
+              </a:spcBef>
+              <a:spcAft>
+                <a:spcPts val="0"/>
+              </a:spcAft>
+              <a:buSzPts val="1600"/>
+              <a:buChar char="●"/>
+            </a:pPr>
+            <a:r>
+              <a:rPr lang="en" sz="1600"/>
+              <a:t>checkout develop</a:t>
+            </a:r>
+            <a:endParaRPr sz="1600"/>
+          </a:p>
+          <a:p>
+            <a:pPr indent="-330200" lvl="0" marL="457200" rtl="0" algn="l">
+              <a:spcBef>
+                <a:spcPts val="0"/>
+              </a:spcBef>
+              <a:spcAft>
+                <a:spcPts val="0"/>
+              </a:spcAft>
+              <a:buSzPts val="1600"/>
+              <a:buChar char="●"/>
+            </a:pPr>
+            <a:r>
+              <a:rPr lang="en" sz="1600"/>
+              <a:t>maak wijziging en commit</a:t>
+            </a:r>
+            <a:endParaRPr sz="1600"/>
+          </a:p>
+          <a:p>
+            <a:pPr indent="-330200" lvl="0" marL="457200" rtl="0" algn="l">
+              <a:spcBef>
+                <a:spcPts val="0"/>
+              </a:spcBef>
+              <a:spcAft>
+                <a:spcPts val="0"/>
+              </a:spcAft>
+              <a:buSzPts val="1600"/>
+              <a:buChar char="●"/>
+            </a:pPr>
+            <a:r>
+              <a:rPr lang="en" sz="1600"/>
+              <a:t>checkout master</a:t>
+            </a:r>
+            <a:endParaRPr sz="1600"/>
+          </a:p>
+          <a:p>
+            <a:pPr indent="-330200" lvl="0" marL="457200" rtl="0" algn="l">
+              <a:spcBef>
+                <a:spcPts val="0"/>
+              </a:spcBef>
+              <a:spcAft>
+                <a:spcPts val="0"/>
+              </a:spcAft>
+              <a:buClr>
+                <a:schemeClr val="dk1"/>
+              </a:buClr>
+              <a:buSzPts val="1600"/>
+              <a:buChar char="●"/>
+            </a:pPr>
+            <a:r>
+              <a:rPr lang="en" sz="1600">
+                <a:solidFill>
+                  <a:schemeClr val="dk1"/>
+                </a:solidFill>
+              </a:rPr>
+              <a:t>maak wijziging en commit</a:t>
+            </a:r>
+            <a:endParaRPr sz="1600">
               <a:solidFill>
-                <a:srgbClr val="000000"/>
+                <a:schemeClr val="dk1"/>
               </a:solidFill>
-              <a:latin typeface="Arial"/>
-              <a:ea typeface="Arial"/>
-              <a:cs typeface="Arial"/>
-              <a:sym typeface="Arial"/>
             </a:endParaRPr>
+          </a:p>
+          <a:p>
+            <a:pPr indent="-330200" lvl="0" marL="457200" rtl="0" algn="l">
+              <a:spcBef>
+                <a:spcPts val="0"/>
+              </a:spcBef>
+              <a:spcAft>
+                <a:spcPts val="0"/>
+              </a:spcAft>
+              <a:buSzPts val="1600"/>
+              <a:buChar char="●"/>
+            </a:pPr>
+            <a:r>
+              <a:rPr lang="en" sz="1600"/>
+              <a:t>merge develop in master</a:t>
+            </a:r>
+            <a:endParaRPr sz="1600"/>
+          </a:p>
+          <a:p>
+            <a:pPr indent="-330200" lvl="0" marL="457200" rtl="0" algn="l">
+              <a:spcBef>
+                <a:spcPts val="0"/>
+              </a:spcBef>
+              <a:spcAft>
+                <a:spcPts val="0"/>
+              </a:spcAft>
+              <a:buSzPts val="1600"/>
+              <a:buChar char="●"/>
+            </a:pPr>
+            <a:r>
+              <a:rPr lang="en" sz="1600"/>
+              <a:t>los conflict op en commit</a:t>
+            </a:r>
+            <a:endParaRPr sz="1600"/>
+          </a:p>
+          <a:p>
+            <a:pPr indent="-330200" lvl="0" marL="457200" rtl="0" algn="l">
+              <a:spcBef>
+                <a:spcPts val="0"/>
+              </a:spcBef>
+              <a:spcAft>
+                <a:spcPts val="0"/>
+              </a:spcAft>
+              <a:buSzPts val="1600"/>
+              <a:buChar char="●"/>
+            </a:pPr>
+            <a:r>
+              <a:rPr lang="en" sz="1600"/>
+              <a:t>bekijk log</a:t>
+            </a:r>
+            <a:endParaRPr sz="1600"/>
+          </a:p>
+          <a:p>
+            <a:pPr indent="-330200" lvl="0" marL="457200" rtl="0" algn="l">
+              <a:spcBef>
+                <a:spcPts val="0"/>
+              </a:spcBef>
+              <a:spcAft>
+                <a:spcPts val="0"/>
+              </a:spcAft>
+              <a:buSzPts val="1600"/>
+              <a:buChar char="●"/>
+            </a:pPr>
+            <a:r>
+              <a:rPr lang="en" sz="1600"/>
+              <a:t>checkout develop</a:t>
+            </a:r>
+            <a:endParaRPr sz="1600"/>
+          </a:p>
+          <a:p>
+            <a:pPr indent="-330200" lvl="0" marL="457200" rtl="0" algn="l">
+              <a:spcBef>
+                <a:spcPts val="0"/>
+              </a:spcBef>
+              <a:spcAft>
+                <a:spcPts val="0"/>
+              </a:spcAft>
+              <a:buSzPts val="1600"/>
+              <a:buChar char="●"/>
+            </a:pPr>
+            <a:r>
+              <a:rPr lang="en" sz="1600"/>
+              <a:t>merge master in develop(fast-forward)</a:t>
+            </a:r>
+            <a:endParaRPr sz="1600"/>
+          </a:p>
+          <a:p>
+            <a:pPr indent="-330200" lvl="0" marL="457200" rtl="0" algn="l">
+              <a:spcBef>
+                <a:spcPts val="0"/>
+              </a:spcBef>
+              <a:spcAft>
+                <a:spcPts val="0"/>
+              </a:spcAft>
+              <a:buSzPts val="1600"/>
+              <a:buChar char="●"/>
+            </a:pPr>
+            <a:r>
+              <a:rPr lang="en" sz="1600"/>
+              <a:t>bekijk log</a:t>
+            </a:r>
+            <a:endParaRPr sz="1600"/>
+          </a:p>
+          <a:p>
+            <a:pPr indent="-330200" lvl="0" marL="457200" rtl="0" algn="l">
+              <a:spcBef>
+                <a:spcPts val="0"/>
+              </a:spcBef>
+              <a:spcAft>
+                <a:spcPts val="0"/>
+              </a:spcAft>
+              <a:buSzPts val="1600"/>
+              <a:buChar char="●"/>
+            </a:pPr>
+            <a:r>
+              <a:rPr lang="en" sz="1600"/>
+              <a:t>delete develop branch</a:t>
+            </a:r>
+            <a:endParaRPr sz="1600"/>
           </a:p>
         </p:txBody>
       </p:sp>
